--- a/src/main/resources/Presentations/BlablaMove_OralDefense.pptx
+++ b/src/main/resources/Presentations/BlablaMove_OralDefense.pptx
@@ -6651,7 +6651,7 @@
         </p:nvSpPr>
         <p:spPr>
           <a:xfrm>
-            <a:off x="0" y="1419622"/>
+            <a:off x="0" y="1347614"/>
             <a:ext cx="9144000" cy="2160240"/>
           </a:xfrm>
           <a:prstGeom prst="rect">
@@ -6894,7 +6894,7 @@
         </p:nvSpPr>
         <p:spPr>
           <a:xfrm>
-            <a:off x="0" y="1347614"/>
+            <a:off x="-16804" y="1059582"/>
             <a:ext cx="9144000" cy="2160240"/>
           </a:xfrm>
           <a:prstGeom prst="rect">
@@ -7371,30 +7371,30 @@
           </a:lstStyle>
           <a:p>
             <a:r>
-              <a:rPr lang="fr-FR" sz="4000" dirty="0">
+              <a:rPr lang="fr-FR" sz="4000" b="1" dirty="0">
                 <a:solidFill>
                   <a:schemeClr val="accent6"/>
                 </a:solidFill>
-                <a:latin typeface="Dosis Medium" panose="02010503020202060003" pitchFamily="2" charset="77"/>
+                <a:latin typeface="Dosis SemiBold" panose="02010503020202060003" pitchFamily="2" charset="77"/>
                 <a:cs typeface="Arial" pitchFamily="34" charset="0"/>
               </a:rPr>
               <a:t>Planning vs </a:t>
             </a:r>
             <a:r>
-              <a:rPr lang="fr-FR" sz="4000" dirty="0" err="1">
+              <a:rPr lang="fr-FR" sz="4000" b="1" dirty="0" err="1">
                 <a:solidFill>
                   <a:schemeClr val="accent6"/>
                 </a:solidFill>
-                <a:latin typeface="Dosis Medium" panose="02010503020202060003" pitchFamily="2" charset="77"/>
+                <a:latin typeface="Dosis SemiBold" panose="02010503020202060003" pitchFamily="2" charset="77"/>
                 <a:cs typeface="Arial" pitchFamily="34" charset="0"/>
               </a:rPr>
               <a:t>Results</a:t>
             </a:r>
-            <a:endParaRPr lang="en-US" sz="4000" dirty="0">
+            <a:endParaRPr lang="en-US" sz="4000" b="1" dirty="0">
               <a:solidFill>
                 <a:schemeClr val="accent6"/>
               </a:solidFill>
-              <a:latin typeface="Dosis Medium" panose="02010503020202060003" pitchFamily="2" charset="77"/>
+              <a:latin typeface="Dosis SemiBold" panose="02010503020202060003" pitchFamily="2" charset="77"/>
               <a:cs typeface="Arial" pitchFamily="34" charset="0"/>
             </a:endParaRPr>
           </a:p>
@@ -7853,7 +7853,7 @@
         </p:nvSpPr>
         <p:spPr>
           <a:xfrm>
-            <a:off x="0" y="1563638"/>
+            <a:off x="0" y="1347614"/>
             <a:ext cx="9144000" cy="2160240"/>
           </a:xfrm>
           <a:prstGeom prst="rect">
@@ -8744,30 +8744,30 @@
           </a:lstStyle>
           <a:p>
             <a:r>
-              <a:rPr lang="fr-FR" sz="4000" dirty="0" err="1">
+              <a:rPr lang="fr-FR" sz="4000" b="1" dirty="0" err="1">
                 <a:solidFill>
                   <a:schemeClr val="accent6"/>
                 </a:solidFill>
-                <a:latin typeface="Dosis Medium" panose="02010503020202060003" pitchFamily="2" charset="77"/>
+                <a:latin typeface="Dosis SemiBold" panose="02010503020202060003" pitchFamily="2" charset="77"/>
                 <a:cs typeface="Arial" pitchFamily="34" charset="0"/>
               </a:rPr>
               <a:t>Work</a:t>
             </a:r>
             <a:r>
-              <a:rPr lang="fr-FR" sz="4000" dirty="0">
+              <a:rPr lang="fr-FR" sz="4000" b="1" dirty="0">
                 <a:solidFill>
                   <a:schemeClr val="accent6"/>
                 </a:solidFill>
-                <a:latin typeface="Dosis Medium" panose="02010503020202060003" pitchFamily="2" charset="77"/>
+                <a:latin typeface="Dosis SemiBold" panose="02010503020202060003" pitchFamily="2" charset="77"/>
                 <a:cs typeface="Arial" pitchFamily="34" charset="0"/>
               </a:rPr>
               <a:t> Distribution</a:t>
             </a:r>
-            <a:endParaRPr lang="en-US" sz="4000" dirty="0">
+            <a:endParaRPr lang="en-US" sz="4000" b="1" dirty="0">
               <a:solidFill>
                 <a:schemeClr val="accent6"/>
               </a:solidFill>
-              <a:latin typeface="Dosis Medium" panose="02010503020202060003" pitchFamily="2" charset="77"/>
+              <a:latin typeface="Dosis SemiBold" panose="02010503020202060003" pitchFamily="2" charset="77"/>
               <a:cs typeface="Arial" pitchFamily="34" charset="0"/>
             </a:endParaRPr>
           </a:p>
@@ -9199,7 +9199,7 @@
         </p:nvSpPr>
         <p:spPr>
           <a:xfrm>
-            <a:off x="0" y="1491630"/>
+            <a:off x="0" y="1419622"/>
             <a:ext cx="9144000" cy="2160240"/>
           </a:xfrm>
           <a:prstGeom prst="rect">
@@ -9343,37 +9343,37 @@
           </a:lstStyle>
           <a:p>
             <a:r>
-              <a:rPr lang="fr-FR" sz="4000" dirty="0">
+              <a:rPr lang="fr-FR" sz="4000" b="1" dirty="0">
                 <a:solidFill>
                   <a:schemeClr val="accent6"/>
                 </a:solidFill>
-                <a:latin typeface="Dosis Medium" panose="02010503020202060003" pitchFamily="2" charset="77"/>
+                <a:latin typeface="Dosis SemiBold" panose="02010503020202060003" pitchFamily="2" charset="77"/>
               </a:rPr>
               <a:t>Changes </a:t>
             </a:r>
             <a:r>
-              <a:rPr lang="fr-FR" sz="4000" dirty="0" err="1">
+              <a:rPr lang="fr-FR" sz="4000" b="1" dirty="0" err="1">
                 <a:solidFill>
                   <a:schemeClr val="accent6"/>
                 </a:solidFill>
-                <a:latin typeface="Dosis Medium" panose="02010503020202060003" pitchFamily="2" charset="77"/>
+                <a:latin typeface="Dosis SemiBold" panose="02010503020202060003" pitchFamily="2" charset="77"/>
               </a:rPr>
               <a:t>imposed</a:t>
             </a:r>
             <a:r>
-              <a:rPr lang="fr-FR" sz="4000" dirty="0">
+              <a:rPr lang="fr-FR" sz="4000" b="1" dirty="0">
                 <a:solidFill>
                   <a:schemeClr val="accent6"/>
                 </a:solidFill>
-                <a:latin typeface="Dosis Medium" panose="02010503020202060003" pitchFamily="2" charset="77"/>
+                <a:latin typeface="Dosis SemiBold" panose="02010503020202060003" pitchFamily="2" charset="77"/>
               </a:rPr>
               <a:t> by the client</a:t>
             </a:r>
-            <a:endParaRPr lang="en-US" sz="4000" dirty="0">
+            <a:endParaRPr lang="en-US" sz="4000" b="1" dirty="0">
               <a:solidFill>
                 <a:schemeClr val="accent6"/>
               </a:solidFill>
-              <a:latin typeface="Dosis Medium" panose="02010503020202060003" pitchFamily="2" charset="77"/>
+              <a:latin typeface="Dosis SemiBold" panose="02010503020202060003" pitchFamily="2" charset="77"/>
               <a:cs typeface="Arial" pitchFamily="34" charset="0"/>
             </a:endParaRPr>
           </a:p>
@@ -10301,7 +10301,7 @@
         </p:nvSpPr>
         <p:spPr>
           <a:xfrm>
-            <a:off x="0" y="1203598"/>
+            <a:off x="0" y="915566"/>
             <a:ext cx="9144000" cy="2160240"/>
           </a:xfrm>
           <a:prstGeom prst="rect">
@@ -10476,19 +10476,19 @@
           </a:lstStyle>
           <a:p>
             <a:r>
-              <a:rPr lang="fr-FR" sz="4000" dirty="0" err="1">
+              <a:rPr lang="fr-FR" sz="4000" b="1" dirty="0" err="1">
                 <a:solidFill>
                   <a:schemeClr val="accent6"/>
                 </a:solidFill>
-                <a:latin typeface="Dosis Medium" panose="02010503020202060003" pitchFamily="2" charset="77"/>
+                <a:latin typeface="Dosis SemiBold" panose="02010503020202060003" pitchFamily="2" charset="77"/>
               </a:rPr>
               <a:t>Realisation</a:t>
             </a:r>
-            <a:endParaRPr lang="en-US" sz="4000" dirty="0">
+            <a:endParaRPr lang="en-US" sz="4000" b="1" dirty="0">
               <a:solidFill>
                 <a:schemeClr val="accent6"/>
               </a:solidFill>
-              <a:latin typeface="Dosis Medium" panose="02010503020202060003" pitchFamily="2" charset="77"/>
+              <a:latin typeface="Dosis SemiBold" panose="02010503020202060003" pitchFamily="2" charset="77"/>
               <a:cs typeface="Arial" pitchFamily="34" charset="0"/>
             </a:endParaRPr>
           </a:p>
@@ -11187,28 +11187,28 @@
           </a:lstStyle>
           <a:p>
             <a:r>
-              <a:rPr lang="fr-FR" sz="4000" dirty="0">
+              <a:rPr lang="fr-FR" sz="4000" b="1" dirty="0">
                 <a:solidFill>
                   <a:schemeClr val="accent6"/>
                 </a:solidFill>
-                <a:latin typeface="Dosis Medium" panose="02010503020202060003" pitchFamily="2" charset="77"/>
+                <a:latin typeface="Dosis SemiBold" panose="02010503020202060003" pitchFamily="2" charset="77"/>
               </a:rPr>
               <a:t>Architecture </a:t>
             </a:r>
             <a:r>
-              <a:rPr lang="fr-FR" sz="4000" dirty="0" err="1">
+              <a:rPr lang="fr-FR" sz="4000" b="1" dirty="0" err="1">
                 <a:solidFill>
                   <a:schemeClr val="accent6"/>
                 </a:solidFill>
-                <a:latin typeface="Dosis Medium" panose="02010503020202060003" pitchFamily="2" charset="77"/>
+                <a:latin typeface="Dosis SemiBold" panose="02010503020202060003" pitchFamily="2" charset="77"/>
               </a:rPr>
               <a:t>Overview</a:t>
             </a:r>
-            <a:endParaRPr lang="en-US" sz="4000" dirty="0">
+            <a:endParaRPr lang="en-US" sz="4000" b="1" dirty="0">
               <a:solidFill>
                 <a:schemeClr val="accent6"/>
               </a:solidFill>
-              <a:latin typeface="Dosis Medium" panose="02010503020202060003" pitchFamily="2" charset="77"/>
+              <a:latin typeface="Dosis SemiBold" panose="02010503020202060003" pitchFamily="2" charset="77"/>
               <a:cs typeface="Arial" pitchFamily="34" charset="0"/>
             </a:endParaRPr>
           </a:p>
@@ -11756,10 +11756,10 @@
       </p:sp>
       <p:pic>
         <p:nvPicPr>
-          <p:cNvPr id="39" name="Image 38">
+          <p:cNvPr id="4" name="Image 3">
             <a:extLst>
               <a:ext uri="{FF2B5EF4-FFF2-40B4-BE49-F238E27FC236}">
-                <a16:creationId xmlns:a16="http://schemas.microsoft.com/office/drawing/2014/main" id="{5E23951F-1390-5446-89C5-A311DED76592}"/>
+                <a16:creationId xmlns:a16="http://schemas.microsoft.com/office/drawing/2014/main" id="{86A0331E-B85F-4747-B4F7-014826E9007C}"/>
               </a:ext>
             </a:extLst>
           </p:cNvPr>
@@ -11782,8 +11782,8 @@
         </p:blipFill>
         <p:spPr>
           <a:xfrm>
-            <a:off x="2339752" y="411510"/>
-            <a:ext cx="5832648" cy="4919422"/>
+            <a:off x="1979712" y="558704"/>
+            <a:ext cx="6480720" cy="4584796"/>
           </a:xfrm>
           <a:prstGeom prst="rect">
             <a:avLst/>
@@ -12027,37 +12027,37 @@
           </a:lstStyle>
           <a:p>
             <a:r>
-              <a:rPr lang="fr-FR" sz="4000" dirty="0" err="1">
+              <a:rPr lang="fr-FR" sz="4000" b="1" dirty="0" err="1">
                 <a:solidFill>
                   <a:schemeClr val="accent6"/>
                 </a:solidFill>
-                <a:latin typeface="Dosis Medium" panose="02010503020202060003" pitchFamily="2" charset="77"/>
+                <a:latin typeface="Dosis SemiBold" panose="02010503020202060003" pitchFamily="2" charset="77"/>
               </a:rPr>
               <a:t>Technological</a:t>
             </a:r>
             <a:r>
-              <a:rPr lang="fr-FR" sz="4000" dirty="0">
+              <a:rPr lang="fr-FR" sz="4000" b="1" dirty="0">
                 <a:solidFill>
                   <a:schemeClr val="accent6"/>
                 </a:solidFill>
-                <a:latin typeface="Dosis Medium" panose="02010503020202060003" pitchFamily="2" charset="77"/>
+                <a:latin typeface="Dosis SemiBold" panose="02010503020202060003" pitchFamily="2" charset="77"/>
               </a:rPr>
               <a:t> </a:t>
             </a:r>
             <a:r>
-              <a:rPr lang="fr-FR" sz="4000" dirty="0" err="1">
+              <a:rPr lang="fr-FR" sz="4000" b="1" dirty="0" err="1">
                 <a:solidFill>
                   <a:schemeClr val="accent6"/>
                 </a:solidFill>
-                <a:latin typeface="Dosis Medium" panose="02010503020202060003" pitchFamily="2" charset="77"/>
+                <a:latin typeface="Dosis SemiBold" panose="02010503020202060003" pitchFamily="2" charset="77"/>
               </a:rPr>
               <a:t>Choices</a:t>
             </a:r>
-            <a:endParaRPr lang="en-US" sz="4000" dirty="0">
+            <a:endParaRPr lang="en-US" sz="4000" b="1" dirty="0">
               <a:solidFill>
                 <a:schemeClr val="accent6"/>
               </a:solidFill>
-              <a:latin typeface="Dosis Medium" panose="02010503020202060003" pitchFamily="2" charset="77"/>
+              <a:latin typeface="Dosis SemiBold" panose="02010503020202060003" pitchFamily="2" charset="77"/>
               <a:cs typeface="Arial" pitchFamily="34" charset="0"/>
             </a:endParaRPr>
           </a:p>

--- a/src/main/resources/Presentations/BlablaMove_OralDefense.pptx
+++ b/src/main/resources/Presentations/BlablaMove_OralDefense.pptx
@@ -7,7 +7,7 @@
     <p:sldMasterId id="2147483653" r:id="rId3"/>
   </p:sldMasterIdLst>
   <p:notesMasterIdLst>
-    <p:notesMasterId r:id="rId19"/>
+    <p:notesMasterId r:id="rId21"/>
   </p:notesMasterIdLst>
   <p:sldIdLst>
     <p:sldId id="256" r:id="rId4"/>
@@ -15,16 +15,18 @@
     <p:sldId id="306" r:id="rId6"/>
     <p:sldId id="309" r:id="rId7"/>
     <p:sldId id="310" r:id="rId8"/>
-    <p:sldId id="301" r:id="rId9"/>
-    <p:sldId id="302" r:id="rId10"/>
-    <p:sldId id="303" r:id="rId11"/>
-    <p:sldId id="304" r:id="rId12"/>
-    <p:sldId id="307" r:id="rId13"/>
-    <p:sldId id="308" r:id="rId14"/>
-    <p:sldId id="272" r:id="rId15"/>
-    <p:sldId id="311" r:id="rId16"/>
-    <p:sldId id="265" r:id="rId17"/>
-    <p:sldId id="312" r:id="rId18"/>
+    <p:sldId id="314" r:id="rId9"/>
+    <p:sldId id="315" r:id="rId10"/>
+    <p:sldId id="301" r:id="rId11"/>
+    <p:sldId id="302" r:id="rId12"/>
+    <p:sldId id="303" r:id="rId13"/>
+    <p:sldId id="304" r:id="rId14"/>
+    <p:sldId id="307" r:id="rId15"/>
+    <p:sldId id="308" r:id="rId16"/>
+    <p:sldId id="272" r:id="rId17"/>
+    <p:sldId id="311" r:id="rId18"/>
+    <p:sldId id="265" r:id="rId19"/>
+    <p:sldId id="312" r:id="rId20"/>
   </p:sldIdLst>
   <p:sldSz cx="9144000" cy="5143500" type="screen16x9"/>
   <p:notesSz cx="6858000" cy="9144000"/>
@@ -224,7 +226,7 @@
           <a:p>
             <a:fld id="{A0FE4780-4742-4AF7-B9F6-29387D06C872}" type="datetimeFigureOut">
               <a:rPr lang="ko-KR" altLang="en-US" smtClean="0"/>
-              <a:t>2019. 2. 13.</a:t>
+              <a:t>2019. 2. 27.</a:t>
             </a:fld>
             <a:endParaRPr lang="ko-KR" altLang="en-US"/>
           </a:p>
@@ -6691,7 +6693,7 @@
                 </a:solidFill>
                 <a:latin typeface="Dosis" panose="02010503020202060003" pitchFamily="2" charset="77"/>
               </a:rPr>
-              <a:t>0.</a:t>
+              <a:t>4.</a:t>
             </a:r>
           </a:p>
           <a:p>
@@ -6707,7 +6709,7 @@
                 </a:solidFill>
                 <a:latin typeface="Dosis" panose="02010503020202060003" pitchFamily="2" charset="77"/>
               </a:rPr>
-              <a:t>LIVE </a:t>
+              <a:t>TECHNOLOGICAL </a:t>
             </a:r>
           </a:p>
           <a:p>
@@ -6723,17 +6725,445 @@
                 </a:solidFill>
                 <a:latin typeface="Dosis" panose="02010503020202060003" pitchFamily="2" charset="77"/>
               </a:rPr>
-              <a:t>DEMO</a:t>
+              <a:t>CHOICES</a:t>
+            </a:r>
+          </a:p>
+        </p:txBody>
+      </p:sp>
+    </p:spTree>
+    <p:extLst>
+      <p:ext uri="{BB962C8B-B14F-4D97-AF65-F5344CB8AC3E}">
+        <p14:creationId xmlns:p14="http://schemas.microsoft.com/office/powerpoint/2010/main" val="553599223"/>
+      </p:ext>
+    </p:extLst>
+  </p:cSld>
+  <p:clrMapOvr>
+    <a:masterClrMapping/>
+  </p:clrMapOvr>
+</p:sld>
+</file>
+
+<file path=ppt/slides/slide11.xml><?xml version="1.0" encoding="utf-8"?>
+<p:sld xmlns:a="http://schemas.openxmlformats.org/drawingml/2006/main" xmlns:r="http://schemas.openxmlformats.org/officeDocument/2006/relationships" xmlns:p="http://schemas.openxmlformats.org/presentationml/2006/main">
+  <p:cSld>
+    <p:spTree>
+      <p:nvGrpSpPr>
+        <p:cNvPr id="1" name=""/>
+        <p:cNvGrpSpPr/>
+        <p:nvPr/>
+      </p:nvGrpSpPr>
+      <p:grpSpPr>
+        <a:xfrm>
+          <a:off x="0" y="0"/>
+          <a:ext cx="0" cy="0"/>
+          <a:chOff x="0" y="0"/>
+          <a:chExt cx="0" cy="0"/>
+        </a:xfrm>
+      </p:grpSpPr>
+      <p:sp>
+        <p:nvSpPr>
+          <p:cNvPr id="11" name="TextBox 10"/>
+          <p:cNvSpPr txBox="1"/>
+          <p:nvPr/>
+        </p:nvSpPr>
+        <p:spPr>
+          <a:xfrm>
+            <a:off x="977080" y="1564253"/>
+            <a:ext cx="709121" cy="646331"/>
+          </a:xfrm>
+          <a:prstGeom prst="rect">
+            <a:avLst/>
+          </a:prstGeom>
+          <a:noFill/>
+        </p:spPr>
+        <p:txBody>
+          <a:bodyPr wrap="square" rtlCol="0">
+            <a:spAutoFit/>
+          </a:bodyPr>
+          <a:lstStyle/>
+          <a:p>
+            <a:pPr algn="ctr"/>
+            <a:r>
+              <a:rPr lang="en-US" altLang="ko-KR" sz="3600" b="1" dirty="0">
+                <a:solidFill>
+                  <a:schemeClr val="bg1"/>
+                </a:solidFill>
+                <a:cs typeface="Arial" pitchFamily="34" charset="0"/>
+              </a:rPr>
+              <a:t>01</a:t>
+            </a:r>
+            <a:endParaRPr lang="ko-KR" altLang="en-US" sz="3600" b="1" dirty="0">
+              <a:solidFill>
+                <a:schemeClr val="bg1"/>
+              </a:solidFill>
+              <a:cs typeface="Arial" pitchFamily="34" charset="0"/>
+            </a:endParaRPr>
+          </a:p>
+        </p:txBody>
+      </p:sp>
+      <p:sp>
+        <p:nvSpPr>
+          <p:cNvPr id="34" name="Title 2">
+            <a:extLst>
+              <a:ext uri="{FF2B5EF4-FFF2-40B4-BE49-F238E27FC236}">
+                <a16:creationId xmlns:a16="http://schemas.microsoft.com/office/drawing/2014/main" id="{0EB739D6-61DE-A545-B912-BFD7C81BBFD1}"/>
+              </a:ext>
+            </a:extLst>
+          </p:cNvPr>
+          <p:cNvSpPr txBox="1">
+            <a:spLocks/>
+          </p:cNvSpPr>
+          <p:nvPr/>
+        </p:nvSpPr>
+        <p:spPr>
+          <a:xfrm>
+            <a:off x="0" y="125252"/>
+            <a:ext cx="9144000" cy="576064"/>
+          </a:xfrm>
+          <a:prstGeom prst="rect">
+            <a:avLst/>
+          </a:prstGeom>
+        </p:spPr>
+        <p:txBody>
+          <a:bodyPr anchor="ctr"/>
+          <a:lstStyle>
+            <a:lvl1pPr algn="ctr" defTabSz="914400" rtl="0" eaLnBrk="1" latinLnBrk="1" hangingPunct="1">
+              <a:spcBef>
+                <a:spcPct val="0"/>
+              </a:spcBef>
+              <a:buNone/>
+              <a:defRPr sz="4400" kern="1200">
+                <a:solidFill>
+                  <a:schemeClr val="tx1"/>
+                </a:solidFill>
+                <a:latin typeface="+mj-lt"/>
+                <a:ea typeface="+mj-ea"/>
+                <a:cs typeface="+mj-cs"/>
+              </a:defRPr>
+            </a:lvl1pPr>
+          </a:lstStyle>
+          <a:p>
+            <a:r>
+              <a:rPr lang="fr-FR" sz="4000" b="1" dirty="0" err="1">
+                <a:solidFill>
+                  <a:schemeClr val="accent6"/>
+                </a:solidFill>
+                <a:latin typeface="Dosis SemiBold" panose="02010503020202060003" pitchFamily="2" charset="77"/>
+              </a:rPr>
+              <a:t>Technological</a:t>
+            </a:r>
+            <a:r>
+              <a:rPr lang="fr-FR" sz="4000" b="1" dirty="0">
+                <a:solidFill>
+                  <a:schemeClr val="accent6"/>
+                </a:solidFill>
+                <a:latin typeface="Dosis SemiBold" panose="02010503020202060003" pitchFamily="2" charset="77"/>
+              </a:rPr>
+              <a:t> </a:t>
+            </a:r>
+            <a:r>
+              <a:rPr lang="fr-FR" sz="4000" b="1" dirty="0" err="1">
+                <a:solidFill>
+                  <a:schemeClr val="accent6"/>
+                </a:solidFill>
+                <a:latin typeface="Dosis SemiBold" panose="02010503020202060003" pitchFamily="2" charset="77"/>
+              </a:rPr>
+              <a:t>Choices</a:t>
+            </a:r>
+            <a:endParaRPr lang="en-US" sz="4000" b="1" dirty="0">
+              <a:solidFill>
+                <a:schemeClr val="accent6"/>
+              </a:solidFill>
+              <a:latin typeface="Dosis SemiBold" panose="02010503020202060003" pitchFamily="2" charset="77"/>
+              <a:cs typeface="Arial" pitchFamily="34" charset="0"/>
+            </a:endParaRPr>
+          </a:p>
+        </p:txBody>
+      </p:sp>
+      <p:sp>
+        <p:nvSpPr>
+          <p:cNvPr id="37" name="Google Shape;3871;p18">
+            <a:extLst>
+              <a:ext uri="{FF2B5EF4-FFF2-40B4-BE49-F238E27FC236}">
+                <a16:creationId xmlns:a16="http://schemas.microsoft.com/office/drawing/2014/main" id="{CF5D001D-17B5-264E-8262-F4BA9176A1D9}"/>
+              </a:ext>
+            </a:extLst>
+          </p:cNvPr>
+          <p:cNvSpPr txBox="1">
+            <a:spLocks/>
+          </p:cNvSpPr>
+          <p:nvPr/>
+        </p:nvSpPr>
+        <p:spPr>
+          <a:xfrm>
+            <a:off x="394546" y="981449"/>
+            <a:ext cx="7192108" cy="1661746"/>
+          </a:xfrm>
+          <a:prstGeom prst="rect">
+            <a:avLst/>
+          </a:prstGeom>
+        </p:spPr>
+        <p:txBody>
+          <a:bodyPr spcFirstLastPara="1" wrap="square" lIns="91425" tIns="91425" rIns="91425" bIns="91425" anchor="t" anchorCtr="0">
+            <a:noAutofit/>
+          </a:bodyPr>
+          <a:lstStyle>
+            <a:lvl1pPr marL="342900" indent="-342900" algn="l" defTabSz="914400" rtl="0" eaLnBrk="1" latinLnBrk="1" hangingPunct="1">
+              <a:spcBef>
+                <a:spcPct val="20000"/>
+              </a:spcBef>
+              <a:buFont typeface="Arial" pitchFamily="34" charset="0"/>
+              <a:buChar char="•"/>
+              <a:defRPr sz="3200" kern="1200">
+                <a:solidFill>
+                  <a:schemeClr val="tx1"/>
+                </a:solidFill>
+                <a:latin typeface="+mn-lt"/>
+                <a:ea typeface="+mn-ea"/>
+                <a:cs typeface="+mn-cs"/>
+              </a:defRPr>
+            </a:lvl1pPr>
+            <a:lvl2pPr marL="742950" indent="-285750" algn="l" defTabSz="914400" rtl="0" eaLnBrk="1" latinLnBrk="1" hangingPunct="1">
+              <a:spcBef>
+                <a:spcPct val="20000"/>
+              </a:spcBef>
+              <a:buFont typeface="Arial" pitchFamily="34" charset="0"/>
+              <a:buChar char="–"/>
+              <a:defRPr sz="2800" kern="1200">
+                <a:solidFill>
+                  <a:schemeClr val="tx1"/>
+                </a:solidFill>
+                <a:latin typeface="+mn-lt"/>
+                <a:ea typeface="+mn-ea"/>
+                <a:cs typeface="+mn-cs"/>
+              </a:defRPr>
+            </a:lvl2pPr>
+            <a:lvl3pPr marL="1143000" indent="-228600" algn="l" defTabSz="914400" rtl="0" eaLnBrk="1" latinLnBrk="1" hangingPunct="1">
+              <a:spcBef>
+                <a:spcPct val="20000"/>
+              </a:spcBef>
+              <a:buFont typeface="Arial" pitchFamily="34" charset="0"/>
+              <a:buChar char="•"/>
+              <a:defRPr sz="2400" kern="1200">
+                <a:solidFill>
+                  <a:schemeClr val="tx1"/>
+                </a:solidFill>
+                <a:latin typeface="+mn-lt"/>
+                <a:ea typeface="+mn-ea"/>
+                <a:cs typeface="+mn-cs"/>
+              </a:defRPr>
+            </a:lvl3pPr>
+            <a:lvl4pPr marL="1600200" indent="-228600" algn="l" defTabSz="914400" rtl="0" eaLnBrk="1" latinLnBrk="1" hangingPunct="1">
+              <a:spcBef>
+                <a:spcPct val="20000"/>
+              </a:spcBef>
+              <a:buFont typeface="Arial" pitchFamily="34" charset="0"/>
+              <a:buChar char="–"/>
+              <a:defRPr sz="2000" kern="1200">
+                <a:solidFill>
+                  <a:schemeClr val="tx1"/>
+                </a:solidFill>
+                <a:latin typeface="+mn-lt"/>
+                <a:ea typeface="+mn-ea"/>
+                <a:cs typeface="+mn-cs"/>
+              </a:defRPr>
+            </a:lvl4pPr>
+            <a:lvl5pPr marL="2057400" indent="-228600" algn="l" defTabSz="914400" rtl="0" eaLnBrk="1" latinLnBrk="1" hangingPunct="1">
+              <a:spcBef>
+                <a:spcPct val="20000"/>
+              </a:spcBef>
+              <a:buFont typeface="Arial" pitchFamily="34" charset="0"/>
+              <a:buChar char="»"/>
+              <a:defRPr sz="2000" kern="1200">
+                <a:solidFill>
+                  <a:schemeClr val="tx1"/>
+                </a:solidFill>
+                <a:latin typeface="+mn-lt"/>
+                <a:ea typeface="+mn-ea"/>
+                <a:cs typeface="+mn-cs"/>
+              </a:defRPr>
+            </a:lvl5pPr>
+            <a:lvl6pPr marL="2514600" indent="-228600" algn="l" defTabSz="914400" rtl="0" eaLnBrk="1" latinLnBrk="1" hangingPunct="1">
+              <a:spcBef>
+                <a:spcPct val="20000"/>
+              </a:spcBef>
+              <a:buFont typeface="Arial" pitchFamily="34" charset="0"/>
+              <a:buChar char="•"/>
+              <a:defRPr sz="2000" kern="1200">
+                <a:solidFill>
+                  <a:schemeClr val="tx1"/>
+                </a:solidFill>
+                <a:latin typeface="+mn-lt"/>
+                <a:ea typeface="+mn-ea"/>
+                <a:cs typeface="+mn-cs"/>
+              </a:defRPr>
+            </a:lvl6pPr>
+            <a:lvl7pPr marL="2971800" indent="-228600" algn="l" defTabSz="914400" rtl="0" eaLnBrk="1" latinLnBrk="1" hangingPunct="1">
+              <a:spcBef>
+                <a:spcPct val="20000"/>
+              </a:spcBef>
+              <a:buFont typeface="Arial" pitchFamily="34" charset="0"/>
+              <a:buChar char="•"/>
+              <a:defRPr sz="2000" kern="1200">
+                <a:solidFill>
+                  <a:schemeClr val="tx1"/>
+                </a:solidFill>
+                <a:latin typeface="+mn-lt"/>
+                <a:ea typeface="+mn-ea"/>
+                <a:cs typeface="+mn-cs"/>
+              </a:defRPr>
+            </a:lvl7pPr>
+            <a:lvl8pPr marL="3429000" indent="-228600" algn="l" defTabSz="914400" rtl="0" eaLnBrk="1" latinLnBrk="1" hangingPunct="1">
+              <a:spcBef>
+                <a:spcPct val="20000"/>
+              </a:spcBef>
+              <a:buFont typeface="Arial" pitchFamily="34" charset="0"/>
+              <a:buChar char="•"/>
+              <a:defRPr sz="2000" kern="1200">
+                <a:solidFill>
+                  <a:schemeClr val="tx1"/>
+                </a:solidFill>
+                <a:latin typeface="+mn-lt"/>
+                <a:ea typeface="+mn-ea"/>
+                <a:cs typeface="+mn-cs"/>
+              </a:defRPr>
+            </a:lvl8pPr>
+            <a:lvl9pPr marL="3886200" indent="-228600" algn="l" defTabSz="914400" rtl="0" eaLnBrk="1" latinLnBrk="1" hangingPunct="1">
+              <a:spcBef>
+                <a:spcPct val="20000"/>
+              </a:spcBef>
+              <a:buFont typeface="Arial" pitchFamily="34" charset="0"/>
+              <a:buChar char="•"/>
+              <a:defRPr sz="2000" kern="1200">
+                <a:solidFill>
+                  <a:schemeClr val="tx1"/>
+                </a:solidFill>
+                <a:latin typeface="+mn-lt"/>
+                <a:ea typeface="+mn-ea"/>
+                <a:cs typeface="+mn-cs"/>
+              </a:defRPr>
+            </a:lvl9pPr>
+          </a:lstStyle>
+          <a:p>
+            <a:pPr marL="457200" indent="-381000">
+              <a:spcBef>
+                <a:spcPts val="600"/>
+              </a:spcBef>
+              <a:buSzPts val="2400"/>
+              <a:buFont typeface="Arial" pitchFamily="34" charset="0"/>
+              <a:buChar char="▪"/>
+            </a:pPr>
+            <a:r>
+              <a:rPr lang="fr-FR" dirty="0">
+                <a:solidFill>
+                  <a:srgbClr val="9AD3E9"/>
+                </a:solidFill>
+                <a:latin typeface="Dosis" panose="02010503020202060003" pitchFamily="2" charset="77"/>
+              </a:rPr>
+              <a:t>Java - </a:t>
+            </a:r>
+            <a:r>
+              <a:rPr lang="fr-FR" dirty="0" err="1">
+                <a:solidFill>
+                  <a:srgbClr val="9AD3E9"/>
+                </a:solidFill>
+                <a:latin typeface="Dosis" panose="02010503020202060003" pitchFamily="2" charset="77"/>
+              </a:rPr>
+              <a:t>Springboot</a:t>
+            </a:r>
+            <a:endParaRPr lang="fr-FR" dirty="0">
+              <a:solidFill>
+                <a:srgbClr val="9AD3E9"/>
+              </a:solidFill>
+              <a:latin typeface="Dosis" panose="02010503020202060003" pitchFamily="2" charset="77"/>
+            </a:endParaRPr>
+          </a:p>
+          <a:p>
+            <a:pPr marL="457200" indent="-381000">
+              <a:spcBef>
+                <a:spcPts val="0"/>
+              </a:spcBef>
+              <a:buSzPts val="2400"/>
+              <a:buFont typeface="Arial" pitchFamily="34" charset="0"/>
+              <a:buChar char="▪"/>
+            </a:pPr>
+            <a:r>
+              <a:rPr lang="fr-FR" dirty="0">
+                <a:solidFill>
+                  <a:srgbClr val="9AD3E9"/>
+                </a:solidFill>
+                <a:latin typeface="Dosis" panose="02010503020202060003" pitchFamily="2" charset="77"/>
+              </a:rPr>
+              <a:t>MySQL </a:t>
+            </a:r>
+            <a:r>
+              <a:rPr lang="fr-FR" dirty="0" err="1">
+                <a:solidFill>
+                  <a:srgbClr val="9AD3E9"/>
+                </a:solidFill>
+                <a:latin typeface="Dosis" panose="02010503020202060003" pitchFamily="2" charset="77"/>
+              </a:rPr>
+              <a:t>Database</a:t>
+            </a:r>
+            <a:endParaRPr lang="fr-FR" dirty="0">
+              <a:solidFill>
+                <a:srgbClr val="9AD3E9"/>
+              </a:solidFill>
+              <a:latin typeface="Dosis" panose="02010503020202060003" pitchFamily="2" charset="77"/>
+            </a:endParaRPr>
+          </a:p>
+          <a:p>
+            <a:pPr marL="457200" indent="-381000">
+              <a:spcBef>
+                <a:spcPts val="0"/>
+              </a:spcBef>
+              <a:buSzPts val="2400"/>
+              <a:buFont typeface="Arial" pitchFamily="34" charset="0"/>
+              <a:buChar char="▪"/>
+            </a:pPr>
+            <a:r>
+              <a:rPr lang="fr-FR" dirty="0" err="1">
+                <a:solidFill>
+                  <a:srgbClr val="9AD3E9"/>
+                </a:solidFill>
+                <a:latin typeface="Dosis" panose="02010503020202060003" pitchFamily="2" charset="77"/>
+              </a:rPr>
+              <a:t>phpMyAdmin</a:t>
+            </a:r>
+            <a:endParaRPr lang="fr-FR" dirty="0">
+              <a:solidFill>
+                <a:srgbClr val="9AD3E9"/>
+              </a:solidFill>
+              <a:latin typeface="Dosis" panose="02010503020202060003" pitchFamily="2" charset="77"/>
+            </a:endParaRPr>
+          </a:p>
+          <a:p>
+            <a:pPr marL="457200" indent="-381000">
+              <a:spcBef>
+                <a:spcPts val="0"/>
+              </a:spcBef>
+              <a:buSzPts val="2400"/>
+              <a:buFont typeface="Arial" pitchFamily="34" charset="0"/>
+              <a:buChar char="▪"/>
+            </a:pPr>
+            <a:r>
+              <a:rPr lang="fr-FR" dirty="0">
+                <a:solidFill>
+                  <a:srgbClr val="9AD3E9"/>
+                </a:solidFill>
+                <a:latin typeface="Dosis" panose="02010503020202060003" pitchFamily="2" charset="77"/>
+              </a:rPr>
+              <a:t>Docker</a:t>
             </a:r>
           </a:p>
         </p:txBody>
       </p:sp>
       <p:pic>
         <p:nvPicPr>
-          <p:cNvPr id="3" name="Image 2">
+          <p:cNvPr id="38" name="Image 37">
             <a:extLst>
               <a:ext uri="{FF2B5EF4-FFF2-40B4-BE49-F238E27FC236}">
-                <a16:creationId xmlns:a16="http://schemas.microsoft.com/office/drawing/2014/main" id="{EDA093D5-DBE2-7142-916D-342520602339}"/>
+                <a16:creationId xmlns:a16="http://schemas.microsoft.com/office/drawing/2014/main" id="{41A671B1-BB13-3147-93B2-C1B30CF15730}"/>
               </a:ext>
             </a:extLst>
           </p:cNvPr>
@@ -6750,8 +7180,8 @@
         </p:blipFill>
         <p:spPr>
           <a:xfrm>
-            <a:off x="1979712" y="3309203"/>
-            <a:ext cx="711200" cy="1816100"/>
+            <a:off x="963833" y="3349697"/>
+            <a:ext cx="1625600" cy="1625600"/>
           </a:xfrm>
           <a:prstGeom prst="rect">
             <a:avLst/>
@@ -6760,10 +7190,10 @@
       </p:pic>
       <p:pic>
         <p:nvPicPr>
-          <p:cNvPr id="4" name="Image 3">
+          <p:cNvPr id="39" name="Image 38">
             <a:extLst>
               <a:ext uri="{FF2B5EF4-FFF2-40B4-BE49-F238E27FC236}">
-                <a16:creationId xmlns:a16="http://schemas.microsoft.com/office/drawing/2014/main" id="{CA4202D0-DE28-3D42-A422-CE70B2888E28}"/>
+                <a16:creationId xmlns:a16="http://schemas.microsoft.com/office/drawing/2014/main" id="{64255F77-57E8-CD49-8F80-7445AB02AFC1}"/>
               </a:ext>
             </a:extLst>
           </p:cNvPr>
@@ -6780,8 +7210,8 @@
         </p:blipFill>
         <p:spPr>
           <a:xfrm>
-            <a:off x="6510328" y="3366353"/>
-            <a:ext cx="708831" cy="1758950"/>
+            <a:off x="6776332" y="669703"/>
+            <a:ext cx="1397000" cy="1828800"/>
           </a:xfrm>
           <a:prstGeom prst="rect">
             <a:avLst/>
@@ -6790,10 +7220,10 @@
       </p:pic>
       <p:pic>
         <p:nvPicPr>
-          <p:cNvPr id="5" name="Image 4">
+          <p:cNvPr id="40" name="Image 39">
             <a:extLst>
               <a:ext uri="{FF2B5EF4-FFF2-40B4-BE49-F238E27FC236}">
-                <a16:creationId xmlns:a16="http://schemas.microsoft.com/office/drawing/2014/main" id="{BC44941A-E864-DF40-9E51-EA72074D86C8}"/>
+                <a16:creationId xmlns:a16="http://schemas.microsoft.com/office/drawing/2014/main" id="{B91EEDAC-23A5-E34B-8BB9-63DF7E75B872}"/>
               </a:ext>
             </a:extLst>
           </p:cNvPr>
@@ -6810,8 +7240,8 @@
         </p:blipFill>
         <p:spPr>
           <a:xfrm>
-            <a:off x="4096459" y="4137866"/>
-            <a:ext cx="2390041" cy="881434"/>
+            <a:off x="2732447" y="3048580"/>
+            <a:ext cx="3472450" cy="1128546"/>
           </a:xfrm>
           <a:prstGeom prst="rect">
             <a:avLst/>
@@ -6820,10 +7250,10 @@
       </p:pic>
       <p:pic>
         <p:nvPicPr>
-          <p:cNvPr id="6" name="Image 5">
+          <p:cNvPr id="42" name="Graphique 41">
             <a:extLst>
               <a:ext uri="{FF2B5EF4-FFF2-40B4-BE49-F238E27FC236}">
-                <a16:creationId xmlns:a16="http://schemas.microsoft.com/office/drawing/2014/main" id="{A87E720E-D8C5-364F-9160-516A830DE3AD}"/>
+                <a16:creationId xmlns:a16="http://schemas.microsoft.com/office/drawing/2014/main" id="{CB884252-7208-0C44-A4E2-0047188914E9}"/>
               </a:ext>
             </a:extLst>
           </p:cNvPr>
@@ -6833,15 +7263,99 @@
           <p:nvPr/>
         </p:nvPicPr>
         <p:blipFill>
-          <a:blip r:embed="rId5"/>
+          <a:blip r:embed="rId5">
+            <a:extLst>
+              <a:ext uri="{28A0092B-C50C-407E-A947-70E740481C1C}">
+                <a14:useLocalDpi xmlns:a14="http://schemas.microsoft.com/office/drawing/2010/main" val="0"/>
+              </a:ext>
+              <a:ext uri="{96DAC541-7B7A-43D3-8B79-37D633B846F1}">
+                <asvg:svgBlip xmlns:asvg="http://schemas.microsoft.com/office/drawing/2016/SVG/main" r:embed="rId6"/>
+              </a:ext>
+            </a:extLst>
+          </a:blip>
           <a:stretch>
             <a:fillRect/>
           </a:stretch>
         </p:blipFill>
         <p:spPr>
           <a:xfrm>
-            <a:off x="2843808" y="4223351"/>
-            <a:ext cx="891310" cy="710464"/>
+            <a:off x="3563888" y="701316"/>
+            <a:ext cx="3095514" cy="2144572"/>
+          </a:xfrm>
+          <a:prstGeom prst="rect">
+            <a:avLst/>
+          </a:prstGeom>
+        </p:spPr>
+      </p:pic>
+      <p:pic>
+        <p:nvPicPr>
+          <p:cNvPr id="44" name="Graphique 43">
+            <a:extLst>
+              <a:ext uri="{FF2B5EF4-FFF2-40B4-BE49-F238E27FC236}">
+                <a16:creationId xmlns:a16="http://schemas.microsoft.com/office/drawing/2014/main" id="{4712BBD1-1086-A948-A968-C5752E24CB21}"/>
+              </a:ext>
+            </a:extLst>
+          </p:cNvPr>
+          <p:cNvPicPr>
+            <a:picLocks noChangeAspect="1"/>
+          </p:cNvPicPr>
+          <p:nvPr/>
+        </p:nvPicPr>
+        <p:blipFill>
+          <a:blip r:embed="rId7">
+            <a:extLst>
+              <a:ext uri="{28A0092B-C50C-407E-A947-70E740481C1C}">
+                <a14:useLocalDpi xmlns:a14="http://schemas.microsoft.com/office/drawing/2010/main" val="0"/>
+              </a:ext>
+              <a:ext uri="{96DAC541-7B7A-43D3-8B79-37D633B846F1}">
+                <asvg:svgBlip xmlns:asvg="http://schemas.microsoft.com/office/drawing/2016/SVG/main" r:embed="rId8"/>
+              </a:ext>
+            </a:extLst>
+          </a:blip>
+          <a:stretch>
+            <a:fillRect/>
+          </a:stretch>
+        </p:blipFill>
+        <p:spPr>
+          <a:xfrm>
+            <a:off x="5796136" y="3075807"/>
+            <a:ext cx="3210138" cy="1789402"/>
+          </a:xfrm>
+          <a:prstGeom prst="rect">
+            <a:avLst/>
+          </a:prstGeom>
+        </p:spPr>
+      </p:pic>
+      <p:pic>
+        <p:nvPicPr>
+          <p:cNvPr id="46" name="Image 45">
+            <a:extLst>
+              <a:ext uri="{FF2B5EF4-FFF2-40B4-BE49-F238E27FC236}">
+                <a16:creationId xmlns:a16="http://schemas.microsoft.com/office/drawing/2014/main" id="{982CDD5C-F217-FB4D-BE70-EFC77A5EA05B}"/>
+              </a:ext>
+            </a:extLst>
+          </p:cNvPr>
+          <p:cNvPicPr>
+            <a:picLocks noChangeAspect="1"/>
+          </p:cNvPicPr>
+          <p:nvPr/>
+        </p:nvPicPr>
+        <p:blipFill>
+          <a:blip r:embed="rId9">
+            <a:extLst>
+              <a:ext uri="{28A0092B-C50C-407E-A947-70E740481C1C}">
+                <a14:useLocalDpi xmlns:a14="http://schemas.microsoft.com/office/drawing/2010/main" val="0"/>
+              </a:ext>
+            </a:extLst>
+          </a:blip>
+          <a:stretch>
+            <a:fillRect/>
+          </a:stretch>
+        </p:blipFill>
+        <p:spPr>
+          <a:xfrm>
+            <a:off x="4355976" y="3973458"/>
+            <a:ext cx="982320" cy="891751"/>
           </a:xfrm>
           <a:prstGeom prst="rect">
             <a:avLst/>
@@ -6851,7 +7365,7 @@
     </p:spTree>
     <p:extLst>
       <p:ext uri="{BB962C8B-B14F-4D97-AF65-F5344CB8AC3E}">
-        <p14:creationId xmlns:p14="http://schemas.microsoft.com/office/powerpoint/2010/main" val="3789072687"/>
+        <p14:creationId xmlns:p14="http://schemas.microsoft.com/office/powerpoint/2010/main" val="3152835221"/>
       </p:ext>
     </p:extLst>
   </p:cSld>
@@ -6861,7 +7375,7 @@
 </p:sld>
 </file>
 
-<file path=ppt/slides/slide11.xml><?xml version="1.0" encoding="utf-8"?>
+<file path=ppt/slides/slide12.xml><?xml version="1.0" encoding="utf-8"?>
 <p:sld xmlns:a="http://schemas.openxmlformats.org/drawingml/2006/main" xmlns:r="http://schemas.openxmlformats.org/officeDocument/2006/relationships" xmlns:p="http://schemas.openxmlformats.org/presentationml/2006/main">
   <p:cSld>
     <p:spTree>
@@ -6894,7 +7408,7 @@
         </p:nvSpPr>
         <p:spPr>
           <a:xfrm>
-            <a:off x="-16804" y="1059582"/>
+            <a:off x="0" y="1347614"/>
             <a:ext cx="9144000" cy="2160240"/>
           </a:xfrm>
           <a:prstGeom prst="rect">
@@ -6934,7 +7448,7 @@
                 </a:solidFill>
                 <a:latin typeface="Dosis" panose="02010503020202060003" pitchFamily="2" charset="77"/>
               </a:rPr>
-              <a:t>0.</a:t>
+              <a:t>5.</a:t>
             </a:r>
           </a:p>
           <a:p>
@@ -6950,867 +7464,151 @@
                 </a:solidFill>
                 <a:latin typeface="Dosis" panose="02010503020202060003" pitchFamily="2" charset="77"/>
               </a:rPr>
-              <a:t>PLANNING VS RESULTS</a:t>
+              <a:t>LIVE </a:t>
+            </a:r>
+          </a:p>
+          <a:p>
+            <a:pPr>
+              <a:spcBef>
+                <a:spcPts val="0"/>
+              </a:spcBef>
+            </a:pPr>
+            <a:r>
+              <a:rPr lang="fr-FR" sz="4800" b="1" dirty="0">
+                <a:solidFill>
+                  <a:schemeClr val="accent6"/>
+                </a:solidFill>
+                <a:latin typeface="Dosis" panose="02010503020202060003" pitchFamily="2" charset="77"/>
+              </a:rPr>
+              <a:t>DEMO</a:t>
             </a:r>
           </a:p>
         </p:txBody>
       </p:sp>
-    </p:spTree>
-    <p:extLst>
-      <p:ext uri="{BB962C8B-B14F-4D97-AF65-F5344CB8AC3E}">
-        <p14:creationId xmlns:p14="http://schemas.microsoft.com/office/powerpoint/2010/main" val="274719000"/>
-      </p:ext>
-    </p:extLst>
-  </p:cSld>
-  <p:clrMapOvr>
-    <a:masterClrMapping/>
-  </p:clrMapOvr>
-</p:sld>
-</file>
-
-<file path=ppt/slides/slide12.xml><?xml version="1.0" encoding="utf-8"?>
-<p:sld xmlns:a="http://schemas.openxmlformats.org/drawingml/2006/main" xmlns:r="http://schemas.openxmlformats.org/officeDocument/2006/relationships" xmlns:p="http://schemas.openxmlformats.org/presentationml/2006/main">
-  <p:cSld>
-    <p:spTree>
-      <p:nvGrpSpPr>
-        <p:cNvPr id="1" name=""/>
-        <p:cNvGrpSpPr/>
-        <p:nvPr/>
-      </p:nvGrpSpPr>
-      <p:grpSpPr>
-        <a:xfrm>
-          <a:off x="0" y="0"/>
-          <a:ext cx="0" cy="0"/>
-          <a:chOff x="0" y="0"/>
-          <a:chExt cx="0" cy="0"/>
-        </a:xfrm>
-      </p:grpSpPr>
-      <p:sp>
-        <p:nvSpPr>
-          <p:cNvPr id="4" name="Rectangle 3"/>
-          <p:cNvSpPr/>
-          <p:nvPr/>
-        </p:nvSpPr>
-        <p:spPr>
-          <a:xfrm>
-            <a:off x="1610094" y="1635647"/>
-            <a:ext cx="2592000" cy="72000"/>
-          </a:xfrm>
-          <a:prstGeom prst="rect">
-            <a:avLst/>
-          </a:prstGeom>
-          <a:solidFill>
-            <a:schemeClr val="accent1"/>
-          </a:solidFill>
-          <a:ln>
-            <a:noFill/>
-          </a:ln>
-        </p:spPr>
-        <p:style>
-          <a:lnRef idx="2">
-            <a:schemeClr val="accent1">
-              <a:shade val="50000"/>
-            </a:schemeClr>
-          </a:lnRef>
-          <a:fillRef idx="1">
-            <a:schemeClr val="accent1"/>
-          </a:fillRef>
-          <a:effectRef idx="0">
-            <a:schemeClr val="accent1"/>
-          </a:effectRef>
-          <a:fontRef idx="minor">
-            <a:schemeClr val="lt1"/>
-          </a:fontRef>
-        </p:style>
-        <p:txBody>
-          <a:bodyPr rot="0" spcFirstLastPara="0" vertOverflow="overflow" horzOverflow="overflow" vert="horz" wrap="square" lIns="91440" tIns="45720" rIns="91440" bIns="45720" numCol="1" spcCol="0" rtlCol="0" fromWordArt="0" anchor="ctr" anchorCtr="0" forceAA="0" compatLnSpc="1">
-            <a:prstTxWarp prst="textNoShape">
-              <a:avLst/>
-            </a:prstTxWarp>
-            <a:noAutofit/>
-          </a:bodyPr>
-          <a:lstStyle/>
-          <a:p>
-            <a:pPr algn="ctr"/>
-            <a:endParaRPr lang="ko-KR" altLang="en-US">
-              <a:solidFill>
-                <a:srgbClr val="9AD3E9"/>
-              </a:solidFill>
-            </a:endParaRPr>
-          </a:p>
-        </p:txBody>
-      </p:sp>
-      <p:sp>
-        <p:nvSpPr>
-          <p:cNvPr id="5" name="Rectangle 4"/>
-          <p:cNvSpPr/>
-          <p:nvPr/>
-        </p:nvSpPr>
-        <p:spPr>
-          <a:xfrm>
-            <a:off x="4944854" y="1635647"/>
-            <a:ext cx="2592000" cy="72000"/>
-          </a:xfrm>
-          <a:prstGeom prst="rect">
-            <a:avLst/>
-          </a:prstGeom>
-          <a:solidFill>
-            <a:schemeClr val="accent4"/>
-          </a:solidFill>
-          <a:ln>
-            <a:noFill/>
-          </a:ln>
-        </p:spPr>
-        <p:style>
-          <a:lnRef idx="2">
-            <a:schemeClr val="accent1">
-              <a:shade val="50000"/>
-            </a:schemeClr>
-          </a:lnRef>
-          <a:fillRef idx="1">
-            <a:schemeClr val="accent1"/>
-          </a:fillRef>
-          <a:effectRef idx="0">
-            <a:schemeClr val="accent1"/>
-          </a:effectRef>
-          <a:fontRef idx="minor">
-            <a:schemeClr val="lt1"/>
-          </a:fontRef>
-        </p:style>
-        <p:txBody>
-          <a:bodyPr rot="0" spcFirstLastPara="0" vertOverflow="overflow" horzOverflow="overflow" vert="horz" wrap="square" lIns="91440" tIns="45720" rIns="91440" bIns="45720" numCol="1" spcCol="0" rtlCol="0" fromWordArt="0" anchor="ctr" anchorCtr="0" forceAA="0" compatLnSpc="1">
-            <a:prstTxWarp prst="textNoShape">
-              <a:avLst/>
-            </a:prstTxWarp>
-            <a:noAutofit/>
-          </a:bodyPr>
-          <a:lstStyle/>
-          <a:p>
-            <a:pPr algn="ctr"/>
-            <a:endParaRPr lang="ko-KR" altLang="en-US"/>
-          </a:p>
-        </p:txBody>
-      </p:sp>
-      <p:sp>
-        <p:nvSpPr>
-          <p:cNvPr id="8" name="TextBox 7"/>
-          <p:cNvSpPr txBox="1"/>
-          <p:nvPr/>
-        </p:nvSpPr>
-        <p:spPr>
-          <a:xfrm>
-            <a:off x="1460562" y="1862203"/>
-            <a:ext cx="2835932" cy="2646878"/>
-          </a:xfrm>
-          <a:prstGeom prst="rect">
-            <a:avLst/>
-          </a:prstGeom>
-          <a:noFill/>
-        </p:spPr>
-        <p:txBody>
-          <a:bodyPr wrap="square" rtlCol="0">
-            <a:spAutoFit/>
-          </a:bodyPr>
-          <a:lstStyle/>
-          <a:p>
-            <a:pPr marL="171450" indent="-171450" algn="ctr">
-              <a:buFont typeface="Courier New" panose="02070309020205020404" pitchFamily="49" charset="0"/>
-              <a:buChar char="o"/>
-            </a:pPr>
-            <a:r>
-              <a:rPr lang="en-US" altLang="ko-KR" sz="1400" dirty="0">
-                <a:solidFill>
-                  <a:schemeClr val="tx1">
-                    <a:lumMod val="75000"/>
-                    <a:lumOff val="25000"/>
-                  </a:schemeClr>
-                </a:solidFill>
-                <a:latin typeface="Dosis Medium" panose="02010503020202060003" pitchFamily="2" charset="77"/>
-                <a:cs typeface="Arial" pitchFamily="34" charset="0"/>
-              </a:rPr>
-              <a:t>Something</a:t>
-            </a:r>
-          </a:p>
-          <a:p>
-            <a:pPr algn="ctr"/>
-            <a:endParaRPr lang="en-US" altLang="ko-KR" sz="1400" dirty="0">
-              <a:solidFill>
-                <a:schemeClr val="tx1">
-                  <a:lumMod val="75000"/>
-                  <a:lumOff val="25000"/>
-                </a:schemeClr>
-              </a:solidFill>
-              <a:latin typeface="Dosis Medium" panose="02010503020202060003" pitchFamily="2" charset="77"/>
-              <a:cs typeface="Arial" pitchFamily="34" charset="0"/>
-            </a:endParaRPr>
-          </a:p>
-          <a:p>
-            <a:pPr marL="171450" indent="-171450" algn="ctr">
-              <a:buFont typeface="Courier New" panose="02070309020205020404" pitchFamily="49" charset="0"/>
-              <a:buChar char="o"/>
-            </a:pPr>
-            <a:r>
-              <a:rPr lang="en-US" altLang="ko-KR" sz="1400" dirty="0">
-                <a:solidFill>
-                  <a:schemeClr val="tx1">
-                    <a:lumMod val="75000"/>
-                    <a:lumOff val="25000"/>
-                  </a:schemeClr>
-                </a:solidFill>
-                <a:latin typeface="Dosis Medium" panose="02010503020202060003" pitchFamily="2" charset="77"/>
-                <a:cs typeface="Arial" pitchFamily="34" charset="0"/>
-              </a:rPr>
-              <a:t>Something else</a:t>
-            </a:r>
-          </a:p>
-          <a:p>
-            <a:pPr algn="ctr"/>
-            <a:endParaRPr lang="en-US" altLang="ko-KR" sz="1400" dirty="0">
-              <a:solidFill>
-                <a:schemeClr val="tx1">
-                  <a:lumMod val="75000"/>
-                  <a:lumOff val="25000"/>
-                </a:schemeClr>
-              </a:solidFill>
-              <a:latin typeface="Dosis Medium" panose="02010503020202060003" pitchFamily="2" charset="77"/>
-              <a:cs typeface="Arial" pitchFamily="34" charset="0"/>
-            </a:endParaRPr>
-          </a:p>
-          <a:p>
-            <a:pPr marL="171450" indent="-171450" algn="ctr">
-              <a:buFont typeface="Courier New" panose="02070309020205020404" pitchFamily="49" charset="0"/>
-              <a:buChar char="o"/>
-            </a:pPr>
-            <a:r>
-              <a:rPr lang="en-US" altLang="ko-KR" sz="1400" dirty="0" err="1">
-                <a:solidFill>
-                  <a:schemeClr val="tx1">
-                    <a:lumMod val="75000"/>
-                    <a:lumOff val="25000"/>
-                  </a:schemeClr>
-                </a:solidFill>
-                <a:latin typeface="Dosis Medium" panose="02010503020202060003" pitchFamily="2" charset="77"/>
-                <a:cs typeface="Arial" pitchFamily="34" charset="0"/>
-              </a:rPr>
-              <a:t>Blabla</a:t>
-            </a:r>
-            <a:endParaRPr lang="en-US" altLang="ko-KR" sz="1400" dirty="0">
-              <a:solidFill>
-                <a:schemeClr val="tx1">
-                  <a:lumMod val="75000"/>
-                  <a:lumOff val="25000"/>
-                </a:schemeClr>
-              </a:solidFill>
-              <a:latin typeface="Dosis Medium" panose="02010503020202060003" pitchFamily="2" charset="77"/>
-              <a:cs typeface="Arial" pitchFamily="34" charset="0"/>
-            </a:endParaRPr>
-          </a:p>
-          <a:p>
-            <a:pPr algn="ctr"/>
-            <a:endParaRPr lang="en-US" altLang="ko-KR" sz="1400" dirty="0">
-              <a:solidFill>
-                <a:schemeClr val="tx1">
-                  <a:lumMod val="75000"/>
-                  <a:lumOff val="25000"/>
-                </a:schemeClr>
-              </a:solidFill>
-              <a:latin typeface="Dosis Medium" panose="02010503020202060003" pitchFamily="2" charset="77"/>
-              <a:cs typeface="Arial" pitchFamily="34" charset="0"/>
-            </a:endParaRPr>
-          </a:p>
-          <a:p>
-            <a:pPr marL="171450" indent="-171450" algn="ctr">
-              <a:buFont typeface="Courier New" panose="02070309020205020404" pitchFamily="49" charset="0"/>
-              <a:buChar char="o"/>
-            </a:pPr>
-            <a:r>
-              <a:rPr lang="en-US" altLang="ko-KR" sz="1400" dirty="0">
-                <a:solidFill>
-                  <a:schemeClr val="tx1">
-                    <a:lumMod val="75000"/>
-                    <a:lumOff val="25000"/>
-                  </a:schemeClr>
-                </a:solidFill>
-                <a:latin typeface="Dosis Medium" panose="02010503020202060003" pitchFamily="2" charset="77"/>
-                <a:cs typeface="Arial" pitchFamily="34" charset="0"/>
-              </a:rPr>
-              <a:t>Move</a:t>
-            </a:r>
-          </a:p>
-          <a:p>
-            <a:pPr algn="ctr"/>
-            <a:endParaRPr lang="en-US" altLang="ko-KR" sz="1400" dirty="0">
-              <a:solidFill>
-                <a:schemeClr val="tx1">
-                  <a:lumMod val="75000"/>
-                  <a:lumOff val="25000"/>
-                </a:schemeClr>
-              </a:solidFill>
-              <a:latin typeface="Dosis Medium" panose="02010503020202060003" pitchFamily="2" charset="77"/>
-              <a:cs typeface="Arial" pitchFamily="34" charset="0"/>
-            </a:endParaRPr>
-          </a:p>
-          <a:p>
-            <a:pPr marL="171450" indent="-171450" algn="ctr">
-              <a:buFont typeface="Courier New" panose="02070309020205020404" pitchFamily="49" charset="0"/>
-              <a:buChar char="o"/>
-            </a:pPr>
-            <a:r>
-              <a:rPr lang="en-US" altLang="ko-KR" sz="1400" dirty="0" err="1">
-                <a:solidFill>
-                  <a:schemeClr val="tx1">
-                    <a:lumMod val="75000"/>
-                    <a:lumOff val="25000"/>
-                  </a:schemeClr>
-                </a:solidFill>
-                <a:latin typeface="Dosis Medium" panose="02010503020202060003" pitchFamily="2" charset="77"/>
-                <a:cs typeface="Arial" pitchFamily="34" charset="0"/>
-              </a:rPr>
-              <a:t>Hohohohoho</a:t>
-            </a:r>
-            <a:endParaRPr lang="en-US" altLang="ko-KR" sz="1400" dirty="0">
-              <a:solidFill>
-                <a:schemeClr val="tx1">
-                  <a:lumMod val="75000"/>
-                  <a:lumOff val="25000"/>
-                </a:schemeClr>
-              </a:solidFill>
-              <a:latin typeface="Dosis Medium" panose="02010503020202060003" pitchFamily="2" charset="77"/>
-              <a:cs typeface="Arial" pitchFamily="34" charset="0"/>
-            </a:endParaRPr>
-          </a:p>
-          <a:p>
-            <a:pPr algn="ctr"/>
-            <a:endParaRPr lang="en-US" altLang="ko-KR" sz="1400" dirty="0">
-              <a:solidFill>
-                <a:schemeClr val="tx1">
-                  <a:lumMod val="75000"/>
-                  <a:lumOff val="25000"/>
-                </a:schemeClr>
-              </a:solidFill>
-              <a:latin typeface="Dosis Medium" panose="02010503020202060003" pitchFamily="2" charset="77"/>
-              <a:cs typeface="Arial" pitchFamily="34" charset="0"/>
-            </a:endParaRPr>
-          </a:p>
-          <a:p>
-            <a:pPr marL="171450" indent="-171450" algn="ctr">
-              <a:buFont typeface="Courier New" panose="02070309020205020404" pitchFamily="49" charset="0"/>
-              <a:buChar char="o"/>
-            </a:pPr>
-            <a:r>
-              <a:rPr lang="en-US" altLang="ko-KR" sz="1400" dirty="0">
-                <a:solidFill>
-                  <a:schemeClr val="tx1">
-                    <a:lumMod val="75000"/>
-                    <a:lumOff val="25000"/>
-                  </a:schemeClr>
-                </a:solidFill>
-                <a:latin typeface="Dosis Medium" panose="02010503020202060003" pitchFamily="2" charset="77"/>
-                <a:cs typeface="Arial" pitchFamily="34" charset="0"/>
-              </a:rPr>
-              <a:t>I’m so funny.</a:t>
-            </a:r>
-          </a:p>
-          <a:p>
-            <a:pPr marL="171450" indent="-171450" algn="ctr">
-              <a:buFont typeface="Courier New" panose="02070309020205020404" pitchFamily="49" charset="0"/>
-              <a:buChar char="o"/>
-            </a:pPr>
-            <a:endParaRPr lang="en-US" altLang="ko-KR" sz="1200" dirty="0">
-              <a:solidFill>
-                <a:schemeClr val="tx1">
-                  <a:lumMod val="75000"/>
-                  <a:lumOff val="25000"/>
-                </a:schemeClr>
-              </a:solidFill>
-              <a:cs typeface="Arial" pitchFamily="34" charset="0"/>
-            </a:endParaRPr>
-          </a:p>
-        </p:txBody>
-      </p:sp>
-      <p:sp>
-        <p:nvSpPr>
-          <p:cNvPr id="12" name="Title 2">
+      <p:pic>
+        <p:nvPicPr>
+          <p:cNvPr id="3" name="Image 2">
             <a:extLst>
               <a:ext uri="{FF2B5EF4-FFF2-40B4-BE49-F238E27FC236}">
-                <a16:creationId xmlns:a16="http://schemas.microsoft.com/office/drawing/2014/main" id="{46A38CFC-412C-F64E-B47C-7EC3C77D8958}"/>
+                <a16:creationId xmlns:a16="http://schemas.microsoft.com/office/drawing/2014/main" id="{EDA093D5-DBE2-7142-916D-342520602339}"/>
               </a:ext>
             </a:extLst>
           </p:cNvPr>
-          <p:cNvSpPr txBox="1">
-            <a:spLocks/>
-          </p:cNvSpPr>
+          <p:cNvPicPr>
+            <a:picLocks noChangeAspect="1"/>
+          </p:cNvPicPr>
           <p:nvPr/>
-        </p:nvSpPr>
+        </p:nvPicPr>
+        <p:blipFill>
+          <a:blip r:embed="rId2"/>
+          <a:stretch>
+            <a:fillRect/>
+          </a:stretch>
+        </p:blipFill>
         <p:spPr>
           <a:xfrm>
-            <a:off x="11347" y="123478"/>
-            <a:ext cx="9144000" cy="576064"/>
+            <a:off x="1979712" y="3309203"/>
+            <a:ext cx="711200" cy="1816100"/>
           </a:xfrm>
           <a:prstGeom prst="rect">
             <a:avLst/>
           </a:prstGeom>
         </p:spPr>
-        <p:txBody>
-          <a:bodyPr anchor="ctr"/>
-          <a:lstStyle>
-            <a:lvl1pPr algn="ctr" defTabSz="914400" rtl="0" eaLnBrk="1" latinLnBrk="1" hangingPunct="1">
-              <a:spcBef>
-                <a:spcPct val="0"/>
-              </a:spcBef>
-              <a:buNone/>
-              <a:defRPr sz="4400" kern="1200">
-                <a:solidFill>
-                  <a:schemeClr val="tx1"/>
-                </a:solidFill>
-                <a:latin typeface="+mj-lt"/>
-                <a:ea typeface="+mj-ea"/>
-                <a:cs typeface="+mj-cs"/>
-              </a:defRPr>
-            </a:lvl1pPr>
-          </a:lstStyle>
-          <a:p>
-            <a:r>
-              <a:rPr lang="fr-FR" sz="4000" b="1" dirty="0">
-                <a:solidFill>
-                  <a:schemeClr val="accent6"/>
-                </a:solidFill>
-                <a:latin typeface="Dosis SemiBold" panose="02010503020202060003" pitchFamily="2" charset="77"/>
-                <a:cs typeface="Arial" pitchFamily="34" charset="0"/>
-              </a:rPr>
-              <a:t>Planning vs </a:t>
-            </a:r>
-            <a:r>
-              <a:rPr lang="fr-FR" sz="4000" b="1" dirty="0" err="1">
-                <a:solidFill>
-                  <a:schemeClr val="accent6"/>
-                </a:solidFill>
-                <a:latin typeface="Dosis SemiBold" panose="02010503020202060003" pitchFamily="2" charset="77"/>
-                <a:cs typeface="Arial" pitchFamily="34" charset="0"/>
-              </a:rPr>
-              <a:t>Results</a:t>
-            </a:r>
-            <a:endParaRPr lang="en-US" sz="4000" b="1" dirty="0">
-              <a:solidFill>
-                <a:schemeClr val="accent6"/>
-              </a:solidFill>
-              <a:latin typeface="Dosis SemiBold" panose="02010503020202060003" pitchFamily="2" charset="77"/>
-              <a:cs typeface="Arial" pitchFamily="34" charset="0"/>
-            </a:endParaRPr>
-          </a:p>
-        </p:txBody>
-      </p:sp>
-      <p:sp>
-        <p:nvSpPr>
-          <p:cNvPr id="15" name="ZoneTexte 14">
+      </p:pic>
+      <p:pic>
+        <p:nvPicPr>
+          <p:cNvPr id="4" name="Image 3">
             <a:extLst>
               <a:ext uri="{FF2B5EF4-FFF2-40B4-BE49-F238E27FC236}">
-                <a16:creationId xmlns:a16="http://schemas.microsoft.com/office/drawing/2014/main" id="{E1F40176-995C-C547-8775-404FE1266BBE}"/>
+                <a16:creationId xmlns:a16="http://schemas.microsoft.com/office/drawing/2014/main" id="{CA4202D0-DE28-3D42-A422-CE70B2888E28}"/>
               </a:ext>
             </a:extLst>
           </p:cNvPr>
-          <p:cNvSpPr txBox="1"/>
+          <p:cNvPicPr>
+            <a:picLocks noChangeAspect="1"/>
+          </p:cNvPicPr>
           <p:nvPr/>
-        </p:nvSpPr>
+        </p:nvPicPr>
+        <p:blipFill>
+          <a:blip r:embed="rId3"/>
+          <a:stretch>
+            <a:fillRect/>
+          </a:stretch>
+        </p:blipFill>
         <p:spPr>
           <a:xfrm>
-            <a:off x="1907704" y="1296425"/>
-            <a:ext cx="2059145" cy="369332"/>
+            <a:off x="6510328" y="3366353"/>
+            <a:ext cx="708831" cy="1758950"/>
           </a:xfrm>
           <a:prstGeom prst="rect">
             <a:avLst/>
           </a:prstGeom>
-          <a:noFill/>
         </p:spPr>
-        <p:txBody>
-          <a:bodyPr wrap="square" rtlCol="0">
-            <a:spAutoFit/>
-          </a:bodyPr>
-          <a:lstStyle/>
-          <a:p>
-            <a:r>
-              <a:rPr lang="fr-FR" dirty="0" err="1">
-                <a:solidFill>
-                  <a:srgbClr val="F8B2A3"/>
-                </a:solidFill>
-                <a:latin typeface="Dosis Medium" panose="02010503020202060003" pitchFamily="2" charset="77"/>
-              </a:rPr>
-              <a:t>What</a:t>
-            </a:r>
-            <a:r>
-              <a:rPr lang="fr-FR" dirty="0">
-                <a:solidFill>
-                  <a:srgbClr val="F8B2A3"/>
-                </a:solidFill>
-                <a:latin typeface="Dosis Medium" panose="02010503020202060003" pitchFamily="2" charset="77"/>
-              </a:rPr>
-              <a:t> </a:t>
-            </a:r>
-            <a:r>
-              <a:rPr lang="fr-FR" dirty="0" err="1">
-                <a:solidFill>
-                  <a:srgbClr val="F8B2A3"/>
-                </a:solidFill>
-                <a:latin typeface="Dosis Medium" panose="02010503020202060003" pitchFamily="2" charset="77"/>
-              </a:rPr>
-              <a:t>was</a:t>
-            </a:r>
-            <a:r>
-              <a:rPr lang="fr-FR" dirty="0">
-                <a:solidFill>
-                  <a:srgbClr val="F8B2A3"/>
-                </a:solidFill>
-                <a:latin typeface="Dosis Medium" panose="02010503020202060003" pitchFamily="2" charset="77"/>
-              </a:rPr>
-              <a:t> </a:t>
-            </a:r>
-            <a:r>
-              <a:rPr lang="fr-FR" dirty="0" err="1">
-                <a:solidFill>
-                  <a:srgbClr val="F8B2A3"/>
-                </a:solidFill>
-                <a:latin typeface="Dosis Medium" panose="02010503020202060003" pitchFamily="2" charset="77"/>
-              </a:rPr>
-              <a:t>planned</a:t>
-            </a:r>
-            <a:endParaRPr lang="fr-FR" dirty="0">
-              <a:solidFill>
-                <a:srgbClr val="F8B2A3"/>
-              </a:solidFill>
-              <a:latin typeface="Dosis Medium" panose="02010503020202060003" pitchFamily="2" charset="77"/>
-            </a:endParaRPr>
-          </a:p>
-        </p:txBody>
-      </p:sp>
-      <p:sp>
-        <p:nvSpPr>
-          <p:cNvPr id="16" name="ZoneTexte 15">
+      </p:pic>
+      <p:pic>
+        <p:nvPicPr>
+          <p:cNvPr id="5" name="Image 4">
             <a:extLst>
               <a:ext uri="{FF2B5EF4-FFF2-40B4-BE49-F238E27FC236}">
-                <a16:creationId xmlns:a16="http://schemas.microsoft.com/office/drawing/2014/main" id="{F92E16A4-6CF7-5E4F-8AF8-AB0EC6E81868}"/>
+                <a16:creationId xmlns:a16="http://schemas.microsoft.com/office/drawing/2014/main" id="{BC44941A-E864-DF40-9E51-EA72074D86C8}"/>
               </a:ext>
             </a:extLst>
           </p:cNvPr>
-          <p:cNvSpPr txBox="1"/>
+          <p:cNvPicPr>
+            <a:picLocks noChangeAspect="1"/>
+          </p:cNvPicPr>
           <p:nvPr/>
-        </p:nvSpPr>
+        </p:nvPicPr>
+        <p:blipFill>
+          <a:blip r:embed="rId4"/>
+          <a:stretch>
+            <a:fillRect/>
+          </a:stretch>
+        </p:blipFill>
         <p:spPr>
           <a:xfrm>
-            <a:off x="5034435" y="1300381"/>
-            <a:ext cx="2592000" cy="369332"/>
+            <a:off x="4096459" y="4137866"/>
+            <a:ext cx="2390041" cy="881434"/>
           </a:xfrm>
           <a:prstGeom prst="rect">
             <a:avLst/>
           </a:prstGeom>
-          <a:noFill/>
         </p:spPr>
-        <p:txBody>
-          <a:bodyPr wrap="square" rtlCol="0">
-            <a:spAutoFit/>
-          </a:bodyPr>
-          <a:lstStyle/>
-          <a:p>
-            <a:r>
-              <a:rPr lang="fr-FR" dirty="0" err="1">
-                <a:solidFill>
-                  <a:srgbClr val="98DFBB"/>
-                </a:solidFill>
-                <a:latin typeface="Dosis Medium" panose="02010503020202060003" pitchFamily="2" charset="77"/>
-              </a:rPr>
-              <a:t>What</a:t>
-            </a:r>
-            <a:r>
-              <a:rPr lang="fr-FR" dirty="0">
-                <a:solidFill>
-                  <a:srgbClr val="98DFBB"/>
-                </a:solidFill>
-                <a:latin typeface="Dosis Medium" panose="02010503020202060003" pitchFamily="2" charset="77"/>
-              </a:rPr>
-              <a:t> </a:t>
-            </a:r>
-            <a:r>
-              <a:rPr lang="fr-FR" dirty="0" err="1">
-                <a:solidFill>
-                  <a:srgbClr val="98DFBB"/>
-                </a:solidFill>
-                <a:latin typeface="Dosis Medium" panose="02010503020202060003" pitchFamily="2" charset="77"/>
-              </a:rPr>
-              <a:t>was</a:t>
-            </a:r>
-            <a:r>
-              <a:rPr lang="fr-FR" dirty="0">
-                <a:solidFill>
-                  <a:srgbClr val="98DFBB"/>
-                </a:solidFill>
-                <a:latin typeface="Dosis Medium" panose="02010503020202060003" pitchFamily="2" charset="77"/>
-              </a:rPr>
-              <a:t> been </a:t>
-            </a:r>
-            <a:r>
-              <a:rPr lang="fr-FR" dirty="0" err="1">
-                <a:solidFill>
-                  <a:srgbClr val="98DFBB"/>
-                </a:solidFill>
-                <a:latin typeface="Dosis Medium" panose="02010503020202060003" pitchFamily="2" charset="77"/>
-              </a:rPr>
-              <a:t>achieved</a:t>
-            </a:r>
-            <a:endParaRPr lang="fr-FR" dirty="0">
-              <a:solidFill>
-                <a:srgbClr val="98DFBB"/>
-              </a:solidFill>
-              <a:latin typeface="Dosis Medium" panose="02010503020202060003" pitchFamily="2" charset="77"/>
-            </a:endParaRPr>
-          </a:p>
-        </p:txBody>
-      </p:sp>
-      <p:sp>
-        <p:nvSpPr>
-          <p:cNvPr id="17" name="TextBox 7">
+      </p:pic>
+      <p:pic>
+        <p:nvPicPr>
+          <p:cNvPr id="6" name="Image 5">
             <a:extLst>
               <a:ext uri="{FF2B5EF4-FFF2-40B4-BE49-F238E27FC236}">
-                <a16:creationId xmlns:a16="http://schemas.microsoft.com/office/drawing/2014/main" id="{7A8F361A-FDE9-DB4B-813E-C89078F834F2}"/>
+                <a16:creationId xmlns:a16="http://schemas.microsoft.com/office/drawing/2014/main" id="{A87E720E-D8C5-364F-9160-516A830DE3AD}"/>
               </a:ext>
             </a:extLst>
           </p:cNvPr>
-          <p:cNvSpPr txBox="1"/>
+          <p:cNvPicPr>
+            <a:picLocks noChangeAspect="1"/>
+          </p:cNvPicPr>
           <p:nvPr/>
-        </p:nvSpPr>
+        </p:nvPicPr>
+        <p:blipFill>
+          <a:blip r:embed="rId5"/>
+          <a:stretch>
+            <a:fillRect/>
+          </a:stretch>
+        </p:blipFill>
         <p:spPr>
           <a:xfrm>
-            <a:off x="4822888" y="1862203"/>
-            <a:ext cx="2835932" cy="2646878"/>
+            <a:off x="2843808" y="4223351"/>
+            <a:ext cx="891310" cy="710464"/>
           </a:xfrm>
           <a:prstGeom prst="rect">
             <a:avLst/>
           </a:prstGeom>
-          <a:noFill/>
         </p:spPr>
-        <p:txBody>
-          <a:bodyPr wrap="square" rtlCol="0">
-            <a:spAutoFit/>
-          </a:bodyPr>
-          <a:lstStyle/>
-          <a:p>
-            <a:pPr marL="171450" indent="-171450" algn="ctr">
-              <a:buFont typeface="Courier New" panose="02070309020205020404" pitchFamily="49" charset="0"/>
-              <a:buChar char="o"/>
-            </a:pPr>
-            <a:r>
-              <a:rPr lang="en-US" altLang="ko-KR" sz="1400" dirty="0">
-                <a:solidFill>
-                  <a:schemeClr val="tx1">
-                    <a:lumMod val="75000"/>
-                    <a:lumOff val="25000"/>
-                  </a:schemeClr>
-                </a:solidFill>
-                <a:latin typeface="Dosis Medium" panose="02010503020202060003" pitchFamily="2" charset="77"/>
-                <a:cs typeface="Arial" pitchFamily="34" charset="0"/>
-              </a:rPr>
-              <a:t>Something</a:t>
-            </a:r>
-          </a:p>
-          <a:p>
-            <a:pPr algn="ctr"/>
-            <a:endParaRPr lang="en-US" altLang="ko-KR" sz="1400" dirty="0">
-              <a:solidFill>
-                <a:schemeClr val="tx1">
-                  <a:lumMod val="75000"/>
-                  <a:lumOff val="25000"/>
-                </a:schemeClr>
-              </a:solidFill>
-              <a:latin typeface="Dosis Medium" panose="02010503020202060003" pitchFamily="2" charset="77"/>
-              <a:cs typeface="Arial" pitchFamily="34" charset="0"/>
-            </a:endParaRPr>
-          </a:p>
-          <a:p>
-            <a:pPr marL="171450" indent="-171450" algn="ctr">
-              <a:buFont typeface="Courier New" panose="02070309020205020404" pitchFamily="49" charset="0"/>
-              <a:buChar char="o"/>
-            </a:pPr>
-            <a:r>
-              <a:rPr lang="en-US" altLang="ko-KR" sz="1400" dirty="0">
-                <a:solidFill>
-                  <a:schemeClr val="tx1">
-                    <a:lumMod val="75000"/>
-                    <a:lumOff val="25000"/>
-                  </a:schemeClr>
-                </a:solidFill>
-                <a:latin typeface="Dosis Medium" panose="02010503020202060003" pitchFamily="2" charset="77"/>
-                <a:cs typeface="Arial" pitchFamily="34" charset="0"/>
-              </a:rPr>
-              <a:t>Something more</a:t>
-            </a:r>
-          </a:p>
-          <a:p>
-            <a:pPr algn="ctr"/>
-            <a:endParaRPr lang="en-US" altLang="ko-KR" sz="1400" dirty="0">
-              <a:solidFill>
-                <a:schemeClr val="tx1">
-                  <a:lumMod val="75000"/>
-                  <a:lumOff val="25000"/>
-                </a:schemeClr>
-              </a:solidFill>
-              <a:latin typeface="Dosis Medium" panose="02010503020202060003" pitchFamily="2" charset="77"/>
-              <a:cs typeface="Arial" pitchFamily="34" charset="0"/>
-            </a:endParaRPr>
-          </a:p>
-          <a:p>
-            <a:pPr marL="171450" indent="-171450" algn="ctr">
-              <a:buFont typeface="Courier New" panose="02070309020205020404" pitchFamily="49" charset="0"/>
-              <a:buChar char="o"/>
-            </a:pPr>
-            <a:r>
-              <a:rPr lang="en-US" altLang="ko-KR" sz="1400" dirty="0">
-                <a:solidFill>
-                  <a:schemeClr val="tx1">
-                    <a:lumMod val="75000"/>
-                    <a:lumOff val="25000"/>
-                  </a:schemeClr>
-                </a:solidFill>
-                <a:latin typeface="Dosis Medium" panose="02010503020202060003" pitchFamily="2" charset="77"/>
-                <a:cs typeface="Arial" pitchFamily="34" charset="0"/>
-              </a:rPr>
-              <a:t>Move</a:t>
-            </a:r>
-          </a:p>
-          <a:p>
-            <a:pPr algn="ctr"/>
-            <a:endParaRPr lang="en-US" altLang="ko-KR" sz="1400" dirty="0">
-              <a:solidFill>
-                <a:schemeClr val="tx1">
-                  <a:lumMod val="75000"/>
-                  <a:lumOff val="25000"/>
-                </a:schemeClr>
-              </a:solidFill>
-              <a:latin typeface="Dosis Medium" panose="02010503020202060003" pitchFamily="2" charset="77"/>
-              <a:cs typeface="Arial" pitchFamily="34" charset="0"/>
-            </a:endParaRPr>
-          </a:p>
-          <a:p>
-            <a:pPr marL="171450" indent="-171450" algn="ctr">
-              <a:buFont typeface="Courier New" panose="02070309020205020404" pitchFamily="49" charset="0"/>
-              <a:buChar char="o"/>
-            </a:pPr>
-            <a:r>
-              <a:rPr lang="en-US" altLang="ko-KR" sz="1400" dirty="0" err="1">
-                <a:solidFill>
-                  <a:schemeClr val="tx1">
-                    <a:lumMod val="75000"/>
-                    <a:lumOff val="25000"/>
-                  </a:schemeClr>
-                </a:solidFill>
-                <a:latin typeface="Dosis Medium" panose="02010503020202060003" pitchFamily="2" charset="77"/>
-                <a:cs typeface="Arial" pitchFamily="34" charset="0"/>
-              </a:rPr>
-              <a:t>Blabla</a:t>
-            </a:r>
-            <a:endParaRPr lang="en-US" altLang="ko-KR" sz="1400" dirty="0">
-              <a:solidFill>
-                <a:schemeClr val="tx1">
-                  <a:lumMod val="75000"/>
-                  <a:lumOff val="25000"/>
-                </a:schemeClr>
-              </a:solidFill>
-              <a:latin typeface="Dosis Medium" panose="02010503020202060003" pitchFamily="2" charset="77"/>
-              <a:cs typeface="Arial" pitchFamily="34" charset="0"/>
-            </a:endParaRPr>
-          </a:p>
-          <a:p>
-            <a:pPr algn="ctr"/>
-            <a:endParaRPr lang="en-US" altLang="ko-KR" sz="1400" dirty="0">
-              <a:solidFill>
-                <a:schemeClr val="tx1">
-                  <a:lumMod val="75000"/>
-                  <a:lumOff val="25000"/>
-                </a:schemeClr>
-              </a:solidFill>
-              <a:latin typeface="Dosis Medium" panose="02010503020202060003" pitchFamily="2" charset="77"/>
-              <a:cs typeface="Arial" pitchFamily="34" charset="0"/>
-            </a:endParaRPr>
-          </a:p>
-          <a:p>
-            <a:pPr marL="171450" indent="-171450" algn="ctr">
-              <a:buFont typeface="Courier New" panose="02070309020205020404" pitchFamily="49" charset="0"/>
-              <a:buChar char="o"/>
-            </a:pPr>
-            <a:r>
-              <a:rPr lang="en-US" altLang="ko-KR" sz="1400" dirty="0" err="1">
-                <a:solidFill>
-                  <a:schemeClr val="tx1">
-                    <a:lumMod val="75000"/>
-                    <a:lumOff val="25000"/>
-                  </a:schemeClr>
-                </a:solidFill>
-                <a:latin typeface="Dosis Medium" panose="02010503020202060003" pitchFamily="2" charset="77"/>
-                <a:cs typeface="Arial" pitchFamily="34" charset="0"/>
-              </a:rPr>
-              <a:t>Hahahahaha</a:t>
-            </a:r>
-            <a:endParaRPr lang="en-US" altLang="ko-KR" sz="1400" dirty="0">
-              <a:solidFill>
-                <a:schemeClr val="tx1">
-                  <a:lumMod val="75000"/>
-                  <a:lumOff val="25000"/>
-                </a:schemeClr>
-              </a:solidFill>
-              <a:latin typeface="Dosis Medium" panose="02010503020202060003" pitchFamily="2" charset="77"/>
-              <a:cs typeface="Arial" pitchFamily="34" charset="0"/>
-            </a:endParaRPr>
-          </a:p>
-          <a:p>
-            <a:pPr algn="ctr"/>
-            <a:endParaRPr lang="en-US" altLang="ko-KR" sz="1400" dirty="0">
-              <a:solidFill>
-                <a:schemeClr val="tx1">
-                  <a:lumMod val="75000"/>
-                  <a:lumOff val="25000"/>
-                </a:schemeClr>
-              </a:solidFill>
-              <a:latin typeface="Dosis Medium" panose="02010503020202060003" pitchFamily="2" charset="77"/>
-              <a:cs typeface="Arial" pitchFamily="34" charset="0"/>
-            </a:endParaRPr>
-          </a:p>
-          <a:p>
-            <a:pPr marL="171450" indent="-171450" algn="ctr">
-              <a:buFont typeface="Courier New" panose="02070309020205020404" pitchFamily="49" charset="0"/>
-              <a:buChar char="o"/>
-            </a:pPr>
-            <a:r>
-              <a:rPr lang="en-US" altLang="ko-KR" sz="1400" dirty="0">
-                <a:solidFill>
-                  <a:schemeClr val="tx1">
-                    <a:lumMod val="75000"/>
-                    <a:lumOff val="25000"/>
-                  </a:schemeClr>
-                </a:solidFill>
-                <a:latin typeface="Dosis Medium" panose="02010503020202060003" pitchFamily="2" charset="77"/>
-                <a:cs typeface="Arial" pitchFamily="34" charset="0"/>
-              </a:rPr>
-              <a:t>It wasn’t funny. </a:t>
-            </a:r>
-          </a:p>
-          <a:p>
-            <a:pPr marL="171450" indent="-171450" algn="ctr">
-              <a:buFont typeface="Courier New" panose="02070309020205020404" pitchFamily="49" charset="0"/>
-              <a:buChar char="o"/>
-            </a:pPr>
-            <a:endParaRPr lang="en-US" altLang="ko-KR" sz="1200" dirty="0">
-              <a:solidFill>
-                <a:schemeClr val="tx1">
-                  <a:lumMod val="75000"/>
-                  <a:lumOff val="25000"/>
-                </a:schemeClr>
-              </a:solidFill>
-              <a:cs typeface="Arial" pitchFamily="34" charset="0"/>
-            </a:endParaRPr>
-          </a:p>
-        </p:txBody>
-      </p:sp>
+      </p:pic>
     </p:spTree>
     <p:extLst>
       <p:ext uri="{BB962C8B-B14F-4D97-AF65-F5344CB8AC3E}">
-        <p14:creationId xmlns:p14="http://schemas.microsoft.com/office/powerpoint/2010/main" val="3282278985"/>
+        <p14:creationId xmlns:p14="http://schemas.microsoft.com/office/powerpoint/2010/main" val="3789072687"/>
       </p:ext>
     </p:extLst>
   </p:cSld>
@@ -7853,7 +7651,7 @@
         </p:nvSpPr>
         <p:spPr>
           <a:xfrm>
-            <a:off x="0" y="1347614"/>
+            <a:off x="-16804" y="1059582"/>
             <a:ext cx="9144000" cy="2160240"/>
           </a:xfrm>
           <a:prstGeom prst="rect">
@@ -7893,7 +7691,948 @@
                 </a:solidFill>
                 <a:latin typeface="Dosis" panose="02010503020202060003" pitchFamily="2" charset="77"/>
               </a:rPr>
-              <a:t>0.</a:t>
+              <a:t>6.</a:t>
+            </a:r>
+          </a:p>
+          <a:p>
+            <a:pPr>
+              <a:spcBef>
+                <a:spcPts val="0"/>
+              </a:spcBef>
+            </a:pPr>
+            <a:r>
+              <a:rPr lang="fr-FR" sz="4800" b="1" dirty="0">
+                <a:solidFill>
+                  <a:schemeClr val="accent6"/>
+                </a:solidFill>
+                <a:latin typeface="Dosis" panose="02010503020202060003" pitchFamily="2" charset="77"/>
+              </a:rPr>
+              <a:t>PLANNING VS RESULTS</a:t>
+            </a:r>
+          </a:p>
+        </p:txBody>
+      </p:sp>
+    </p:spTree>
+    <p:extLst>
+      <p:ext uri="{BB962C8B-B14F-4D97-AF65-F5344CB8AC3E}">
+        <p14:creationId xmlns:p14="http://schemas.microsoft.com/office/powerpoint/2010/main" val="274719000"/>
+      </p:ext>
+    </p:extLst>
+  </p:cSld>
+  <p:clrMapOvr>
+    <a:masterClrMapping/>
+  </p:clrMapOvr>
+</p:sld>
+</file>
+
+<file path=ppt/slides/slide14.xml><?xml version="1.0" encoding="utf-8"?>
+<p:sld xmlns:a="http://schemas.openxmlformats.org/drawingml/2006/main" xmlns:r="http://schemas.openxmlformats.org/officeDocument/2006/relationships" xmlns:p="http://schemas.openxmlformats.org/presentationml/2006/main">
+  <p:cSld>
+    <p:spTree>
+      <p:nvGrpSpPr>
+        <p:cNvPr id="1" name=""/>
+        <p:cNvGrpSpPr/>
+        <p:nvPr/>
+      </p:nvGrpSpPr>
+      <p:grpSpPr>
+        <a:xfrm>
+          <a:off x="0" y="0"/>
+          <a:ext cx="0" cy="0"/>
+          <a:chOff x="0" y="0"/>
+          <a:chExt cx="0" cy="0"/>
+        </a:xfrm>
+      </p:grpSpPr>
+      <p:sp>
+        <p:nvSpPr>
+          <p:cNvPr id="4" name="Rectangle 3"/>
+          <p:cNvSpPr/>
+          <p:nvPr/>
+        </p:nvSpPr>
+        <p:spPr>
+          <a:xfrm>
+            <a:off x="1610094" y="1635647"/>
+            <a:ext cx="2592000" cy="72000"/>
+          </a:xfrm>
+          <a:prstGeom prst="rect">
+            <a:avLst/>
+          </a:prstGeom>
+          <a:solidFill>
+            <a:schemeClr val="accent1"/>
+          </a:solidFill>
+          <a:ln>
+            <a:noFill/>
+          </a:ln>
+        </p:spPr>
+        <p:style>
+          <a:lnRef idx="2">
+            <a:schemeClr val="accent1">
+              <a:shade val="50000"/>
+            </a:schemeClr>
+          </a:lnRef>
+          <a:fillRef idx="1">
+            <a:schemeClr val="accent1"/>
+          </a:fillRef>
+          <a:effectRef idx="0">
+            <a:schemeClr val="accent1"/>
+          </a:effectRef>
+          <a:fontRef idx="minor">
+            <a:schemeClr val="lt1"/>
+          </a:fontRef>
+        </p:style>
+        <p:txBody>
+          <a:bodyPr rot="0" spcFirstLastPara="0" vertOverflow="overflow" horzOverflow="overflow" vert="horz" wrap="square" lIns="91440" tIns="45720" rIns="91440" bIns="45720" numCol="1" spcCol="0" rtlCol="0" fromWordArt="0" anchor="ctr" anchorCtr="0" forceAA="0" compatLnSpc="1">
+            <a:prstTxWarp prst="textNoShape">
+              <a:avLst/>
+            </a:prstTxWarp>
+            <a:noAutofit/>
+          </a:bodyPr>
+          <a:lstStyle/>
+          <a:p>
+            <a:pPr algn="ctr"/>
+            <a:endParaRPr lang="ko-KR" altLang="en-US">
+              <a:solidFill>
+                <a:srgbClr val="9AD3E9"/>
+              </a:solidFill>
+            </a:endParaRPr>
+          </a:p>
+        </p:txBody>
+      </p:sp>
+      <p:sp>
+        <p:nvSpPr>
+          <p:cNvPr id="5" name="Rectangle 4"/>
+          <p:cNvSpPr/>
+          <p:nvPr/>
+        </p:nvSpPr>
+        <p:spPr>
+          <a:xfrm>
+            <a:off x="4944854" y="1635647"/>
+            <a:ext cx="2592000" cy="72000"/>
+          </a:xfrm>
+          <a:prstGeom prst="rect">
+            <a:avLst/>
+          </a:prstGeom>
+          <a:solidFill>
+            <a:schemeClr val="accent4"/>
+          </a:solidFill>
+          <a:ln>
+            <a:noFill/>
+          </a:ln>
+        </p:spPr>
+        <p:style>
+          <a:lnRef idx="2">
+            <a:schemeClr val="accent1">
+              <a:shade val="50000"/>
+            </a:schemeClr>
+          </a:lnRef>
+          <a:fillRef idx="1">
+            <a:schemeClr val="accent1"/>
+          </a:fillRef>
+          <a:effectRef idx="0">
+            <a:schemeClr val="accent1"/>
+          </a:effectRef>
+          <a:fontRef idx="minor">
+            <a:schemeClr val="lt1"/>
+          </a:fontRef>
+        </p:style>
+        <p:txBody>
+          <a:bodyPr rot="0" spcFirstLastPara="0" vertOverflow="overflow" horzOverflow="overflow" vert="horz" wrap="square" lIns="91440" tIns="45720" rIns="91440" bIns="45720" numCol="1" spcCol="0" rtlCol="0" fromWordArt="0" anchor="ctr" anchorCtr="0" forceAA="0" compatLnSpc="1">
+            <a:prstTxWarp prst="textNoShape">
+              <a:avLst/>
+            </a:prstTxWarp>
+            <a:noAutofit/>
+          </a:bodyPr>
+          <a:lstStyle/>
+          <a:p>
+            <a:pPr algn="ctr"/>
+            <a:endParaRPr lang="ko-KR" altLang="en-US"/>
+          </a:p>
+        </p:txBody>
+      </p:sp>
+      <p:sp>
+        <p:nvSpPr>
+          <p:cNvPr id="8" name="TextBox 7"/>
+          <p:cNvSpPr txBox="1"/>
+          <p:nvPr/>
+        </p:nvSpPr>
+        <p:spPr>
+          <a:xfrm>
+            <a:off x="1460562" y="1862203"/>
+            <a:ext cx="2835932" cy="2646878"/>
+          </a:xfrm>
+          <a:prstGeom prst="rect">
+            <a:avLst/>
+          </a:prstGeom>
+          <a:noFill/>
+        </p:spPr>
+        <p:txBody>
+          <a:bodyPr wrap="square" rtlCol="0">
+            <a:spAutoFit/>
+          </a:bodyPr>
+          <a:lstStyle/>
+          <a:p>
+            <a:pPr marL="171450" indent="-171450" algn="ctr">
+              <a:buFont typeface="Courier New" panose="02070309020205020404" pitchFamily="49" charset="0"/>
+              <a:buChar char="o"/>
+            </a:pPr>
+            <a:r>
+              <a:rPr lang="en-US" altLang="ko-KR" sz="1400" dirty="0">
+                <a:solidFill>
+                  <a:schemeClr val="tx1">
+                    <a:lumMod val="75000"/>
+                    <a:lumOff val="25000"/>
+                  </a:schemeClr>
+                </a:solidFill>
+                <a:latin typeface="Dosis Medium" panose="02010503020202060003" pitchFamily="2" charset="77"/>
+                <a:cs typeface="Arial" pitchFamily="34" charset="0"/>
+              </a:rPr>
+              <a:t>Something</a:t>
+            </a:r>
+          </a:p>
+          <a:p>
+            <a:pPr algn="ctr"/>
+            <a:endParaRPr lang="en-US" altLang="ko-KR" sz="1400" dirty="0">
+              <a:solidFill>
+                <a:schemeClr val="tx1">
+                  <a:lumMod val="75000"/>
+                  <a:lumOff val="25000"/>
+                </a:schemeClr>
+              </a:solidFill>
+              <a:latin typeface="Dosis Medium" panose="02010503020202060003" pitchFamily="2" charset="77"/>
+              <a:cs typeface="Arial" pitchFamily="34" charset="0"/>
+            </a:endParaRPr>
+          </a:p>
+          <a:p>
+            <a:pPr marL="171450" indent="-171450" algn="ctr">
+              <a:buFont typeface="Courier New" panose="02070309020205020404" pitchFamily="49" charset="0"/>
+              <a:buChar char="o"/>
+            </a:pPr>
+            <a:r>
+              <a:rPr lang="en-US" altLang="ko-KR" sz="1400" dirty="0">
+                <a:solidFill>
+                  <a:schemeClr val="tx1">
+                    <a:lumMod val="75000"/>
+                    <a:lumOff val="25000"/>
+                  </a:schemeClr>
+                </a:solidFill>
+                <a:latin typeface="Dosis Medium" panose="02010503020202060003" pitchFamily="2" charset="77"/>
+                <a:cs typeface="Arial" pitchFamily="34" charset="0"/>
+              </a:rPr>
+              <a:t>Something else</a:t>
+            </a:r>
+          </a:p>
+          <a:p>
+            <a:pPr algn="ctr"/>
+            <a:endParaRPr lang="en-US" altLang="ko-KR" sz="1400" dirty="0">
+              <a:solidFill>
+                <a:schemeClr val="tx1">
+                  <a:lumMod val="75000"/>
+                  <a:lumOff val="25000"/>
+                </a:schemeClr>
+              </a:solidFill>
+              <a:latin typeface="Dosis Medium" panose="02010503020202060003" pitchFamily="2" charset="77"/>
+              <a:cs typeface="Arial" pitchFamily="34" charset="0"/>
+            </a:endParaRPr>
+          </a:p>
+          <a:p>
+            <a:pPr marL="171450" indent="-171450" algn="ctr">
+              <a:buFont typeface="Courier New" panose="02070309020205020404" pitchFamily="49" charset="0"/>
+              <a:buChar char="o"/>
+            </a:pPr>
+            <a:r>
+              <a:rPr lang="en-US" altLang="ko-KR" sz="1400" dirty="0" err="1">
+                <a:solidFill>
+                  <a:schemeClr val="tx1">
+                    <a:lumMod val="75000"/>
+                    <a:lumOff val="25000"/>
+                  </a:schemeClr>
+                </a:solidFill>
+                <a:latin typeface="Dosis Medium" panose="02010503020202060003" pitchFamily="2" charset="77"/>
+                <a:cs typeface="Arial" pitchFamily="34" charset="0"/>
+              </a:rPr>
+              <a:t>Blabla</a:t>
+            </a:r>
+            <a:endParaRPr lang="en-US" altLang="ko-KR" sz="1400" dirty="0">
+              <a:solidFill>
+                <a:schemeClr val="tx1">
+                  <a:lumMod val="75000"/>
+                  <a:lumOff val="25000"/>
+                </a:schemeClr>
+              </a:solidFill>
+              <a:latin typeface="Dosis Medium" panose="02010503020202060003" pitchFamily="2" charset="77"/>
+              <a:cs typeface="Arial" pitchFamily="34" charset="0"/>
+            </a:endParaRPr>
+          </a:p>
+          <a:p>
+            <a:pPr algn="ctr"/>
+            <a:endParaRPr lang="en-US" altLang="ko-KR" sz="1400" dirty="0">
+              <a:solidFill>
+                <a:schemeClr val="tx1">
+                  <a:lumMod val="75000"/>
+                  <a:lumOff val="25000"/>
+                </a:schemeClr>
+              </a:solidFill>
+              <a:latin typeface="Dosis Medium" panose="02010503020202060003" pitchFamily="2" charset="77"/>
+              <a:cs typeface="Arial" pitchFamily="34" charset="0"/>
+            </a:endParaRPr>
+          </a:p>
+          <a:p>
+            <a:pPr marL="171450" indent="-171450" algn="ctr">
+              <a:buFont typeface="Courier New" panose="02070309020205020404" pitchFamily="49" charset="0"/>
+              <a:buChar char="o"/>
+            </a:pPr>
+            <a:r>
+              <a:rPr lang="en-US" altLang="ko-KR" sz="1400" dirty="0">
+                <a:solidFill>
+                  <a:schemeClr val="tx1">
+                    <a:lumMod val="75000"/>
+                    <a:lumOff val="25000"/>
+                  </a:schemeClr>
+                </a:solidFill>
+                <a:latin typeface="Dosis Medium" panose="02010503020202060003" pitchFamily="2" charset="77"/>
+                <a:cs typeface="Arial" pitchFamily="34" charset="0"/>
+              </a:rPr>
+              <a:t>Move</a:t>
+            </a:r>
+          </a:p>
+          <a:p>
+            <a:pPr algn="ctr"/>
+            <a:endParaRPr lang="en-US" altLang="ko-KR" sz="1400" dirty="0">
+              <a:solidFill>
+                <a:schemeClr val="tx1">
+                  <a:lumMod val="75000"/>
+                  <a:lumOff val="25000"/>
+                </a:schemeClr>
+              </a:solidFill>
+              <a:latin typeface="Dosis Medium" panose="02010503020202060003" pitchFamily="2" charset="77"/>
+              <a:cs typeface="Arial" pitchFamily="34" charset="0"/>
+            </a:endParaRPr>
+          </a:p>
+          <a:p>
+            <a:pPr marL="171450" indent="-171450" algn="ctr">
+              <a:buFont typeface="Courier New" panose="02070309020205020404" pitchFamily="49" charset="0"/>
+              <a:buChar char="o"/>
+            </a:pPr>
+            <a:r>
+              <a:rPr lang="en-US" altLang="ko-KR" sz="1400" dirty="0" err="1">
+                <a:solidFill>
+                  <a:schemeClr val="tx1">
+                    <a:lumMod val="75000"/>
+                    <a:lumOff val="25000"/>
+                  </a:schemeClr>
+                </a:solidFill>
+                <a:latin typeface="Dosis Medium" panose="02010503020202060003" pitchFamily="2" charset="77"/>
+                <a:cs typeface="Arial" pitchFamily="34" charset="0"/>
+              </a:rPr>
+              <a:t>Hohohohoho</a:t>
+            </a:r>
+            <a:endParaRPr lang="en-US" altLang="ko-KR" sz="1400" dirty="0">
+              <a:solidFill>
+                <a:schemeClr val="tx1">
+                  <a:lumMod val="75000"/>
+                  <a:lumOff val="25000"/>
+                </a:schemeClr>
+              </a:solidFill>
+              <a:latin typeface="Dosis Medium" panose="02010503020202060003" pitchFamily="2" charset="77"/>
+              <a:cs typeface="Arial" pitchFamily="34" charset="0"/>
+            </a:endParaRPr>
+          </a:p>
+          <a:p>
+            <a:pPr algn="ctr"/>
+            <a:endParaRPr lang="en-US" altLang="ko-KR" sz="1400" dirty="0">
+              <a:solidFill>
+                <a:schemeClr val="tx1">
+                  <a:lumMod val="75000"/>
+                  <a:lumOff val="25000"/>
+                </a:schemeClr>
+              </a:solidFill>
+              <a:latin typeface="Dosis Medium" panose="02010503020202060003" pitchFamily="2" charset="77"/>
+              <a:cs typeface="Arial" pitchFamily="34" charset="0"/>
+            </a:endParaRPr>
+          </a:p>
+          <a:p>
+            <a:pPr marL="171450" indent="-171450" algn="ctr">
+              <a:buFont typeface="Courier New" panose="02070309020205020404" pitchFamily="49" charset="0"/>
+              <a:buChar char="o"/>
+            </a:pPr>
+            <a:r>
+              <a:rPr lang="en-US" altLang="ko-KR" sz="1400" dirty="0">
+                <a:solidFill>
+                  <a:schemeClr val="tx1">
+                    <a:lumMod val="75000"/>
+                    <a:lumOff val="25000"/>
+                  </a:schemeClr>
+                </a:solidFill>
+                <a:latin typeface="Dosis Medium" panose="02010503020202060003" pitchFamily="2" charset="77"/>
+                <a:cs typeface="Arial" pitchFamily="34" charset="0"/>
+              </a:rPr>
+              <a:t>I’m so funny.</a:t>
+            </a:r>
+          </a:p>
+          <a:p>
+            <a:pPr marL="171450" indent="-171450" algn="ctr">
+              <a:buFont typeface="Courier New" panose="02070309020205020404" pitchFamily="49" charset="0"/>
+              <a:buChar char="o"/>
+            </a:pPr>
+            <a:endParaRPr lang="en-US" altLang="ko-KR" sz="1200" dirty="0">
+              <a:solidFill>
+                <a:schemeClr val="tx1">
+                  <a:lumMod val="75000"/>
+                  <a:lumOff val="25000"/>
+                </a:schemeClr>
+              </a:solidFill>
+              <a:cs typeface="Arial" pitchFamily="34" charset="0"/>
+            </a:endParaRPr>
+          </a:p>
+        </p:txBody>
+      </p:sp>
+      <p:sp>
+        <p:nvSpPr>
+          <p:cNvPr id="12" name="Title 2">
+            <a:extLst>
+              <a:ext uri="{FF2B5EF4-FFF2-40B4-BE49-F238E27FC236}">
+                <a16:creationId xmlns:a16="http://schemas.microsoft.com/office/drawing/2014/main" id="{46A38CFC-412C-F64E-B47C-7EC3C77D8958}"/>
+              </a:ext>
+            </a:extLst>
+          </p:cNvPr>
+          <p:cNvSpPr txBox="1">
+            <a:spLocks/>
+          </p:cNvSpPr>
+          <p:nvPr/>
+        </p:nvSpPr>
+        <p:spPr>
+          <a:xfrm>
+            <a:off x="11347" y="123478"/>
+            <a:ext cx="9144000" cy="576064"/>
+          </a:xfrm>
+          <a:prstGeom prst="rect">
+            <a:avLst/>
+          </a:prstGeom>
+        </p:spPr>
+        <p:txBody>
+          <a:bodyPr anchor="ctr"/>
+          <a:lstStyle>
+            <a:lvl1pPr algn="ctr" defTabSz="914400" rtl="0" eaLnBrk="1" latinLnBrk="1" hangingPunct="1">
+              <a:spcBef>
+                <a:spcPct val="0"/>
+              </a:spcBef>
+              <a:buNone/>
+              <a:defRPr sz="4400" kern="1200">
+                <a:solidFill>
+                  <a:schemeClr val="tx1"/>
+                </a:solidFill>
+                <a:latin typeface="+mj-lt"/>
+                <a:ea typeface="+mj-ea"/>
+                <a:cs typeface="+mj-cs"/>
+              </a:defRPr>
+            </a:lvl1pPr>
+          </a:lstStyle>
+          <a:p>
+            <a:r>
+              <a:rPr lang="fr-FR" sz="4000" b="1" dirty="0">
+                <a:solidFill>
+                  <a:schemeClr val="accent6"/>
+                </a:solidFill>
+                <a:latin typeface="Dosis SemiBold" panose="02010503020202060003" pitchFamily="2" charset="77"/>
+                <a:cs typeface="Arial" pitchFamily="34" charset="0"/>
+              </a:rPr>
+              <a:t>Planning vs </a:t>
+            </a:r>
+            <a:r>
+              <a:rPr lang="fr-FR" sz="4000" b="1" dirty="0" err="1">
+                <a:solidFill>
+                  <a:schemeClr val="accent6"/>
+                </a:solidFill>
+                <a:latin typeface="Dosis SemiBold" panose="02010503020202060003" pitchFamily="2" charset="77"/>
+                <a:cs typeface="Arial" pitchFamily="34" charset="0"/>
+              </a:rPr>
+              <a:t>Results</a:t>
+            </a:r>
+            <a:endParaRPr lang="en-US" sz="4000" b="1" dirty="0">
+              <a:solidFill>
+                <a:schemeClr val="accent6"/>
+              </a:solidFill>
+              <a:latin typeface="Dosis SemiBold" panose="02010503020202060003" pitchFamily="2" charset="77"/>
+              <a:cs typeface="Arial" pitchFamily="34" charset="0"/>
+            </a:endParaRPr>
+          </a:p>
+        </p:txBody>
+      </p:sp>
+      <p:sp>
+        <p:nvSpPr>
+          <p:cNvPr id="15" name="ZoneTexte 14">
+            <a:extLst>
+              <a:ext uri="{FF2B5EF4-FFF2-40B4-BE49-F238E27FC236}">
+                <a16:creationId xmlns:a16="http://schemas.microsoft.com/office/drawing/2014/main" id="{E1F40176-995C-C547-8775-404FE1266BBE}"/>
+              </a:ext>
+            </a:extLst>
+          </p:cNvPr>
+          <p:cNvSpPr txBox="1"/>
+          <p:nvPr/>
+        </p:nvSpPr>
+        <p:spPr>
+          <a:xfrm>
+            <a:off x="1907704" y="1296425"/>
+            <a:ext cx="2059145" cy="369332"/>
+          </a:xfrm>
+          <a:prstGeom prst="rect">
+            <a:avLst/>
+          </a:prstGeom>
+          <a:noFill/>
+        </p:spPr>
+        <p:txBody>
+          <a:bodyPr wrap="square" rtlCol="0">
+            <a:spAutoFit/>
+          </a:bodyPr>
+          <a:lstStyle/>
+          <a:p>
+            <a:r>
+              <a:rPr lang="fr-FR" dirty="0" err="1">
+                <a:solidFill>
+                  <a:srgbClr val="F8B2A3"/>
+                </a:solidFill>
+                <a:latin typeface="Dosis Medium" panose="02010503020202060003" pitchFamily="2" charset="77"/>
+              </a:rPr>
+              <a:t>What</a:t>
+            </a:r>
+            <a:r>
+              <a:rPr lang="fr-FR" dirty="0">
+                <a:solidFill>
+                  <a:srgbClr val="F8B2A3"/>
+                </a:solidFill>
+                <a:latin typeface="Dosis Medium" panose="02010503020202060003" pitchFamily="2" charset="77"/>
+              </a:rPr>
+              <a:t> </a:t>
+            </a:r>
+            <a:r>
+              <a:rPr lang="fr-FR" dirty="0" err="1">
+                <a:solidFill>
+                  <a:srgbClr val="F8B2A3"/>
+                </a:solidFill>
+                <a:latin typeface="Dosis Medium" panose="02010503020202060003" pitchFamily="2" charset="77"/>
+              </a:rPr>
+              <a:t>was</a:t>
+            </a:r>
+            <a:r>
+              <a:rPr lang="fr-FR" dirty="0">
+                <a:solidFill>
+                  <a:srgbClr val="F8B2A3"/>
+                </a:solidFill>
+                <a:latin typeface="Dosis Medium" panose="02010503020202060003" pitchFamily="2" charset="77"/>
+              </a:rPr>
+              <a:t> </a:t>
+            </a:r>
+            <a:r>
+              <a:rPr lang="fr-FR" dirty="0" err="1">
+                <a:solidFill>
+                  <a:srgbClr val="F8B2A3"/>
+                </a:solidFill>
+                <a:latin typeface="Dosis Medium" panose="02010503020202060003" pitchFamily="2" charset="77"/>
+              </a:rPr>
+              <a:t>planned</a:t>
+            </a:r>
+            <a:endParaRPr lang="fr-FR" dirty="0">
+              <a:solidFill>
+                <a:srgbClr val="F8B2A3"/>
+              </a:solidFill>
+              <a:latin typeface="Dosis Medium" panose="02010503020202060003" pitchFamily="2" charset="77"/>
+            </a:endParaRPr>
+          </a:p>
+        </p:txBody>
+      </p:sp>
+      <p:sp>
+        <p:nvSpPr>
+          <p:cNvPr id="16" name="ZoneTexte 15">
+            <a:extLst>
+              <a:ext uri="{FF2B5EF4-FFF2-40B4-BE49-F238E27FC236}">
+                <a16:creationId xmlns:a16="http://schemas.microsoft.com/office/drawing/2014/main" id="{F92E16A4-6CF7-5E4F-8AF8-AB0EC6E81868}"/>
+              </a:ext>
+            </a:extLst>
+          </p:cNvPr>
+          <p:cNvSpPr txBox="1"/>
+          <p:nvPr/>
+        </p:nvSpPr>
+        <p:spPr>
+          <a:xfrm>
+            <a:off x="5034435" y="1300381"/>
+            <a:ext cx="2592000" cy="369332"/>
+          </a:xfrm>
+          <a:prstGeom prst="rect">
+            <a:avLst/>
+          </a:prstGeom>
+          <a:noFill/>
+        </p:spPr>
+        <p:txBody>
+          <a:bodyPr wrap="square" rtlCol="0">
+            <a:spAutoFit/>
+          </a:bodyPr>
+          <a:lstStyle/>
+          <a:p>
+            <a:r>
+              <a:rPr lang="fr-FR" dirty="0" err="1">
+                <a:solidFill>
+                  <a:srgbClr val="98DFBB"/>
+                </a:solidFill>
+                <a:latin typeface="Dosis Medium" panose="02010503020202060003" pitchFamily="2" charset="77"/>
+              </a:rPr>
+              <a:t>What</a:t>
+            </a:r>
+            <a:r>
+              <a:rPr lang="fr-FR" dirty="0">
+                <a:solidFill>
+                  <a:srgbClr val="98DFBB"/>
+                </a:solidFill>
+                <a:latin typeface="Dosis Medium" panose="02010503020202060003" pitchFamily="2" charset="77"/>
+              </a:rPr>
+              <a:t> has been </a:t>
+            </a:r>
+            <a:r>
+              <a:rPr lang="fr-FR" dirty="0" err="1">
+                <a:solidFill>
+                  <a:srgbClr val="98DFBB"/>
+                </a:solidFill>
+                <a:latin typeface="Dosis Medium" panose="02010503020202060003" pitchFamily="2" charset="77"/>
+              </a:rPr>
+              <a:t>achieved</a:t>
+            </a:r>
+            <a:endParaRPr lang="fr-FR" dirty="0">
+              <a:solidFill>
+                <a:srgbClr val="98DFBB"/>
+              </a:solidFill>
+              <a:latin typeface="Dosis Medium" panose="02010503020202060003" pitchFamily="2" charset="77"/>
+            </a:endParaRPr>
+          </a:p>
+        </p:txBody>
+      </p:sp>
+      <p:sp>
+        <p:nvSpPr>
+          <p:cNvPr id="17" name="TextBox 7">
+            <a:extLst>
+              <a:ext uri="{FF2B5EF4-FFF2-40B4-BE49-F238E27FC236}">
+                <a16:creationId xmlns:a16="http://schemas.microsoft.com/office/drawing/2014/main" id="{7A8F361A-FDE9-DB4B-813E-C89078F834F2}"/>
+              </a:ext>
+            </a:extLst>
+          </p:cNvPr>
+          <p:cNvSpPr txBox="1"/>
+          <p:nvPr/>
+        </p:nvSpPr>
+        <p:spPr>
+          <a:xfrm>
+            <a:off x="4822888" y="1862203"/>
+            <a:ext cx="2835932" cy="2646878"/>
+          </a:xfrm>
+          <a:prstGeom prst="rect">
+            <a:avLst/>
+          </a:prstGeom>
+          <a:noFill/>
+        </p:spPr>
+        <p:txBody>
+          <a:bodyPr wrap="square" rtlCol="0">
+            <a:spAutoFit/>
+          </a:bodyPr>
+          <a:lstStyle/>
+          <a:p>
+            <a:pPr marL="171450" indent="-171450" algn="ctr">
+              <a:buFont typeface="Courier New" panose="02070309020205020404" pitchFamily="49" charset="0"/>
+              <a:buChar char="o"/>
+            </a:pPr>
+            <a:r>
+              <a:rPr lang="en-US" altLang="ko-KR" sz="1400" dirty="0">
+                <a:solidFill>
+                  <a:schemeClr val="tx1">
+                    <a:lumMod val="75000"/>
+                    <a:lumOff val="25000"/>
+                  </a:schemeClr>
+                </a:solidFill>
+                <a:latin typeface="Dosis Medium" panose="02010503020202060003" pitchFamily="2" charset="77"/>
+                <a:cs typeface="Arial" pitchFamily="34" charset="0"/>
+              </a:rPr>
+              <a:t>Something</a:t>
+            </a:r>
+          </a:p>
+          <a:p>
+            <a:pPr algn="ctr"/>
+            <a:endParaRPr lang="en-US" altLang="ko-KR" sz="1400" dirty="0">
+              <a:solidFill>
+                <a:schemeClr val="tx1">
+                  <a:lumMod val="75000"/>
+                  <a:lumOff val="25000"/>
+                </a:schemeClr>
+              </a:solidFill>
+              <a:latin typeface="Dosis Medium" panose="02010503020202060003" pitchFamily="2" charset="77"/>
+              <a:cs typeface="Arial" pitchFamily="34" charset="0"/>
+            </a:endParaRPr>
+          </a:p>
+          <a:p>
+            <a:pPr marL="171450" indent="-171450" algn="ctr">
+              <a:buFont typeface="Courier New" panose="02070309020205020404" pitchFamily="49" charset="0"/>
+              <a:buChar char="o"/>
+            </a:pPr>
+            <a:r>
+              <a:rPr lang="en-US" altLang="ko-KR" sz="1400" dirty="0">
+                <a:solidFill>
+                  <a:schemeClr val="tx1">
+                    <a:lumMod val="75000"/>
+                    <a:lumOff val="25000"/>
+                  </a:schemeClr>
+                </a:solidFill>
+                <a:latin typeface="Dosis Medium" panose="02010503020202060003" pitchFamily="2" charset="77"/>
+                <a:cs typeface="Arial" pitchFamily="34" charset="0"/>
+              </a:rPr>
+              <a:t>Something more</a:t>
+            </a:r>
+          </a:p>
+          <a:p>
+            <a:pPr algn="ctr"/>
+            <a:endParaRPr lang="en-US" altLang="ko-KR" sz="1400" dirty="0">
+              <a:solidFill>
+                <a:schemeClr val="tx1">
+                  <a:lumMod val="75000"/>
+                  <a:lumOff val="25000"/>
+                </a:schemeClr>
+              </a:solidFill>
+              <a:latin typeface="Dosis Medium" panose="02010503020202060003" pitchFamily="2" charset="77"/>
+              <a:cs typeface="Arial" pitchFamily="34" charset="0"/>
+            </a:endParaRPr>
+          </a:p>
+          <a:p>
+            <a:pPr marL="171450" indent="-171450" algn="ctr">
+              <a:buFont typeface="Courier New" panose="02070309020205020404" pitchFamily="49" charset="0"/>
+              <a:buChar char="o"/>
+            </a:pPr>
+            <a:r>
+              <a:rPr lang="en-US" altLang="ko-KR" sz="1400" dirty="0">
+                <a:solidFill>
+                  <a:schemeClr val="tx1">
+                    <a:lumMod val="75000"/>
+                    <a:lumOff val="25000"/>
+                  </a:schemeClr>
+                </a:solidFill>
+                <a:latin typeface="Dosis Medium" panose="02010503020202060003" pitchFamily="2" charset="77"/>
+                <a:cs typeface="Arial" pitchFamily="34" charset="0"/>
+              </a:rPr>
+              <a:t>Move</a:t>
+            </a:r>
+          </a:p>
+          <a:p>
+            <a:pPr algn="ctr"/>
+            <a:endParaRPr lang="en-US" altLang="ko-KR" sz="1400" dirty="0">
+              <a:solidFill>
+                <a:schemeClr val="tx1">
+                  <a:lumMod val="75000"/>
+                  <a:lumOff val="25000"/>
+                </a:schemeClr>
+              </a:solidFill>
+              <a:latin typeface="Dosis Medium" panose="02010503020202060003" pitchFamily="2" charset="77"/>
+              <a:cs typeface="Arial" pitchFamily="34" charset="0"/>
+            </a:endParaRPr>
+          </a:p>
+          <a:p>
+            <a:pPr marL="171450" indent="-171450" algn="ctr">
+              <a:buFont typeface="Courier New" panose="02070309020205020404" pitchFamily="49" charset="0"/>
+              <a:buChar char="o"/>
+            </a:pPr>
+            <a:r>
+              <a:rPr lang="en-US" altLang="ko-KR" sz="1400" dirty="0" err="1">
+                <a:solidFill>
+                  <a:schemeClr val="tx1">
+                    <a:lumMod val="75000"/>
+                    <a:lumOff val="25000"/>
+                  </a:schemeClr>
+                </a:solidFill>
+                <a:latin typeface="Dosis Medium" panose="02010503020202060003" pitchFamily="2" charset="77"/>
+                <a:cs typeface="Arial" pitchFamily="34" charset="0"/>
+              </a:rPr>
+              <a:t>Blabla</a:t>
+            </a:r>
+            <a:endParaRPr lang="en-US" altLang="ko-KR" sz="1400" dirty="0">
+              <a:solidFill>
+                <a:schemeClr val="tx1">
+                  <a:lumMod val="75000"/>
+                  <a:lumOff val="25000"/>
+                </a:schemeClr>
+              </a:solidFill>
+              <a:latin typeface="Dosis Medium" panose="02010503020202060003" pitchFamily="2" charset="77"/>
+              <a:cs typeface="Arial" pitchFamily="34" charset="0"/>
+            </a:endParaRPr>
+          </a:p>
+          <a:p>
+            <a:pPr algn="ctr"/>
+            <a:endParaRPr lang="en-US" altLang="ko-KR" sz="1400" dirty="0">
+              <a:solidFill>
+                <a:schemeClr val="tx1">
+                  <a:lumMod val="75000"/>
+                  <a:lumOff val="25000"/>
+                </a:schemeClr>
+              </a:solidFill>
+              <a:latin typeface="Dosis Medium" panose="02010503020202060003" pitchFamily="2" charset="77"/>
+              <a:cs typeface="Arial" pitchFamily="34" charset="0"/>
+            </a:endParaRPr>
+          </a:p>
+          <a:p>
+            <a:pPr marL="171450" indent="-171450" algn="ctr">
+              <a:buFont typeface="Courier New" panose="02070309020205020404" pitchFamily="49" charset="0"/>
+              <a:buChar char="o"/>
+            </a:pPr>
+            <a:r>
+              <a:rPr lang="en-US" altLang="ko-KR" sz="1400" dirty="0" err="1">
+                <a:solidFill>
+                  <a:schemeClr val="tx1">
+                    <a:lumMod val="75000"/>
+                    <a:lumOff val="25000"/>
+                  </a:schemeClr>
+                </a:solidFill>
+                <a:latin typeface="Dosis Medium" panose="02010503020202060003" pitchFamily="2" charset="77"/>
+                <a:cs typeface="Arial" pitchFamily="34" charset="0"/>
+              </a:rPr>
+              <a:t>Hahahahaha</a:t>
+            </a:r>
+            <a:endParaRPr lang="en-US" altLang="ko-KR" sz="1400" dirty="0">
+              <a:solidFill>
+                <a:schemeClr val="tx1">
+                  <a:lumMod val="75000"/>
+                  <a:lumOff val="25000"/>
+                </a:schemeClr>
+              </a:solidFill>
+              <a:latin typeface="Dosis Medium" panose="02010503020202060003" pitchFamily="2" charset="77"/>
+              <a:cs typeface="Arial" pitchFamily="34" charset="0"/>
+            </a:endParaRPr>
+          </a:p>
+          <a:p>
+            <a:pPr algn="ctr"/>
+            <a:endParaRPr lang="en-US" altLang="ko-KR" sz="1400" dirty="0">
+              <a:solidFill>
+                <a:schemeClr val="tx1">
+                  <a:lumMod val="75000"/>
+                  <a:lumOff val="25000"/>
+                </a:schemeClr>
+              </a:solidFill>
+              <a:latin typeface="Dosis Medium" panose="02010503020202060003" pitchFamily="2" charset="77"/>
+              <a:cs typeface="Arial" pitchFamily="34" charset="0"/>
+            </a:endParaRPr>
+          </a:p>
+          <a:p>
+            <a:pPr marL="171450" indent="-171450" algn="ctr">
+              <a:buFont typeface="Courier New" panose="02070309020205020404" pitchFamily="49" charset="0"/>
+              <a:buChar char="o"/>
+            </a:pPr>
+            <a:r>
+              <a:rPr lang="en-US" altLang="ko-KR" sz="1400" dirty="0">
+                <a:solidFill>
+                  <a:schemeClr val="tx1">
+                    <a:lumMod val="75000"/>
+                    <a:lumOff val="25000"/>
+                  </a:schemeClr>
+                </a:solidFill>
+                <a:latin typeface="Dosis Medium" panose="02010503020202060003" pitchFamily="2" charset="77"/>
+                <a:cs typeface="Arial" pitchFamily="34" charset="0"/>
+              </a:rPr>
+              <a:t>It wasn’t funny. </a:t>
+            </a:r>
+          </a:p>
+          <a:p>
+            <a:pPr marL="171450" indent="-171450" algn="ctr">
+              <a:buFont typeface="Courier New" panose="02070309020205020404" pitchFamily="49" charset="0"/>
+              <a:buChar char="o"/>
+            </a:pPr>
+            <a:endParaRPr lang="en-US" altLang="ko-KR" sz="1200" dirty="0">
+              <a:solidFill>
+                <a:schemeClr val="tx1">
+                  <a:lumMod val="75000"/>
+                  <a:lumOff val="25000"/>
+                </a:schemeClr>
+              </a:solidFill>
+              <a:cs typeface="Arial" pitchFamily="34" charset="0"/>
+            </a:endParaRPr>
+          </a:p>
+        </p:txBody>
+      </p:sp>
+    </p:spTree>
+    <p:extLst>
+      <p:ext uri="{BB962C8B-B14F-4D97-AF65-F5344CB8AC3E}">
+        <p14:creationId xmlns:p14="http://schemas.microsoft.com/office/powerpoint/2010/main" val="3282278985"/>
+      </p:ext>
+    </p:extLst>
+  </p:cSld>
+  <p:clrMapOvr>
+    <a:masterClrMapping/>
+  </p:clrMapOvr>
+</p:sld>
+</file>
+
+<file path=ppt/slides/slide15.xml><?xml version="1.0" encoding="utf-8"?>
+<p:sld xmlns:a="http://schemas.openxmlformats.org/drawingml/2006/main" xmlns:r="http://schemas.openxmlformats.org/officeDocument/2006/relationships" xmlns:p="http://schemas.openxmlformats.org/presentationml/2006/main">
+  <p:cSld>
+    <p:spTree>
+      <p:nvGrpSpPr>
+        <p:cNvPr id="1" name=""/>
+        <p:cNvGrpSpPr/>
+        <p:nvPr/>
+      </p:nvGrpSpPr>
+      <p:grpSpPr>
+        <a:xfrm>
+          <a:off x="0" y="0"/>
+          <a:ext cx="0" cy="0"/>
+          <a:chOff x="0" y="0"/>
+          <a:chExt cx="0" cy="0"/>
+        </a:xfrm>
+      </p:grpSpPr>
+      <p:sp>
+        <p:nvSpPr>
+          <p:cNvPr id="11" name="Google Shape;3858;p16">
+            <a:extLst>
+              <a:ext uri="{FF2B5EF4-FFF2-40B4-BE49-F238E27FC236}">
+                <a16:creationId xmlns:a16="http://schemas.microsoft.com/office/drawing/2014/main" id="{667D27B8-FA00-EE4C-9B18-4CA3A4E9986A}"/>
+              </a:ext>
+            </a:extLst>
+          </p:cNvPr>
+          <p:cNvSpPr txBox="1">
+            <a:spLocks/>
+          </p:cNvSpPr>
+          <p:nvPr/>
+        </p:nvSpPr>
+        <p:spPr>
+          <a:xfrm>
+            <a:off x="0" y="1347614"/>
+            <a:ext cx="9144000" cy="2160240"/>
+          </a:xfrm>
+          <a:prstGeom prst="rect">
+            <a:avLst/>
+          </a:prstGeom>
+        </p:spPr>
+        <p:txBody>
+          <a:bodyPr spcFirstLastPara="1" wrap="square" lIns="91425" tIns="91425" rIns="91425" bIns="91425" anchor="b" anchorCtr="0">
+            <a:noAutofit/>
+          </a:bodyPr>
+          <a:lstStyle>
+            <a:lvl1pPr algn="ctr" defTabSz="914400" rtl="0" eaLnBrk="1" latinLnBrk="1" hangingPunct="1">
+              <a:spcBef>
+                <a:spcPct val="0"/>
+              </a:spcBef>
+              <a:buNone/>
+              <a:defRPr sz="4400" kern="1200">
+                <a:solidFill>
+                  <a:schemeClr val="tx1"/>
+                </a:solidFill>
+                <a:latin typeface="+mj-lt"/>
+                <a:ea typeface="+mj-ea"/>
+                <a:cs typeface="+mj-cs"/>
+              </a:defRPr>
+            </a:lvl1pPr>
+          </a:lstStyle>
+          <a:p>
+            <a:pPr>
+              <a:spcBef>
+                <a:spcPts val="0"/>
+              </a:spcBef>
+            </a:pPr>
+            <a:r>
+              <a:rPr lang="fr-FR" sz="4800" b="1" dirty="0">
+                <a:solidFill>
+                  <a:schemeClr val="accent6"/>
+                </a:solidFill>
+                <a:latin typeface="Dosis" panose="02010503020202060003" pitchFamily="2" charset="77"/>
+              </a:rPr>
+              <a:t>7.</a:t>
             </a:r>
           </a:p>
           <a:p>
@@ -7943,7 +8682,7 @@
 </p:sld>
 </file>
 
-<file path=ppt/slides/slide14.xml><?xml version="1.0" encoding="utf-8"?>
+<file path=ppt/slides/slide16.xml><?xml version="1.0" encoding="utf-8"?>
 <p:sld xmlns:a="http://schemas.openxmlformats.org/drawingml/2006/main" xmlns:r="http://schemas.openxmlformats.org/officeDocument/2006/relationships" xmlns:p="http://schemas.openxmlformats.org/presentationml/2006/main">
   <p:cSld>
     <p:spTree>
@@ -8082,10 +8821,10 @@
         </p:nvGrpSpPr>
         <p:grpSpPr>
           <a:xfrm>
-            <a:off x="1835696" y="1467750"/>
-            <a:ext cx="2664296" cy="1682653"/>
+            <a:off x="1835696" y="1401517"/>
+            <a:ext cx="2664296" cy="2298206"/>
             <a:chOff x="496119" y="2364800"/>
-            <a:chExt cx="1752190" cy="1682653"/>
+            <a:chExt cx="1752190" cy="2298206"/>
           </a:xfrm>
           <a:noFill/>
         </p:grpSpPr>
@@ -8098,7 +8837,7 @@
           <p:spPr>
             <a:xfrm>
               <a:off x="496119" y="2785569"/>
-              <a:ext cx="1752190" cy="1261884"/>
+              <a:ext cx="1752190" cy="1877437"/>
             </a:xfrm>
             <a:prstGeom prst="rect">
               <a:avLst/>
@@ -8126,7 +8865,7 @@
                   <a:latin typeface="Dosis Light" panose="02010303020202060003" pitchFamily="2" charset="77"/>
                   <a:cs typeface="Arial" pitchFamily="34" charset="0"/>
                 </a:rPr>
-                <a:t>TODO</a:t>
+                <a:t>UI</a:t>
               </a:r>
             </a:p>
             <a:p>
@@ -8145,14 +8884,41 @@
                   <a:latin typeface="Dosis Light" panose="02010303020202060003" pitchFamily="2" charset="77"/>
                   <a:cs typeface="Arial" pitchFamily="34" charset="0"/>
                 </a:rPr>
-                <a:t>TODO</a:t>
+                <a:t>Billing improvement</a:t>
               </a:r>
             </a:p>
             <a:p>
-              <a:pPr marL="171450" indent="-171450">
-                <a:buFontTx/>
-                <a:buChar char="-"/>
+              <a:pPr marL="285750" indent="-285750">
+                <a:buFont typeface="Courier New" panose="02070309020205020404" pitchFamily="49" charset="0"/>
+                <a:buChar char="o"/>
               </a:pPr>
+              <a:r>
+                <a:rPr lang="en-US" altLang="ko-KR" sz="2000" dirty="0">
+                  <a:solidFill>
+                    <a:schemeClr val="tx1">
+                      <a:lumMod val="75000"/>
+                      <a:lumOff val="25000"/>
+                    </a:schemeClr>
+                  </a:solidFill>
+                  <a:latin typeface="Dosis Light" panose="02010303020202060003" pitchFamily="2" charset="77"/>
+                  <a:cs typeface="Arial" pitchFamily="34" charset="0"/>
+                </a:rPr>
+                <a:t>Chaos Component</a:t>
+              </a:r>
+            </a:p>
+            <a:p>
+              <a:endParaRPr lang="en-US" altLang="ko-KR" sz="2000" dirty="0">
+                <a:solidFill>
+                  <a:schemeClr val="tx1">
+                    <a:lumMod val="75000"/>
+                    <a:lumOff val="25000"/>
+                  </a:schemeClr>
+                </a:solidFill>
+                <a:latin typeface="Dosis Light" panose="02010303020202060003" pitchFamily="2" charset="77"/>
+                <a:cs typeface="Arial" pitchFamily="34" charset="0"/>
+              </a:endParaRPr>
+            </a:p>
+            <a:p>
               <a:endParaRPr lang="en-US" altLang="ko-KR" sz="2400" dirty="0">
                 <a:solidFill>
                   <a:schemeClr val="tx1">
@@ -8349,7 +9115,7 @@
         </p:nvSpPr>
         <p:spPr>
           <a:xfrm>
-            <a:off x="5805055" y="1479958"/>
+            <a:off x="5805055" y="1380634"/>
             <a:ext cx="2664296" cy="461665"/>
           </a:xfrm>
           <a:prstGeom prst="rect">
@@ -8508,7 +9274,7 @@
         </p:nvSpPr>
         <p:spPr>
           <a:xfrm>
-            <a:off x="1835696" y="3213649"/>
+            <a:off x="1826029" y="3084170"/>
             <a:ext cx="2664296" cy="461665"/>
           </a:xfrm>
           <a:prstGeom prst="rect">
@@ -8787,8 +9553,8 @@
         </p:nvSpPr>
         <p:spPr>
           <a:xfrm>
-            <a:off x="5805055" y="1852902"/>
-            <a:ext cx="2664296" cy="1077218"/>
+            <a:off x="5805055" y="1689452"/>
+            <a:ext cx="2664296" cy="2000548"/>
           </a:xfrm>
           <a:prstGeom prst="rect">
             <a:avLst/>
@@ -8816,7 +9582,7 @@
                 <a:latin typeface="Dosis Light" panose="02010303020202060003" pitchFamily="2" charset="77"/>
                 <a:cs typeface="Arial" pitchFamily="34" charset="0"/>
               </a:rPr>
-              <a:t>TODO</a:t>
+              <a:t>Chaos Component</a:t>
             </a:r>
           </a:p>
           <a:p>
@@ -8835,8 +9601,58 @@
                 <a:latin typeface="Dosis Light" panose="02010303020202060003" pitchFamily="2" charset="77"/>
                 <a:cs typeface="Arial" pitchFamily="34" charset="0"/>
               </a:rPr>
-              <a:t>TODO</a:t>
-            </a:r>
+              <a:t>Database update</a:t>
+            </a:r>
+          </a:p>
+          <a:p>
+            <a:pPr marL="285750" indent="-285750">
+              <a:buFont typeface="Courier New" panose="02070309020205020404" pitchFamily="49" charset="0"/>
+              <a:buChar char="o"/>
+            </a:pPr>
+            <a:r>
+              <a:rPr lang="en-US" altLang="ko-KR" sz="2000" dirty="0">
+                <a:solidFill>
+                  <a:schemeClr val="tx1">
+                    <a:lumMod val="75000"/>
+                    <a:lumOff val="25000"/>
+                  </a:schemeClr>
+                </a:solidFill>
+                <a:latin typeface="Dosis Light" panose="02010303020202060003" pitchFamily="2" charset="77"/>
+                <a:cs typeface="Arial" pitchFamily="34" charset="0"/>
+              </a:rPr>
+              <a:t>NodeJS Server</a:t>
+            </a:r>
+          </a:p>
+          <a:p>
+            <a:pPr marL="285750" indent="-285750">
+              <a:buFont typeface="Courier New" panose="02070309020205020404" pitchFamily="49" charset="0"/>
+              <a:buChar char="o"/>
+            </a:pPr>
+            <a:r>
+              <a:rPr lang="en-US" altLang="ko-KR" sz="2000" dirty="0">
+                <a:solidFill>
+                  <a:schemeClr val="tx1">
+                    <a:lumMod val="75000"/>
+                    <a:lumOff val="25000"/>
+                  </a:schemeClr>
+                </a:solidFill>
+                <a:latin typeface="Dosis Light" panose="02010303020202060003" pitchFamily="2" charset="77"/>
+                <a:cs typeface="Arial" pitchFamily="34" charset="0"/>
+              </a:rPr>
+              <a:t>Master/Slave DB</a:t>
+            </a:r>
+          </a:p>
+          <a:p>
+            <a:endParaRPr lang="en-US" altLang="ko-KR" sz="2000" dirty="0">
+              <a:solidFill>
+                <a:schemeClr val="tx1">
+                  <a:lumMod val="75000"/>
+                  <a:lumOff val="25000"/>
+                </a:schemeClr>
+              </a:solidFill>
+              <a:latin typeface="Dosis Light" panose="02010303020202060003" pitchFamily="2" charset="77"/>
+              <a:cs typeface="Arial" pitchFamily="34" charset="0"/>
+            </a:endParaRPr>
           </a:p>
           <a:p>
             <a:pPr marL="171450" indent="-171450">
@@ -8884,8 +9700,8 @@
         </p:nvSpPr>
         <p:spPr>
           <a:xfrm>
-            <a:off x="1835696" y="3582981"/>
-            <a:ext cx="2664296" cy="1077218"/>
+            <a:off x="1826029" y="3453502"/>
+            <a:ext cx="2664296" cy="1384995"/>
           </a:xfrm>
           <a:prstGeom prst="rect">
             <a:avLst/>
@@ -8913,7 +9729,7 @@
                 <a:latin typeface="Dosis Light" panose="02010303020202060003" pitchFamily="2" charset="77"/>
                 <a:cs typeface="Arial" pitchFamily="34" charset="0"/>
               </a:rPr>
-              <a:t>TODO</a:t>
+              <a:t>Journaling System</a:t>
             </a:r>
           </a:p>
           <a:p>
@@ -8932,14 +9748,29 @@
                 <a:latin typeface="Dosis Light" panose="02010303020202060003" pitchFamily="2" charset="77"/>
                 <a:cs typeface="Arial" pitchFamily="34" charset="0"/>
               </a:rPr>
-              <a:t>TODO</a:t>
-            </a:r>
-          </a:p>
-          <a:p>
-            <a:pPr marL="171450" indent="-171450">
-              <a:buFontTx/>
-              <a:buChar char="-"/>
+              <a:t>DDOS Prevention</a:t>
+            </a:r>
+          </a:p>
+          <a:p>
+            <a:pPr marL="285750" indent="-285750">
+              <a:buFont typeface="Courier New" panose="02070309020205020404" pitchFamily="49" charset="0"/>
+              <a:buChar char="o"/>
             </a:pPr>
+            <a:r>
+              <a:rPr lang="en-US" altLang="ko-KR" sz="2000" dirty="0">
+                <a:solidFill>
+                  <a:schemeClr val="tx1">
+                    <a:lumMod val="75000"/>
+                    <a:lumOff val="25000"/>
+                  </a:schemeClr>
+                </a:solidFill>
+                <a:latin typeface="Dosis Light" panose="02010303020202060003" pitchFamily="2" charset="77"/>
+                <a:cs typeface="Arial" pitchFamily="34" charset="0"/>
+              </a:rPr>
+              <a:t>Exception System</a:t>
+            </a:r>
+          </a:p>
+          <a:p>
             <a:endParaRPr lang="en-US" altLang="ko-KR" sz="1200" dirty="0">
               <a:solidFill>
                 <a:schemeClr val="tx1">
@@ -8981,8 +9812,8 @@
         </p:nvSpPr>
         <p:spPr>
           <a:xfrm>
-            <a:off x="5806496" y="3509186"/>
-            <a:ext cx="2664296" cy="892552"/>
+            <a:off x="5805055" y="3507037"/>
+            <a:ext cx="2664296" cy="1015663"/>
           </a:xfrm>
           <a:prstGeom prst="rect">
             <a:avLst/>
@@ -9010,7 +9841,7 @@
                 <a:latin typeface="Dosis Light" panose="02010303020202060003" pitchFamily="2" charset="77"/>
                 <a:cs typeface="Arial" pitchFamily="34" charset="0"/>
               </a:rPr>
-              <a:t>TODO</a:t>
+              <a:t>Identification</a:t>
             </a:r>
           </a:p>
           <a:p>
@@ -9029,23 +9860,27 @@
                 <a:latin typeface="Dosis Light" panose="02010303020202060003" pitchFamily="2" charset="77"/>
                 <a:cs typeface="Arial" pitchFamily="34" charset="0"/>
               </a:rPr>
-              <a:t>TODO</a:t>
-            </a:r>
-          </a:p>
-          <a:p>
-            <a:pPr marL="171450" indent="-171450">
-              <a:buFontTx/>
-              <a:buChar char="-"/>
+              <a:t>DDOS Prevention</a:t>
+            </a:r>
+          </a:p>
+          <a:p>
+            <a:pPr marL="285750" indent="-285750">
+              <a:buFont typeface="Courier New" panose="02070309020205020404" pitchFamily="49" charset="0"/>
+              <a:buChar char="o"/>
             </a:pPr>
-            <a:endParaRPr lang="en-US" altLang="ko-KR" sz="1200" dirty="0">
-              <a:solidFill>
-                <a:schemeClr val="tx1">
-                  <a:lumMod val="75000"/>
-                  <a:lumOff val="25000"/>
-                </a:schemeClr>
-              </a:solidFill>
-              <a:cs typeface="Arial" pitchFamily="34" charset="0"/>
-            </a:endParaRPr>
+            <a:r>
+              <a:rPr lang="en-US" altLang="ko-KR" sz="2000" dirty="0">
+                <a:solidFill>
+                  <a:schemeClr val="tx1">
+                    <a:lumMod val="75000"/>
+                    <a:lumOff val="25000"/>
+                  </a:schemeClr>
+                </a:solidFill>
+                <a:latin typeface="Dosis Light" panose="02010303020202060003" pitchFamily="2" charset="77"/>
+                <a:cs typeface="Arial" pitchFamily="34" charset="0"/>
+              </a:rPr>
+              <a:t>Mailing</a:t>
+            </a:r>
           </a:p>
         </p:txBody>
       </p:sp>
@@ -9062,7 +9897,7 @@
 </p:sld>
 </file>
 
-<file path=ppt/slides/slide15.xml><?xml version="1.0" encoding="utf-8"?>
+<file path=ppt/slides/slide17.xml><?xml version="1.0" encoding="utf-8"?>
 <p:sld xmlns:a="http://schemas.openxmlformats.org/drawingml/2006/main" xmlns:r="http://schemas.openxmlformats.org/officeDocument/2006/relationships" xmlns:p="http://schemas.openxmlformats.org/presentationml/2006/main">
   <p:cSld>
     <p:spTree>
@@ -9239,7 +10074,7 @@
                 </a:solidFill>
                 <a:latin typeface="Dosis" panose="02010503020202060003" pitchFamily="2" charset="77"/>
               </a:rPr>
-              <a:t>0.</a:t>
+              <a:t>1.</a:t>
             </a:r>
           </a:p>
           <a:p>
@@ -10341,7 +11176,7 @@
                 </a:solidFill>
                 <a:latin typeface="Dosis" panose="02010503020202060003" pitchFamily="2" charset="77"/>
               </a:rPr>
-              <a:t>0.</a:t>
+              <a:t>2.</a:t>
             </a:r>
           </a:p>
           <a:p>
@@ -11028,13 +11863,7 @@
       </p:grpSpPr>
       <p:sp>
         <p:nvSpPr>
-          <p:cNvPr id="11" name="Google Shape;3858;p16">
-            <a:extLst>
-              <a:ext uri="{FF2B5EF4-FFF2-40B4-BE49-F238E27FC236}">
-                <a16:creationId xmlns:a16="http://schemas.microsoft.com/office/drawing/2014/main" id="{667D27B8-FA00-EE4C-9B18-4CA3A4E9986A}"/>
-              </a:ext>
-            </a:extLst>
-          </p:cNvPr>
+          <p:cNvPr id="3" name="Title 2"/>
           <p:cNvSpPr txBox="1">
             <a:spLocks/>
           </p:cNvSpPr>
@@ -11042,17 +11871,15 @@
         </p:nvSpPr>
         <p:spPr>
           <a:xfrm>
-            <a:off x="0" y="1347614"/>
-            <a:ext cx="9144000" cy="2160240"/>
+            <a:off x="251520" y="63051"/>
+            <a:ext cx="9144000" cy="576064"/>
           </a:xfrm>
           <a:prstGeom prst="rect">
             <a:avLst/>
           </a:prstGeom>
         </p:spPr>
         <p:txBody>
-          <a:bodyPr spcFirstLastPara="1" wrap="square" lIns="91425" tIns="91425" rIns="91425" bIns="91425" anchor="b" anchorCtr="0">
-            <a:noAutofit/>
-          </a:bodyPr>
+          <a:bodyPr anchor="ctr"/>
           <a:lstStyle>
             <a:lvl1pPr algn="ctr" defTabSz="914400" rtl="0" eaLnBrk="1" latinLnBrk="1" hangingPunct="1">
               <a:spcBef>
@@ -11070,60 +11897,845 @@
             </a:lvl1pPr>
           </a:lstStyle>
           <a:p>
-            <a:pPr>
-              <a:spcBef>
-                <a:spcPts val="0"/>
-              </a:spcBef>
+            <a:r>
+              <a:rPr lang="fr-FR" sz="4000" b="1" dirty="0">
+                <a:solidFill>
+                  <a:schemeClr val="accent6"/>
+                </a:solidFill>
+                <a:latin typeface="Dosis SemiBold" panose="02010503020202060003" pitchFamily="2" charset="77"/>
+              </a:rPr>
+              <a:t>Focus on </a:t>
+            </a:r>
+            <a:r>
+              <a:rPr lang="fr-FR" sz="4000" b="1" dirty="0" err="1">
+                <a:solidFill>
+                  <a:schemeClr val="accent6"/>
+                </a:solidFill>
+                <a:latin typeface="Dosis SemiBold" panose="02010503020202060003" pitchFamily="2" charset="77"/>
+              </a:rPr>
+              <a:t>Integrity</a:t>
+            </a:r>
+            <a:endParaRPr lang="en-US" sz="4000" b="1" dirty="0">
+              <a:solidFill>
+                <a:schemeClr val="accent6"/>
+              </a:solidFill>
+              <a:latin typeface="Dosis SemiBold" panose="02010503020202060003" pitchFamily="2" charset="77"/>
+              <a:cs typeface="Arial" pitchFamily="34" charset="0"/>
+            </a:endParaRPr>
+          </a:p>
+        </p:txBody>
+      </p:sp>
+      <p:sp>
+        <p:nvSpPr>
+          <p:cNvPr id="8" name="직사각형 39"/>
+          <p:cNvSpPr/>
+          <p:nvPr/>
+        </p:nvSpPr>
+        <p:spPr>
+          <a:xfrm>
+            <a:off x="2509438" y="1403699"/>
+            <a:ext cx="2134570" cy="523220"/>
+          </a:xfrm>
+          <a:prstGeom prst="rect">
+            <a:avLst/>
+          </a:prstGeom>
+        </p:spPr>
+        <p:txBody>
+          <a:bodyPr wrap="square" anchor="ctr">
+            <a:spAutoFit/>
+          </a:bodyPr>
+          <a:lstStyle>
+            <a:defPPr>
+              <a:defRPr lang="ko-KR"/>
+            </a:defPPr>
+            <a:lvl1pPr marL="0" algn="l" defTabSz="914400" rtl="0" eaLnBrk="1" latinLnBrk="1" hangingPunct="1">
+              <a:defRPr sz="1800" kern="1200">
+                <a:solidFill>
+                  <a:schemeClr val="tx1"/>
+                </a:solidFill>
+                <a:latin typeface="+mn-lt"/>
+                <a:ea typeface="+mn-ea"/>
+                <a:cs typeface="+mn-cs"/>
+              </a:defRPr>
+            </a:lvl1pPr>
+            <a:lvl2pPr marL="457200" algn="l" defTabSz="914400" rtl="0" eaLnBrk="1" latinLnBrk="1" hangingPunct="1">
+              <a:defRPr sz="1800" kern="1200">
+                <a:solidFill>
+                  <a:schemeClr val="tx1"/>
+                </a:solidFill>
+                <a:latin typeface="+mn-lt"/>
+                <a:ea typeface="+mn-ea"/>
+                <a:cs typeface="+mn-cs"/>
+              </a:defRPr>
+            </a:lvl2pPr>
+            <a:lvl3pPr marL="914400" algn="l" defTabSz="914400" rtl="0" eaLnBrk="1" latinLnBrk="1" hangingPunct="1">
+              <a:defRPr sz="1800" kern="1200">
+                <a:solidFill>
+                  <a:schemeClr val="tx1"/>
+                </a:solidFill>
+                <a:latin typeface="+mn-lt"/>
+                <a:ea typeface="+mn-ea"/>
+                <a:cs typeface="+mn-cs"/>
+              </a:defRPr>
+            </a:lvl3pPr>
+            <a:lvl4pPr marL="1371600" algn="l" defTabSz="914400" rtl="0" eaLnBrk="1" latinLnBrk="1" hangingPunct="1">
+              <a:defRPr sz="1800" kern="1200">
+                <a:solidFill>
+                  <a:schemeClr val="tx1"/>
+                </a:solidFill>
+                <a:latin typeface="+mn-lt"/>
+                <a:ea typeface="+mn-ea"/>
+                <a:cs typeface="+mn-cs"/>
+              </a:defRPr>
+            </a:lvl4pPr>
+            <a:lvl5pPr marL="1828800" algn="l" defTabSz="914400" rtl="0" eaLnBrk="1" latinLnBrk="1" hangingPunct="1">
+              <a:defRPr sz="1800" kern="1200">
+                <a:solidFill>
+                  <a:schemeClr val="tx1"/>
+                </a:solidFill>
+                <a:latin typeface="+mn-lt"/>
+                <a:ea typeface="+mn-ea"/>
+                <a:cs typeface="+mn-cs"/>
+              </a:defRPr>
+            </a:lvl5pPr>
+            <a:lvl6pPr marL="2286000" algn="l" defTabSz="914400" rtl="0" eaLnBrk="1" latinLnBrk="1" hangingPunct="1">
+              <a:defRPr sz="1800" kern="1200">
+                <a:solidFill>
+                  <a:schemeClr val="tx1"/>
+                </a:solidFill>
+                <a:latin typeface="+mn-lt"/>
+                <a:ea typeface="+mn-ea"/>
+                <a:cs typeface="+mn-cs"/>
+              </a:defRPr>
+            </a:lvl6pPr>
+            <a:lvl7pPr marL="2743200" algn="l" defTabSz="914400" rtl="0" eaLnBrk="1" latinLnBrk="1" hangingPunct="1">
+              <a:defRPr sz="1800" kern="1200">
+                <a:solidFill>
+                  <a:schemeClr val="tx1"/>
+                </a:solidFill>
+                <a:latin typeface="+mn-lt"/>
+                <a:ea typeface="+mn-ea"/>
+                <a:cs typeface="+mn-cs"/>
+              </a:defRPr>
+            </a:lvl7pPr>
+            <a:lvl8pPr marL="3200400" algn="l" defTabSz="914400" rtl="0" eaLnBrk="1" latinLnBrk="1" hangingPunct="1">
+              <a:defRPr sz="1800" kern="1200">
+                <a:solidFill>
+                  <a:schemeClr val="tx1"/>
+                </a:solidFill>
+                <a:latin typeface="+mn-lt"/>
+                <a:ea typeface="+mn-ea"/>
+                <a:cs typeface="+mn-cs"/>
+              </a:defRPr>
+            </a:lvl8pPr>
+            <a:lvl9pPr marL="3657600" algn="l" defTabSz="914400" rtl="0" eaLnBrk="1" latinLnBrk="1" hangingPunct="1">
+              <a:defRPr sz="1800" kern="1200">
+                <a:solidFill>
+                  <a:schemeClr val="tx1"/>
+                </a:solidFill>
+                <a:latin typeface="+mn-lt"/>
+                <a:ea typeface="+mn-ea"/>
+                <a:cs typeface="+mn-cs"/>
+              </a:defRPr>
+            </a:lvl9pPr>
+          </a:lstStyle>
+          <a:p>
+            <a:pPr algn="ctr">
+              <a:defRPr/>
             </a:pPr>
             <a:r>
-              <a:rPr lang="fr-FR" sz="4800" b="1" dirty="0">
+              <a:rPr lang="en-US" altLang="ko-KR" sz="2800" b="1" dirty="0">
+                <a:solidFill>
+                  <a:schemeClr val="bg1"/>
+                </a:solidFill>
+                <a:cs typeface="Arial" pitchFamily="34" charset="0"/>
+              </a:rPr>
+              <a:t>1 </a:t>
+            </a:r>
+            <a:endParaRPr lang="ko-KR" altLang="en-US" sz="2800" dirty="0">
+              <a:solidFill>
+                <a:schemeClr val="bg1"/>
+              </a:solidFill>
+            </a:endParaRPr>
+          </a:p>
+        </p:txBody>
+      </p:sp>
+      <p:sp>
+        <p:nvSpPr>
+          <p:cNvPr id="24" name="직사각형 39"/>
+          <p:cNvSpPr/>
+          <p:nvPr/>
+        </p:nvSpPr>
+        <p:spPr>
+          <a:xfrm>
+            <a:off x="2509438" y="1986798"/>
+            <a:ext cx="4078786" cy="523220"/>
+          </a:xfrm>
+          <a:prstGeom prst="rect">
+            <a:avLst/>
+          </a:prstGeom>
+        </p:spPr>
+        <p:txBody>
+          <a:bodyPr wrap="square" anchor="ctr">
+            <a:spAutoFit/>
+          </a:bodyPr>
+          <a:lstStyle>
+            <a:defPPr>
+              <a:defRPr lang="ko-KR"/>
+            </a:defPPr>
+            <a:lvl1pPr marL="0" algn="l" defTabSz="914400" rtl="0" eaLnBrk="1" latinLnBrk="1" hangingPunct="1">
+              <a:defRPr sz="1800" kern="1200">
+                <a:solidFill>
+                  <a:schemeClr val="tx1"/>
+                </a:solidFill>
+                <a:latin typeface="+mn-lt"/>
+                <a:ea typeface="+mn-ea"/>
+                <a:cs typeface="+mn-cs"/>
+              </a:defRPr>
+            </a:lvl1pPr>
+            <a:lvl2pPr marL="457200" algn="l" defTabSz="914400" rtl="0" eaLnBrk="1" latinLnBrk="1" hangingPunct="1">
+              <a:defRPr sz="1800" kern="1200">
+                <a:solidFill>
+                  <a:schemeClr val="tx1"/>
+                </a:solidFill>
+                <a:latin typeface="+mn-lt"/>
+                <a:ea typeface="+mn-ea"/>
+                <a:cs typeface="+mn-cs"/>
+              </a:defRPr>
+            </a:lvl2pPr>
+            <a:lvl3pPr marL="914400" algn="l" defTabSz="914400" rtl="0" eaLnBrk="1" latinLnBrk="1" hangingPunct="1">
+              <a:defRPr sz="1800" kern="1200">
+                <a:solidFill>
+                  <a:schemeClr val="tx1"/>
+                </a:solidFill>
+                <a:latin typeface="+mn-lt"/>
+                <a:ea typeface="+mn-ea"/>
+                <a:cs typeface="+mn-cs"/>
+              </a:defRPr>
+            </a:lvl3pPr>
+            <a:lvl4pPr marL="1371600" algn="l" defTabSz="914400" rtl="0" eaLnBrk="1" latinLnBrk="1" hangingPunct="1">
+              <a:defRPr sz="1800" kern="1200">
+                <a:solidFill>
+                  <a:schemeClr val="tx1"/>
+                </a:solidFill>
+                <a:latin typeface="+mn-lt"/>
+                <a:ea typeface="+mn-ea"/>
+                <a:cs typeface="+mn-cs"/>
+              </a:defRPr>
+            </a:lvl4pPr>
+            <a:lvl5pPr marL="1828800" algn="l" defTabSz="914400" rtl="0" eaLnBrk="1" latinLnBrk="1" hangingPunct="1">
+              <a:defRPr sz="1800" kern="1200">
+                <a:solidFill>
+                  <a:schemeClr val="tx1"/>
+                </a:solidFill>
+                <a:latin typeface="+mn-lt"/>
+                <a:ea typeface="+mn-ea"/>
+                <a:cs typeface="+mn-cs"/>
+              </a:defRPr>
+            </a:lvl5pPr>
+            <a:lvl6pPr marL="2286000" algn="l" defTabSz="914400" rtl="0" eaLnBrk="1" latinLnBrk="1" hangingPunct="1">
+              <a:defRPr sz="1800" kern="1200">
+                <a:solidFill>
+                  <a:schemeClr val="tx1"/>
+                </a:solidFill>
+                <a:latin typeface="+mn-lt"/>
+                <a:ea typeface="+mn-ea"/>
+                <a:cs typeface="+mn-cs"/>
+              </a:defRPr>
+            </a:lvl6pPr>
+            <a:lvl7pPr marL="2743200" algn="l" defTabSz="914400" rtl="0" eaLnBrk="1" latinLnBrk="1" hangingPunct="1">
+              <a:defRPr sz="1800" kern="1200">
+                <a:solidFill>
+                  <a:schemeClr val="tx1"/>
+                </a:solidFill>
+                <a:latin typeface="+mn-lt"/>
+                <a:ea typeface="+mn-ea"/>
+                <a:cs typeface="+mn-cs"/>
+              </a:defRPr>
+            </a:lvl7pPr>
+            <a:lvl8pPr marL="3200400" algn="l" defTabSz="914400" rtl="0" eaLnBrk="1" latinLnBrk="1" hangingPunct="1">
+              <a:defRPr sz="1800" kern="1200">
+                <a:solidFill>
+                  <a:schemeClr val="tx1"/>
+                </a:solidFill>
+                <a:latin typeface="+mn-lt"/>
+                <a:ea typeface="+mn-ea"/>
+                <a:cs typeface="+mn-cs"/>
+              </a:defRPr>
+            </a:lvl8pPr>
+            <a:lvl9pPr marL="3657600" algn="l" defTabSz="914400" rtl="0" eaLnBrk="1" latinLnBrk="1" hangingPunct="1">
+              <a:defRPr sz="1800" kern="1200">
+                <a:solidFill>
+                  <a:schemeClr val="tx1"/>
+                </a:solidFill>
+                <a:latin typeface="+mn-lt"/>
+                <a:ea typeface="+mn-ea"/>
+                <a:cs typeface="+mn-cs"/>
+              </a:defRPr>
+            </a:lvl9pPr>
+          </a:lstStyle>
+          <a:p>
+            <a:pPr marL="457200" indent="-457200" algn="ctr">
+              <a:buFont typeface="Wingdings" pitchFamily="2" charset="2"/>
+              <a:buChar char="§"/>
+              <a:defRPr/>
+            </a:pPr>
+            <a:r>
+              <a:rPr lang="en-US" altLang="ko-KR" sz="2800" b="1" dirty="0">
+                <a:solidFill>
+                  <a:schemeClr val="bg1"/>
+                </a:solidFill>
+                <a:cs typeface="Arial" pitchFamily="34" charset="0"/>
+              </a:rPr>
+              <a:t>2 </a:t>
+            </a:r>
+            <a:endParaRPr lang="ko-KR" altLang="en-US" sz="2800" dirty="0">
+              <a:solidFill>
+                <a:schemeClr val="bg1"/>
+              </a:solidFill>
+            </a:endParaRPr>
+          </a:p>
+        </p:txBody>
+      </p:sp>
+      <p:sp>
+        <p:nvSpPr>
+          <p:cNvPr id="28" name="직사각형 39"/>
+          <p:cNvSpPr/>
+          <p:nvPr/>
+        </p:nvSpPr>
+        <p:spPr>
+          <a:xfrm>
+            <a:off x="2509438" y="3111971"/>
+            <a:ext cx="403184" cy="523220"/>
+          </a:xfrm>
+          <a:prstGeom prst="rect">
+            <a:avLst/>
+          </a:prstGeom>
+        </p:spPr>
+        <p:txBody>
+          <a:bodyPr wrap="square" anchor="ctr">
+            <a:spAutoFit/>
+          </a:bodyPr>
+          <a:lstStyle>
+            <a:defPPr>
+              <a:defRPr lang="ko-KR"/>
+            </a:defPPr>
+            <a:lvl1pPr marL="0" algn="l" defTabSz="914400" rtl="0" eaLnBrk="1" latinLnBrk="1" hangingPunct="1">
+              <a:defRPr sz="1800" kern="1200">
+                <a:solidFill>
+                  <a:schemeClr val="tx1"/>
+                </a:solidFill>
+                <a:latin typeface="+mn-lt"/>
+                <a:ea typeface="+mn-ea"/>
+                <a:cs typeface="+mn-cs"/>
+              </a:defRPr>
+            </a:lvl1pPr>
+            <a:lvl2pPr marL="457200" algn="l" defTabSz="914400" rtl="0" eaLnBrk="1" latinLnBrk="1" hangingPunct="1">
+              <a:defRPr sz="1800" kern="1200">
+                <a:solidFill>
+                  <a:schemeClr val="tx1"/>
+                </a:solidFill>
+                <a:latin typeface="+mn-lt"/>
+                <a:ea typeface="+mn-ea"/>
+                <a:cs typeface="+mn-cs"/>
+              </a:defRPr>
+            </a:lvl2pPr>
+            <a:lvl3pPr marL="914400" algn="l" defTabSz="914400" rtl="0" eaLnBrk="1" latinLnBrk="1" hangingPunct="1">
+              <a:defRPr sz="1800" kern="1200">
+                <a:solidFill>
+                  <a:schemeClr val="tx1"/>
+                </a:solidFill>
+                <a:latin typeface="+mn-lt"/>
+                <a:ea typeface="+mn-ea"/>
+                <a:cs typeface="+mn-cs"/>
+              </a:defRPr>
+            </a:lvl3pPr>
+            <a:lvl4pPr marL="1371600" algn="l" defTabSz="914400" rtl="0" eaLnBrk="1" latinLnBrk="1" hangingPunct="1">
+              <a:defRPr sz="1800" kern="1200">
+                <a:solidFill>
+                  <a:schemeClr val="tx1"/>
+                </a:solidFill>
+                <a:latin typeface="+mn-lt"/>
+                <a:ea typeface="+mn-ea"/>
+                <a:cs typeface="+mn-cs"/>
+              </a:defRPr>
+            </a:lvl4pPr>
+            <a:lvl5pPr marL="1828800" algn="l" defTabSz="914400" rtl="0" eaLnBrk="1" latinLnBrk="1" hangingPunct="1">
+              <a:defRPr sz="1800" kern="1200">
+                <a:solidFill>
+                  <a:schemeClr val="tx1"/>
+                </a:solidFill>
+                <a:latin typeface="+mn-lt"/>
+                <a:ea typeface="+mn-ea"/>
+                <a:cs typeface="+mn-cs"/>
+              </a:defRPr>
+            </a:lvl5pPr>
+            <a:lvl6pPr marL="2286000" algn="l" defTabSz="914400" rtl="0" eaLnBrk="1" latinLnBrk="1" hangingPunct="1">
+              <a:defRPr sz="1800" kern="1200">
+                <a:solidFill>
+                  <a:schemeClr val="tx1"/>
+                </a:solidFill>
+                <a:latin typeface="+mn-lt"/>
+                <a:ea typeface="+mn-ea"/>
+                <a:cs typeface="+mn-cs"/>
+              </a:defRPr>
+            </a:lvl6pPr>
+            <a:lvl7pPr marL="2743200" algn="l" defTabSz="914400" rtl="0" eaLnBrk="1" latinLnBrk="1" hangingPunct="1">
+              <a:defRPr sz="1800" kern="1200">
+                <a:solidFill>
+                  <a:schemeClr val="tx1"/>
+                </a:solidFill>
+                <a:latin typeface="+mn-lt"/>
+                <a:ea typeface="+mn-ea"/>
+                <a:cs typeface="+mn-cs"/>
+              </a:defRPr>
+            </a:lvl7pPr>
+            <a:lvl8pPr marL="3200400" algn="l" defTabSz="914400" rtl="0" eaLnBrk="1" latinLnBrk="1" hangingPunct="1">
+              <a:defRPr sz="1800" kern="1200">
+                <a:solidFill>
+                  <a:schemeClr val="tx1"/>
+                </a:solidFill>
+                <a:latin typeface="+mn-lt"/>
+                <a:ea typeface="+mn-ea"/>
+                <a:cs typeface="+mn-cs"/>
+              </a:defRPr>
+            </a:lvl8pPr>
+            <a:lvl9pPr marL="3657600" algn="l" defTabSz="914400" rtl="0" eaLnBrk="1" latinLnBrk="1" hangingPunct="1">
+              <a:defRPr sz="1800" kern="1200">
+                <a:solidFill>
+                  <a:schemeClr val="tx1"/>
+                </a:solidFill>
+                <a:latin typeface="+mn-lt"/>
+                <a:ea typeface="+mn-ea"/>
+                <a:cs typeface="+mn-cs"/>
+              </a:defRPr>
+            </a:lvl9pPr>
+          </a:lstStyle>
+          <a:p>
+            <a:pPr algn="ctr">
+              <a:defRPr/>
+            </a:pPr>
+            <a:r>
+              <a:rPr lang="en-US" altLang="ko-KR" sz="2800" b="1" dirty="0">
+                <a:solidFill>
+                  <a:schemeClr val="bg1"/>
+                </a:solidFill>
+                <a:cs typeface="Arial" pitchFamily="34" charset="0"/>
+              </a:rPr>
+              <a:t>3 </a:t>
+            </a:r>
+            <a:endParaRPr lang="ko-KR" altLang="en-US" sz="2800" dirty="0">
+              <a:solidFill>
+                <a:schemeClr val="bg1"/>
+              </a:solidFill>
+            </a:endParaRPr>
+          </a:p>
+        </p:txBody>
+      </p:sp>
+      <p:sp>
+        <p:nvSpPr>
+          <p:cNvPr id="32" name="직사각형 39"/>
+          <p:cNvSpPr/>
+          <p:nvPr/>
+        </p:nvSpPr>
+        <p:spPr>
+          <a:xfrm>
+            <a:off x="2509438" y="4036493"/>
+            <a:ext cx="403184" cy="523220"/>
+          </a:xfrm>
+          <a:prstGeom prst="rect">
+            <a:avLst/>
+          </a:prstGeom>
+        </p:spPr>
+        <p:txBody>
+          <a:bodyPr wrap="square" anchor="ctr">
+            <a:spAutoFit/>
+          </a:bodyPr>
+          <a:lstStyle>
+            <a:defPPr>
+              <a:defRPr lang="ko-KR"/>
+            </a:defPPr>
+            <a:lvl1pPr marL="0" algn="l" defTabSz="914400" rtl="0" eaLnBrk="1" latinLnBrk="1" hangingPunct="1">
+              <a:defRPr sz="1800" kern="1200">
+                <a:solidFill>
+                  <a:schemeClr val="tx1"/>
+                </a:solidFill>
+                <a:latin typeface="+mn-lt"/>
+                <a:ea typeface="+mn-ea"/>
+                <a:cs typeface="+mn-cs"/>
+              </a:defRPr>
+            </a:lvl1pPr>
+            <a:lvl2pPr marL="457200" algn="l" defTabSz="914400" rtl="0" eaLnBrk="1" latinLnBrk="1" hangingPunct="1">
+              <a:defRPr sz="1800" kern="1200">
+                <a:solidFill>
+                  <a:schemeClr val="tx1"/>
+                </a:solidFill>
+                <a:latin typeface="+mn-lt"/>
+                <a:ea typeface="+mn-ea"/>
+                <a:cs typeface="+mn-cs"/>
+              </a:defRPr>
+            </a:lvl2pPr>
+            <a:lvl3pPr marL="914400" algn="l" defTabSz="914400" rtl="0" eaLnBrk="1" latinLnBrk="1" hangingPunct="1">
+              <a:defRPr sz="1800" kern="1200">
+                <a:solidFill>
+                  <a:schemeClr val="tx1"/>
+                </a:solidFill>
+                <a:latin typeface="+mn-lt"/>
+                <a:ea typeface="+mn-ea"/>
+                <a:cs typeface="+mn-cs"/>
+              </a:defRPr>
+            </a:lvl3pPr>
+            <a:lvl4pPr marL="1371600" algn="l" defTabSz="914400" rtl="0" eaLnBrk="1" latinLnBrk="1" hangingPunct="1">
+              <a:defRPr sz="1800" kern="1200">
+                <a:solidFill>
+                  <a:schemeClr val="tx1"/>
+                </a:solidFill>
+                <a:latin typeface="+mn-lt"/>
+                <a:ea typeface="+mn-ea"/>
+                <a:cs typeface="+mn-cs"/>
+              </a:defRPr>
+            </a:lvl4pPr>
+            <a:lvl5pPr marL="1828800" algn="l" defTabSz="914400" rtl="0" eaLnBrk="1" latinLnBrk="1" hangingPunct="1">
+              <a:defRPr sz="1800" kern="1200">
+                <a:solidFill>
+                  <a:schemeClr val="tx1"/>
+                </a:solidFill>
+                <a:latin typeface="+mn-lt"/>
+                <a:ea typeface="+mn-ea"/>
+                <a:cs typeface="+mn-cs"/>
+              </a:defRPr>
+            </a:lvl5pPr>
+            <a:lvl6pPr marL="2286000" algn="l" defTabSz="914400" rtl="0" eaLnBrk="1" latinLnBrk="1" hangingPunct="1">
+              <a:defRPr sz="1800" kern="1200">
+                <a:solidFill>
+                  <a:schemeClr val="tx1"/>
+                </a:solidFill>
+                <a:latin typeface="+mn-lt"/>
+                <a:ea typeface="+mn-ea"/>
+                <a:cs typeface="+mn-cs"/>
+              </a:defRPr>
+            </a:lvl6pPr>
+            <a:lvl7pPr marL="2743200" algn="l" defTabSz="914400" rtl="0" eaLnBrk="1" latinLnBrk="1" hangingPunct="1">
+              <a:defRPr sz="1800" kern="1200">
+                <a:solidFill>
+                  <a:schemeClr val="tx1"/>
+                </a:solidFill>
+                <a:latin typeface="+mn-lt"/>
+                <a:ea typeface="+mn-ea"/>
+                <a:cs typeface="+mn-cs"/>
+              </a:defRPr>
+            </a:lvl7pPr>
+            <a:lvl8pPr marL="3200400" algn="l" defTabSz="914400" rtl="0" eaLnBrk="1" latinLnBrk="1" hangingPunct="1">
+              <a:defRPr sz="1800" kern="1200">
+                <a:solidFill>
+                  <a:schemeClr val="tx1"/>
+                </a:solidFill>
+                <a:latin typeface="+mn-lt"/>
+                <a:ea typeface="+mn-ea"/>
+                <a:cs typeface="+mn-cs"/>
+              </a:defRPr>
+            </a:lvl8pPr>
+            <a:lvl9pPr marL="3657600" algn="l" defTabSz="914400" rtl="0" eaLnBrk="1" latinLnBrk="1" hangingPunct="1">
+              <a:defRPr sz="1800" kern="1200">
+                <a:solidFill>
+                  <a:schemeClr val="tx1"/>
+                </a:solidFill>
+                <a:latin typeface="+mn-lt"/>
+                <a:ea typeface="+mn-ea"/>
+                <a:cs typeface="+mn-cs"/>
+              </a:defRPr>
+            </a:lvl9pPr>
+          </a:lstStyle>
+          <a:p>
+            <a:pPr algn="ctr">
+              <a:defRPr/>
+            </a:pPr>
+            <a:r>
+              <a:rPr lang="en-US" altLang="ko-KR" sz="2800" b="1" dirty="0">
+                <a:solidFill>
+                  <a:schemeClr val="bg1"/>
+                </a:solidFill>
+                <a:cs typeface="Arial" pitchFamily="34" charset="0"/>
+              </a:rPr>
+              <a:t>4 </a:t>
+            </a:r>
+            <a:endParaRPr lang="ko-KR" altLang="en-US" sz="2800" dirty="0">
+              <a:solidFill>
+                <a:schemeClr val="bg1"/>
+              </a:solidFill>
+            </a:endParaRPr>
+          </a:p>
+        </p:txBody>
+      </p:sp>
+      <p:sp>
+        <p:nvSpPr>
+          <p:cNvPr id="9" name="ZoneTexte 8">
+            <a:extLst>
+              <a:ext uri="{FF2B5EF4-FFF2-40B4-BE49-F238E27FC236}">
+                <a16:creationId xmlns:a16="http://schemas.microsoft.com/office/drawing/2014/main" id="{FE476FD3-CE39-224A-A60D-E8D839C57EAA}"/>
+              </a:ext>
+            </a:extLst>
+          </p:cNvPr>
+          <p:cNvSpPr txBox="1"/>
+          <p:nvPr/>
+        </p:nvSpPr>
+        <p:spPr>
+          <a:xfrm>
+            <a:off x="4798150" y="987574"/>
+            <a:ext cx="3911600" cy="4154984"/>
+          </a:xfrm>
+          <a:prstGeom prst="rect">
+            <a:avLst/>
+          </a:prstGeom>
+          <a:noFill/>
+        </p:spPr>
+        <p:txBody>
+          <a:bodyPr wrap="square" rtlCol="0">
+            <a:spAutoFit/>
+          </a:bodyPr>
+          <a:lstStyle/>
+          <a:p>
+            <a:endParaRPr lang="fr-FR" sz="2400" dirty="0">
+              <a:solidFill>
+                <a:schemeClr val="accent6"/>
+              </a:solidFill>
+              <a:latin typeface="Dosis" panose="02010503020202060003" pitchFamily="2" charset="77"/>
+            </a:endParaRPr>
+          </a:p>
+          <a:p>
+            <a:pPr marL="285750" indent="-285750">
+              <a:buFont typeface="Wingdings" pitchFamily="2" charset="2"/>
+              <a:buChar char="§"/>
+            </a:pPr>
+            <a:r>
+              <a:rPr lang="fr-FR" sz="2400" dirty="0" err="1">
                 <a:solidFill>
                   <a:schemeClr val="accent6"/>
                 </a:solidFill>
                 <a:latin typeface="Dosis" panose="02010503020202060003" pitchFamily="2" charset="77"/>
               </a:rPr>
-              <a:t>0.</a:t>
-            </a:r>
-          </a:p>
-          <a:p>
-            <a:pPr>
-              <a:spcBef>
-                <a:spcPts val="0"/>
-              </a:spcBef>
-            </a:pPr>
-            <a:r>
-              <a:rPr lang="fr-FR" sz="4800" b="1" dirty="0">
+              <a:t>Journaling</a:t>
+            </a:r>
+            <a:r>
+              <a:rPr lang="fr-FR" sz="2400" dirty="0">
                 <a:solidFill>
                   <a:schemeClr val="accent6"/>
                 </a:solidFill>
                 <a:latin typeface="Dosis" panose="02010503020202060003" pitchFamily="2" charset="77"/>
               </a:rPr>
-              <a:t>ARCHITECTURE</a:t>
-            </a:r>
-            <a:br>
-              <a:rPr lang="fr-FR" sz="4800" b="1" dirty="0">
+              <a:t> System</a:t>
+            </a:r>
+          </a:p>
+          <a:p>
+            <a:endParaRPr lang="fr-FR" sz="2400" dirty="0">
+              <a:solidFill>
+                <a:schemeClr val="accent6"/>
+              </a:solidFill>
+              <a:latin typeface="Dosis" panose="02010503020202060003" pitchFamily="2" charset="77"/>
+            </a:endParaRPr>
+          </a:p>
+          <a:p>
+            <a:pPr marL="285750" indent="-285750">
+              <a:buFont typeface="Wingdings" pitchFamily="2" charset="2"/>
+              <a:buChar char="§"/>
+            </a:pPr>
+            <a:r>
+              <a:rPr lang="fr-FR" sz="2400" dirty="0">
                 <a:solidFill>
                   <a:schemeClr val="accent6"/>
                 </a:solidFill>
                 <a:latin typeface="Dosis" panose="02010503020202060003" pitchFamily="2" charset="77"/>
               </a:rPr>
-            </a:br>
-            <a:r>
-              <a:rPr lang="fr-FR" sz="4800" b="1" dirty="0">
+              <a:t>DDOS </a:t>
+            </a:r>
+            <a:r>
+              <a:rPr lang="fr-FR" sz="2400" dirty="0" err="1">
                 <a:solidFill>
                   <a:schemeClr val="accent6"/>
                 </a:solidFill>
                 <a:latin typeface="Dosis" panose="02010503020202060003" pitchFamily="2" charset="77"/>
               </a:rPr>
-              <a:t>OVERVIEW</a:t>
-            </a:r>
+              <a:t>Prevention</a:t>
+            </a:r>
+            <a:endParaRPr lang="fr-FR" sz="2400" dirty="0">
+              <a:solidFill>
+                <a:schemeClr val="accent6"/>
+              </a:solidFill>
+              <a:latin typeface="Dosis" panose="02010503020202060003" pitchFamily="2" charset="77"/>
+            </a:endParaRPr>
+          </a:p>
+          <a:p>
+            <a:pPr marL="285750" indent="-285750">
+              <a:buFont typeface="Wingdings" pitchFamily="2" charset="2"/>
+              <a:buChar char="§"/>
+            </a:pPr>
+            <a:endParaRPr lang="fr-FR" sz="2400" dirty="0">
+              <a:solidFill>
+                <a:schemeClr val="accent6"/>
+              </a:solidFill>
+              <a:latin typeface="Dosis" panose="02010503020202060003" pitchFamily="2" charset="77"/>
+            </a:endParaRPr>
+          </a:p>
+          <a:p>
+            <a:pPr marL="285750" indent="-285750">
+              <a:buFont typeface="Wingdings" pitchFamily="2" charset="2"/>
+              <a:buChar char="§"/>
+            </a:pPr>
+            <a:r>
+              <a:rPr lang="fr-FR" sz="2400" dirty="0" err="1">
+                <a:solidFill>
+                  <a:schemeClr val="accent6"/>
+                </a:solidFill>
+                <a:latin typeface="Dosis" panose="02010503020202060003" pitchFamily="2" charset="77"/>
+              </a:rPr>
+              <a:t>Database</a:t>
+            </a:r>
+            <a:r>
+              <a:rPr lang="fr-FR" sz="2400" dirty="0">
+                <a:solidFill>
+                  <a:schemeClr val="accent6"/>
+                </a:solidFill>
+                <a:latin typeface="Dosis" panose="02010503020202060003" pitchFamily="2" charset="77"/>
+              </a:rPr>
+              <a:t> Connexion </a:t>
+            </a:r>
+            <a:r>
+              <a:rPr lang="fr-FR" sz="2400" dirty="0" err="1">
+                <a:solidFill>
+                  <a:schemeClr val="accent6"/>
+                </a:solidFill>
+                <a:latin typeface="Dosis" panose="02010503020202060003" pitchFamily="2" charset="77"/>
+              </a:rPr>
+              <a:t>Checker</a:t>
+            </a:r>
+            <a:endParaRPr lang="fr-FR" sz="2400" dirty="0">
+              <a:solidFill>
+                <a:schemeClr val="accent6"/>
+              </a:solidFill>
+              <a:latin typeface="Dosis" panose="02010503020202060003" pitchFamily="2" charset="77"/>
+            </a:endParaRPr>
+          </a:p>
+          <a:p>
+            <a:pPr marL="285750" indent="-285750">
+              <a:buFont typeface="Wingdings" pitchFamily="2" charset="2"/>
+              <a:buChar char="§"/>
+            </a:pPr>
+            <a:endParaRPr lang="fr-FR" sz="2400" dirty="0">
+              <a:solidFill>
+                <a:schemeClr val="accent6"/>
+              </a:solidFill>
+              <a:latin typeface="Dosis" panose="02010503020202060003" pitchFamily="2" charset="77"/>
+            </a:endParaRPr>
+          </a:p>
+          <a:p>
+            <a:pPr marL="285750" indent="-285750">
+              <a:buFont typeface="Wingdings" pitchFamily="2" charset="2"/>
+              <a:buChar char="§"/>
+            </a:pPr>
+            <a:r>
+              <a:rPr lang="fr-FR" sz="2400" dirty="0" err="1">
+                <a:solidFill>
+                  <a:schemeClr val="accent6"/>
+                </a:solidFill>
+                <a:latin typeface="Dosis" panose="02010503020202060003" pitchFamily="2" charset="77"/>
+              </a:rPr>
+              <a:t>Transactional</a:t>
+            </a:r>
+            <a:r>
+              <a:rPr lang="fr-FR" sz="2400" dirty="0">
+                <a:solidFill>
+                  <a:schemeClr val="accent6"/>
+                </a:solidFill>
+                <a:latin typeface="Dosis" panose="02010503020202060003" pitchFamily="2" charset="77"/>
+              </a:rPr>
+              <a:t> </a:t>
+            </a:r>
+            <a:r>
+              <a:rPr lang="fr-FR" sz="2400" dirty="0" err="1">
+                <a:solidFill>
+                  <a:schemeClr val="accent6"/>
+                </a:solidFill>
+                <a:latin typeface="Dosis" panose="02010503020202060003" pitchFamily="2" charset="77"/>
+              </a:rPr>
+              <a:t>Database</a:t>
+            </a:r>
+            <a:endParaRPr lang="fr-FR" sz="2400" dirty="0">
+              <a:solidFill>
+                <a:schemeClr val="accent6"/>
+              </a:solidFill>
+              <a:latin typeface="Dosis" panose="02010503020202060003" pitchFamily="2" charset="77"/>
+            </a:endParaRPr>
+          </a:p>
+          <a:p>
+            <a:endParaRPr lang="fr-FR" sz="2400" dirty="0">
+              <a:solidFill>
+                <a:schemeClr val="accent6"/>
+              </a:solidFill>
+              <a:latin typeface="Dosis" panose="02010503020202060003" pitchFamily="2" charset="77"/>
+            </a:endParaRPr>
+          </a:p>
+          <a:p>
+            <a:pPr marL="285750" indent="-285750">
+              <a:buFont typeface="Wingdings" pitchFamily="2" charset="2"/>
+              <a:buChar char="§"/>
+            </a:pPr>
+            <a:endParaRPr lang="fr-FR" sz="2400" dirty="0">
+              <a:solidFill>
+                <a:schemeClr val="accent6"/>
+              </a:solidFill>
+              <a:latin typeface="Dosis" panose="02010503020202060003" pitchFamily="2" charset="77"/>
+            </a:endParaRPr>
+          </a:p>
+          <a:p>
+            <a:endParaRPr lang="fr-FR" sz="2400" dirty="0">
+              <a:solidFill>
+                <a:schemeClr val="accent6"/>
+              </a:solidFill>
+              <a:latin typeface="Dosis" panose="02010503020202060003" pitchFamily="2" charset="77"/>
+            </a:endParaRPr>
           </a:p>
         </p:txBody>
       </p:sp>
+      <p:pic>
+        <p:nvPicPr>
+          <p:cNvPr id="10" name="Image 9">
+            <a:extLst>
+              <a:ext uri="{FF2B5EF4-FFF2-40B4-BE49-F238E27FC236}">
+                <a16:creationId xmlns:a16="http://schemas.microsoft.com/office/drawing/2014/main" id="{784AF966-3B91-CA40-A196-A5CB05615EC9}"/>
+              </a:ext>
+            </a:extLst>
+          </p:cNvPr>
+          <p:cNvPicPr>
+            <a:picLocks noChangeAspect="1"/>
+          </p:cNvPicPr>
+          <p:nvPr/>
+        </p:nvPicPr>
+        <p:blipFill>
+          <a:blip r:embed="rId2">
+            <a:extLst>
+              <a:ext uri="{28A0092B-C50C-407E-A947-70E740481C1C}">
+                <a14:useLocalDpi xmlns:a14="http://schemas.microsoft.com/office/drawing/2010/main" val="0"/>
+              </a:ext>
+            </a:extLst>
+          </a:blip>
+          <a:stretch>
+            <a:fillRect/>
+          </a:stretch>
+        </p:blipFill>
+        <p:spPr>
+          <a:xfrm>
+            <a:off x="1187063" y="987574"/>
+            <a:ext cx="3611087" cy="3151673"/>
+          </a:xfrm>
+          <a:prstGeom prst="rect">
+            <a:avLst/>
+          </a:prstGeom>
+        </p:spPr>
+      </p:pic>
     </p:spTree>
     <p:extLst>
       <p:ext uri="{BB962C8B-B14F-4D97-AF65-F5344CB8AC3E}">
-        <p14:creationId xmlns:p14="http://schemas.microsoft.com/office/powerpoint/2010/main" val="1954981635"/>
+        <p14:creationId xmlns:p14="http://schemas.microsoft.com/office/powerpoint/2010/main" val="586522441"/>
       </p:ext>
     </p:extLst>
   </p:cSld>
@@ -11160,7 +12772,7 @@
         </p:nvSpPr>
         <p:spPr>
           <a:xfrm>
-            <a:off x="0" y="0"/>
+            <a:off x="251520" y="63051"/>
             <a:ext cx="9144000" cy="576064"/>
           </a:xfrm>
           <a:prstGeom prst="rect">
@@ -11193,7 +12805,7 @@
                 </a:solidFill>
                 <a:latin typeface="Dosis SemiBold" panose="02010503020202060003" pitchFamily="2" charset="77"/>
               </a:rPr>
-              <a:t>Architecture </a:t>
+              <a:t>Focus on the new </a:t>
             </a:r>
             <a:r>
               <a:rPr lang="fr-FR" sz="4000" b="1" dirty="0" err="1">
@@ -11202,7 +12814,7 @@
                 </a:solidFill>
                 <a:latin typeface="Dosis SemiBold" panose="02010503020202060003" pitchFamily="2" charset="77"/>
               </a:rPr>
-              <a:t>Overview</a:t>
+              <a:t>database</a:t>
             </a:r>
             <a:endParaRPr lang="en-US" sz="4000" b="1" dirty="0">
               <a:solidFill>
@@ -11222,8 +12834,8 @@
         </p:nvSpPr>
         <p:spPr>
           <a:xfrm>
-            <a:off x="2509438" y="1262927"/>
-            <a:ext cx="403184" cy="523220"/>
+            <a:off x="2509438" y="1403699"/>
+            <a:ext cx="2134570" cy="523220"/>
           </a:xfrm>
           <a:prstGeom prst="rect">
             <a:avLst/>
@@ -11357,8 +12969,8 @@
         </p:nvSpPr>
         <p:spPr>
           <a:xfrm>
-            <a:off x="2509438" y="2187449"/>
-            <a:ext cx="403184" cy="523220"/>
+            <a:off x="2509438" y="1986798"/>
+            <a:ext cx="4078786" cy="523220"/>
           </a:xfrm>
           <a:prstGeom prst="rect">
             <a:avLst/>
@@ -11464,7 +13076,9 @@
             </a:lvl9pPr>
           </a:lstStyle>
           <a:p>
-            <a:pPr algn="ctr">
+            <a:pPr marL="457200" indent="-457200" algn="ctr">
+              <a:buFont typeface="Wingdings" pitchFamily="2" charset="2"/>
+              <a:buChar char="§"/>
               <a:defRPr/>
             </a:pPr>
             <a:r>
@@ -11756,10 +13370,10 @@
       </p:sp>
       <p:pic>
         <p:nvPicPr>
-          <p:cNvPr id="4" name="Image 3">
+          <p:cNvPr id="6" name="Image 5">
             <a:extLst>
               <a:ext uri="{FF2B5EF4-FFF2-40B4-BE49-F238E27FC236}">
-                <a16:creationId xmlns:a16="http://schemas.microsoft.com/office/drawing/2014/main" id="{86A0331E-B85F-4747-B4F7-014826E9007C}"/>
+                <a16:creationId xmlns:a16="http://schemas.microsoft.com/office/drawing/2014/main" id="{EAFEC2FD-B00C-B741-8813-B2BA02EF6EDC}"/>
               </a:ext>
             </a:extLst>
           </p:cNvPr>
@@ -11782,18 +13396,255 @@
         </p:blipFill>
         <p:spPr>
           <a:xfrm>
-            <a:off x="1979712" y="558704"/>
-            <a:ext cx="6480720" cy="4584796"/>
+            <a:off x="6602696" y="1201918"/>
+            <a:ext cx="2184400" cy="2616200"/>
           </a:xfrm>
           <a:prstGeom prst="rect">
             <a:avLst/>
           </a:prstGeom>
         </p:spPr>
       </p:pic>
+      <p:pic>
+        <p:nvPicPr>
+          <p:cNvPr id="11" name="Image 10">
+            <a:extLst>
+              <a:ext uri="{FF2B5EF4-FFF2-40B4-BE49-F238E27FC236}">
+                <a16:creationId xmlns:a16="http://schemas.microsoft.com/office/drawing/2014/main" id="{C4A99754-F56C-F146-84AB-7FFDBE0BA5DF}"/>
+              </a:ext>
+            </a:extLst>
+          </p:cNvPr>
+          <p:cNvPicPr>
+            <a:picLocks noChangeAspect="1"/>
+          </p:cNvPicPr>
+          <p:nvPr/>
+        </p:nvPicPr>
+        <p:blipFill>
+          <a:blip r:embed="rId3">
+            <a:extLst>
+              <a:ext uri="{28A0092B-C50C-407E-A947-70E740481C1C}">
+                <a14:useLocalDpi xmlns:a14="http://schemas.microsoft.com/office/drawing/2010/main" val="0"/>
+              </a:ext>
+            </a:extLst>
+          </a:blip>
+          <a:stretch>
+            <a:fillRect/>
+          </a:stretch>
+        </p:blipFill>
+        <p:spPr>
+          <a:xfrm>
+            <a:off x="6846737" y="3576535"/>
+            <a:ext cx="1696318" cy="1443136"/>
+          </a:xfrm>
+          <a:prstGeom prst="rect">
+            <a:avLst/>
+          </a:prstGeom>
+        </p:spPr>
+      </p:pic>
+      <p:sp>
+        <p:nvSpPr>
+          <p:cNvPr id="15" name="ZoneTexte 14">
+            <a:extLst>
+              <a:ext uri="{FF2B5EF4-FFF2-40B4-BE49-F238E27FC236}">
+                <a16:creationId xmlns:a16="http://schemas.microsoft.com/office/drawing/2014/main" id="{1C54D13F-3870-D749-B317-54BE02F4FC24}"/>
+              </a:ext>
+            </a:extLst>
+          </p:cNvPr>
+          <p:cNvSpPr txBox="1"/>
+          <p:nvPr/>
+        </p:nvSpPr>
+        <p:spPr>
+          <a:xfrm>
+            <a:off x="1894159" y="1491630"/>
+            <a:ext cx="4464496" cy="3416320"/>
+          </a:xfrm>
+          <a:prstGeom prst="rect">
+            <a:avLst/>
+          </a:prstGeom>
+          <a:noFill/>
+        </p:spPr>
+        <p:txBody>
+          <a:bodyPr wrap="square" rtlCol="0">
+            <a:spAutoFit/>
+          </a:bodyPr>
+          <a:lstStyle/>
+          <a:p>
+            <a:pPr marL="285750" indent="-285750">
+              <a:buFont typeface="Wingdings" pitchFamily="2" charset="2"/>
+              <a:buChar char="§"/>
+            </a:pPr>
+            <a:r>
+              <a:rPr lang="fr-FR" sz="2400" dirty="0" err="1">
+                <a:solidFill>
+                  <a:schemeClr val="accent6"/>
+                </a:solidFill>
+                <a:latin typeface="Dosis" panose="02010503020202060003" pitchFamily="2" charset="77"/>
+              </a:rPr>
+              <a:t>From</a:t>
+            </a:r>
+            <a:r>
+              <a:rPr lang="fr-FR" sz="2400" dirty="0">
+                <a:solidFill>
+                  <a:schemeClr val="accent6"/>
+                </a:solidFill>
+                <a:latin typeface="Dosis" panose="02010503020202060003" pitchFamily="2" charset="77"/>
+              </a:rPr>
+              <a:t> </a:t>
+            </a:r>
+            <a:r>
+              <a:rPr lang="fr-FR" sz="2400" dirty="0" err="1">
+                <a:solidFill>
+                  <a:schemeClr val="accent6"/>
+                </a:solidFill>
+                <a:latin typeface="Dosis" panose="02010503020202060003" pitchFamily="2" charset="77"/>
+              </a:rPr>
+              <a:t>NoSQL</a:t>
+            </a:r>
+            <a:r>
+              <a:rPr lang="fr-FR" sz="2400" dirty="0">
+                <a:solidFill>
+                  <a:schemeClr val="accent6"/>
+                </a:solidFill>
+                <a:latin typeface="Dosis" panose="02010503020202060003" pitchFamily="2" charset="77"/>
+              </a:rPr>
+              <a:t> to SQL</a:t>
+            </a:r>
+          </a:p>
+          <a:p>
+            <a:pPr marL="285750" indent="-285750">
+              <a:buFont typeface="Wingdings" pitchFamily="2" charset="2"/>
+              <a:buChar char="§"/>
+            </a:pPr>
+            <a:endParaRPr lang="fr-FR" sz="2400" dirty="0">
+              <a:solidFill>
+                <a:schemeClr val="accent6"/>
+              </a:solidFill>
+              <a:latin typeface="Dosis" panose="02010503020202060003" pitchFamily="2" charset="77"/>
+            </a:endParaRPr>
+          </a:p>
+          <a:p>
+            <a:pPr marL="285750" indent="-285750">
+              <a:buFont typeface="Wingdings" pitchFamily="2" charset="2"/>
+              <a:buChar char="§"/>
+            </a:pPr>
+            <a:r>
+              <a:rPr lang="fr-FR" sz="2400" dirty="0">
+                <a:solidFill>
+                  <a:schemeClr val="accent6"/>
+                </a:solidFill>
+                <a:latin typeface="Dosis" panose="02010503020202060003" pitchFamily="2" charset="77"/>
+              </a:rPr>
+              <a:t>Limited impact on the architecture</a:t>
+            </a:r>
+          </a:p>
+          <a:p>
+            <a:endParaRPr lang="fr-FR" sz="2400" dirty="0">
+              <a:solidFill>
+                <a:schemeClr val="accent6"/>
+              </a:solidFill>
+              <a:latin typeface="Dosis" panose="02010503020202060003" pitchFamily="2" charset="77"/>
+            </a:endParaRPr>
+          </a:p>
+          <a:p>
+            <a:pPr marL="285750" indent="-285750">
+              <a:buFont typeface="Wingdings" pitchFamily="2" charset="2"/>
+              <a:buChar char="§"/>
+            </a:pPr>
+            <a:r>
+              <a:rPr lang="fr-FR" sz="2400" dirty="0" err="1">
+                <a:solidFill>
+                  <a:schemeClr val="accent6"/>
+                </a:solidFill>
+                <a:latin typeface="Dosis" panose="02010503020202060003" pitchFamily="2" charset="77"/>
+              </a:rPr>
+              <a:t>Transactional</a:t>
+            </a:r>
+            <a:r>
+              <a:rPr lang="fr-FR" sz="2400" dirty="0">
+                <a:solidFill>
+                  <a:schemeClr val="accent6"/>
+                </a:solidFill>
+                <a:latin typeface="Dosis" panose="02010503020202060003" pitchFamily="2" charset="77"/>
+              </a:rPr>
+              <a:t> handling</a:t>
+            </a:r>
+          </a:p>
+          <a:p>
+            <a:pPr marL="285750" indent="-285750">
+              <a:buFont typeface="Wingdings" pitchFamily="2" charset="2"/>
+              <a:buChar char="§"/>
+            </a:pPr>
+            <a:endParaRPr lang="fr-FR" sz="2400" dirty="0">
+              <a:solidFill>
+                <a:schemeClr val="accent6"/>
+              </a:solidFill>
+              <a:latin typeface="Dosis" panose="02010503020202060003" pitchFamily="2" charset="77"/>
+            </a:endParaRPr>
+          </a:p>
+          <a:p>
+            <a:pPr marL="285750" indent="-285750">
+              <a:buFont typeface="Wingdings" pitchFamily="2" charset="2"/>
+              <a:buChar char="§"/>
+            </a:pPr>
+            <a:r>
+              <a:rPr lang="fr-FR" sz="2400" dirty="0" err="1">
+                <a:solidFill>
+                  <a:schemeClr val="accent6"/>
+                </a:solidFill>
+                <a:latin typeface="Dosis" panose="02010503020202060003" pitchFamily="2" charset="77"/>
+              </a:rPr>
+              <a:t>Ensure</a:t>
+            </a:r>
+            <a:r>
+              <a:rPr lang="fr-FR" sz="2400" dirty="0">
+                <a:solidFill>
+                  <a:schemeClr val="accent6"/>
+                </a:solidFill>
+                <a:latin typeface="Dosis" panose="02010503020202060003" pitchFamily="2" charset="77"/>
+              </a:rPr>
+              <a:t> data </a:t>
+            </a:r>
+            <a:r>
+              <a:rPr lang="fr-FR" sz="2400" dirty="0" err="1">
+                <a:solidFill>
+                  <a:schemeClr val="accent6"/>
+                </a:solidFill>
+                <a:latin typeface="Dosis" panose="02010503020202060003" pitchFamily="2" charset="77"/>
+              </a:rPr>
+              <a:t>consistency</a:t>
+            </a:r>
+            <a:endParaRPr lang="fr-FR" sz="2400" dirty="0">
+              <a:solidFill>
+                <a:schemeClr val="accent6"/>
+              </a:solidFill>
+              <a:latin typeface="Dosis" panose="02010503020202060003" pitchFamily="2" charset="77"/>
+            </a:endParaRPr>
+          </a:p>
+          <a:p>
+            <a:pPr marL="285750" indent="-285750">
+              <a:buFont typeface="Wingdings" pitchFamily="2" charset="2"/>
+              <a:buChar char="§"/>
+            </a:pPr>
+            <a:endParaRPr lang="fr-FR" sz="2400" dirty="0">
+              <a:solidFill>
+                <a:schemeClr val="accent6"/>
+              </a:solidFill>
+              <a:latin typeface="Dosis" panose="02010503020202060003" pitchFamily="2" charset="77"/>
+            </a:endParaRPr>
+          </a:p>
+          <a:p>
+            <a:endParaRPr lang="fr-FR" sz="2400" dirty="0">
+              <a:solidFill>
+                <a:schemeClr val="accent6"/>
+              </a:solidFill>
+              <a:latin typeface="Dosis" panose="02010503020202060003" pitchFamily="2" charset="77"/>
+            </a:endParaRPr>
+          </a:p>
+        </p:txBody>
+      </p:sp>
     </p:spTree>
     <p:extLst>
       <p:ext uri="{BB962C8B-B14F-4D97-AF65-F5344CB8AC3E}">
-        <p14:creationId xmlns:p14="http://schemas.microsoft.com/office/powerpoint/2010/main" val="2546066479"/>
+        <p14:creationId xmlns:p14="http://schemas.microsoft.com/office/powerpoint/2010/main" val="776587706"/>
       </p:ext>
     </p:extLst>
   </p:cSld>
@@ -11876,7 +13727,7 @@
                 </a:solidFill>
                 <a:latin typeface="Dosis" panose="02010503020202060003" pitchFamily="2" charset="77"/>
               </a:rPr>
-              <a:t>0.</a:t>
+              <a:t>3.</a:t>
             </a:r>
           </a:p>
           <a:p>
@@ -11892,23 +13743,24 @@
                 </a:solidFill>
                 <a:latin typeface="Dosis" panose="02010503020202060003" pitchFamily="2" charset="77"/>
               </a:rPr>
-              <a:t>TECHNOLOGICAL </a:t>
-            </a:r>
-          </a:p>
-          <a:p>
-            <a:pPr>
-              <a:spcBef>
-                <a:spcPts val="0"/>
-              </a:spcBef>
-            </a:pPr>
-            <a:r>
+              <a:t>ARCHITECTURE</a:t>
+            </a:r>
+            <a:br>
               <a:rPr lang="fr-FR" sz="4800" b="1" dirty="0">
                 <a:solidFill>
                   <a:schemeClr val="accent6"/>
                 </a:solidFill>
                 <a:latin typeface="Dosis" panose="02010503020202060003" pitchFamily="2" charset="77"/>
               </a:rPr>
-              <a:t>CHOICES</a:t>
+            </a:br>
+            <a:r>
+              <a:rPr lang="fr-FR" sz="4800" b="1" dirty="0">
+                <a:solidFill>
+                  <a:schemeClr val="accent6"/>
+                </a:solidFill>
+                <a:latin typeface="Dosis" panose="02010503020202060003" pitchFamily="2" charset="77"/>
+              </a:rPr>
+              <a:t>OVERVIEW</a:t>
             </a:r>
           </a:p>
         </p:txBody>
@@ -11916,7 +13768,7 @@
     </p:spTree>
     <p:extLst>
       <p:ext uri="{BB962C8B-B14F-4D97-AF65-F5344CB8AC3E}">
-        <p14:creationId xmlns:p14="http://schemas.microsoft.com/office/powerpoint/2010/main" val="553599223"/>
+        <p14:creationId xmlns:p14="http://schemas.microsoft.com/office/powerpoint/2010/main" val="1954981635"/>
       </p:ext>
     </p:extLst>
   </p:cSld>
@@ -11945,54 +13797,7 @@
       </p:grpSpPr>
       <p:sp>
         <p:nvSpPr>
-          <p:cNvPr id="11" name="TextBox 10"/>
-          <p:cNvSpPr txBox="1"/>
-          <p:nvPr/>
-        </p:nvSpPr>
-        <p:spPr>
-          <a:xfrm>
-            <a:off x="977080" y="1564253"/>
-            <a:ext cx="709121" cy="646331"/>
-          </a:xfrm>
-          <a:prstGeom prst="rect">
-            <a:avLst/>
-          </a:prstGeom>
-          <a:noFill/>
-        </p:spPr>
-        <p:txBody>
-          <a:bodyPr wrap="square" rtlCol="0">
-            <a:spAutoFit/>
-          </a:bodyPr>
-          <a:lstStyle/>
-          <a:p>
-            <a:pPr algn="ctr"/>
-            <a:r>
-              <a:rPr lang="en-US" altLang="ko-KR" sz="3600" b="1" dirty="0">
-                <a:solidFill>
-                  <a:schemeClr val="bg1"/>
-                </a:solidFill>
-                <a:cs typeface="Arial" pitchFamily="34" charset="0"/>
-              </a:rPr>
-              <a:t>01</a:t>
-            </a:r>
-            <a:endParaRPr lang="ko-KR" altLang="en-US" sz="3600" b="1" dirty="0">
-              <a:solidFill>
-                <a:schemeClr val="bg1"/>
-              </a:solidFill>
-              <a:cs typeface="Arial" pitchFamily="34" charset="0"/>
-            </a:endParaRPr>
-          </a:p>
-        </p:txBody>
-      </p:sp>
-      <p:sp>
-        <p:nvSpPr>
-          <p:cNvPr id="34" name="Title 2">
-            <a:extLst>
-              <a:ext uri="{FF2B5EF4-FFF2-40B4-BE49-F238E27FC236}">
-                <a16:creationId xmlns:a16="http://schemas.microsoft.com/office/drawing/2014/main" id="{0EB739D6-61DE-A545-B912-BFD7C81BBFD1}"/>
-              </a:ext>
-            </a:extLst>
-          </p:cNvPr>
+          <p:cNvPr id="3" name="Title 2"/>
           <p:cNvSpPr txBox="1">
             <a:spLocks/>
           </p:cNvSpPr>
@@ -12000,7 +13805,7 @@
         </p:nvSpPr>
         <p:spPr>
           <a:xfrm>
-            <a:off x="0" y="125252"/>
+            <a:off x="0" y="0"/>
             <a:ext cx="9144000" cy="576064"/>
           </a:xfrm>
           <a:prstGeom prst="rect">
@@ -12027,31 +13832,22 @@
           </a:lstStyle>
           <a:p>
             <a:r>
-              <a:rPr lang="fr-FR" sz="4000" b="1" dirty="0" err="1">
+              <a:rPr lang="fr-FR" sz="4000" b="1" dirty="0">
                 <a:solidFill>
                   <a:schemeClr val="accent6"/>
                 </a:solidFill>
                 <a:latin typeface="Dosis SemiBold" panose="02010503020202060003" pitchFamily="2" charset="77"/>
               </a:rPr>
-              <a:t>Technological</a:t>
-            </a:r>
-            <a:r>
-              <a:rPr lang="fr-FR" sz="4000" b="1" dirty="0">
+              <a:t>Architecture </a:t>
+            </a:r>
+            <a:r>
+              <a:rPr lang="fr-FR" sz="4000" b="1" dirty="0" err="1">
                 <a:solidFill>
                   <a:schemeClr val="accent6"/>
                 </a:solidFill>
                 <a:latin typeface="Dosis SemiBold" panose="02010503020202060003" pitchFamily="2" charset="77"/>
               </a:rPr>
-              <a:t> </a:t>
-            </a:r>
-            <a:r>
-              <a:rPr lang="fr-FR" sz="4000" b="1" dirty="0" err="1">
-                <a:solidFill>
-                  <a:schemeClr val="accent6"/>
-                </a:solidFill>
-                <a:latin typeface="Dosis SemiBold" panose="02010503020202060003" pitchFamily="2" charset="77"/>
-              </a:rPr>
-              <a:t>Choices</a:t>
+              <a:t>Overview</a:t>
             </a:r>
             <a:endParaRPr lang="en-US" sz="4000" b="1" dirty="0">
               <a:solidFill>
@@ -12065,39 +13861,29 @@
       </p:sp>
       <p:sp>
         <p:nvSpPr>
-          <p:cNvPr id="37" name="Google Shape;3871;p18">
-            <a:extLst>
-              <a:ext uri="{FF2B5EF4-FFF2-40B4-BE49-F238E27FC236}">
-                <a16:creationId xmlns:a16="http://schemas.microsoft.com/office/drawing/2014/main" id="{CF5D001D-17B5-264E-8262-F4BA9176A1D9}"/>
-              </a:ext>
-            </a:extLst>
-          </p:cNvPr>
-          <p:cNvSpPr txBox="1">
-            <a:spLocks/>
-          </p:cNvSpPr>
+          <p:cNvPr id="8" name="직사각형 39"/>
+          <p:cNvSpPr/>
           <p:nvPr/>
         </p:nvSpPr>
         <p:spPr>
           <a:xfrm>
-            <a:off x="394546" y="981449"/>
-            <a:ext cx="7192108" cy="1661746"/>
+            <a:off x="2509438" y="1262927"/>
+            <a:ext cx="403184" cy="523220"/>
           </a:xfrm>
           <a:prstGeom prst="rect">
             <a:avLst/>
           </a:prstGeom>
         </p:spPr>
         <p:txBody>
-          <a:bodyPr spcFirstLastPara="1" wrap="square" lIns="91425" tIns="91425" rIns="91425" bIns="91425" anchor="t" anchorCtr="0">
-            <a:noAutofit/>
+          <a:bodyPr wrap="square" anchor="ctr">
+            <a:spAutoFit/>
           </a:bodyPr>
           <a:lstStyle>
-            <a:lvl1pPr marL="342900" indent="-342900" algn="l" defTabSz="914400" rtl="0" eaLnBrk="1" latinLnBrk="1" hangingPunct="1">
-              <a:spcBef>
-                <a:spcPct val="20000"/>
-              </a:spcBef>
-              <a:buFont typeface="Arial" pitchFamily="34" charset="0"/>
-              <a:buChar char="•"/>
-              <a:defRPr sz="3200" kern="1200">
+            <a:defPPr>
+              <a:defRPr lang="ko-KR"/>
+            </a:defPPr>
+            <a:lvl1pPr marL="0" algn="l" defTabSz="914400" rtl="0" eaLnBrk="1" latinLnBrk="1" hangingPunct="1">
+              <a:defRPr sz="1800" kern="1200">
                 <a:solidFill>
                   <a:schemeClr val="tx1"/>
                 </a:solidFill>
@@ -12106,13 +13892,8 @@
                 <a:cs typeface="+mn-cs"/>
               </a:defRPr>
             </a:lvl1pPr>
-            <a:lvl2pPr marL="742950" indent="-285750" algn="l" defTabSz="914400" rtl="0" eaLnBrk="1" latinLnBrk="1" hangingPunct="1">
-              <a:spcBef>
-                <a:spcPct val="20000"/>
-              </a:spcBef>
-              <a:buFont typeface="Arial" pitchFamily="34" charset="0"/>
-              <a:buChar char="–"/>
-              <a:defRPr sz="2800" kern="1200">
+            <a:lvl2pPr marL="457200" algn="l" defTabSz="914400" rtl="0" eaLnBrk="1" latinLnBrk="1" hangingPunct="1">
+              <a:defRPr sz="1800" kern="1200">
                 <a:solidFill>
                   <a:schemeClr val="tx1"/>
                 </a:solidFill>
@@ -12121,13 +13902,8 @@
                 <a:cs typeface="+mn-cs"/>
               </a:defRPr>
             </a:lvl2pPr>
-            <a:lvl3pPr marL="1143000" indent="-228600" algn="l" defTabSz="914400" rtl="0" eaLnBrk="1" latinLnBrk="1" hangingPunct="1">
-              <a:spcBef>
-                <a:spcPct val="20000"/>
-              </a:spcBef>
-              <a:buFont typeface="Arial" pitchFamily="34" charset="0"/>
-              <a:buChar char="•"/>
-              <a:defRPr sz="2400" kern="1200">
+            <a:lvl3pPr marL="914400" algn="l" defTabSz="914400" rtl="0" eaLnBrk="1" latinLnBrk="1" hangingPunct="1">
+              <a:defRPr sz="1800" kern="1200">
                 <a:solidFill>
                   <a:schemeClr val="tx1"/>
                 </a:solidFill>
@@ -12136,13 +13912,8 @@
                 <a:cs typeface="+mn-cs"/>
               </a:defRPr>
             </a:lvl3pPr>
-            <a:lvl4pPr marL="1600200" indent="-228600" algn="l" defTabSz="914400" rtl="0" eaLnBrk="1" latinLnBrk="1" hangingPunct="1">
-              <a:spcBef>
-                <a:spcPct val="20000"/>
-              </a:spcBef>
-              <a:buFont typeface="Arial" pitchFamily="34" charset="0"/>
-              <a:buChar char="–"/>
-              <a:defRPr sz="2000" kern="1200">
+            <a:lvl4pPr marL="1371600" algn="l" defTabSz="914400" rtl="0" eaLnBrk="1" latinLnBrk="1" hangingPunct="1">
+              <a:defRPr sz="1800" kern="1200">
                 <a:solidFill>
                   <a:schemeClr val="tx1"/>
                 </a:solidFill>
@@ -12151,13 +13922,8 @@
                 <a:cs typeface="+mn-cs"/>
               </a:defRPr>
             </a:lvl4pPr>
-            <a:lvl5pPr marL="2057400" indent="-228600" algn="l" defTabSz="914400" rtl="0" eaLnBrk="1" latinLnBrk="1" hangingPunct="1">
-              <a:spcBef>
-                <a:spcPct val="20000"/>
-              </a:spcBef>
-              <a:buFont typeface="Arial" pitchFamily="34" charset="0"/>
-              <a:buChar char="»"/>
-              <a:defRPr sz="2000" kern="1200">
+            <a:lvl5pPr marL="1828800" algn="l" defTabSz="914400" rtl="0" eaLnBrk="1" latinLnBrk="1" hangingPunct="1">
+              <a:defRPr sz="1800" kern="1200">
                 <a:solidFill>
                   <a:schemeClr val="tx1"/>
                 </a:solidFill>
@@ -12166,13 +13932,8 @@
                 <a:cs typeface="+mn-cs"/>
               </a:defRPr>
             </a:lvl5pPr>
-            <a:lvl6pPr marL="2514600" indent="-228600" algn="l" defTabSz="914400" rtl="0" eaLnBrk="1" latinLnBrk="1" hangingPunct="1">
-              <a:spcBef>
-                <a:spcPct val="20000"/>
-              </a:spcBef>
-              <a:buFont typeface="Arial" pitchFamily="34" charset="0"/>
-              <a:buChar char="•"/>
-              <a:defRPr sz="2000" kern="1200">
+            <a:lvl6pPr marL="2286000" algn="l" defTabSz="914400" rtl="0" eaLnBrk="1" latinLnBrk="1" hangingPunct="1">
+              <a:defRPr sz="1800" kern="1200">
                 <a:solidFill>
                   <a:schemeClr val="tx1"/>
                 </a:solidFill>
@@ -12181,13 +13942,8 @@
                 <a:cs typeface="+mn-cs"/>
               </a:defRPr>
             </a:lvl6pPr>
-            <a:lvl7pPr marL="2971800" indent="-228600" algn="l" defTabSz="914400" rtl="0" eaLnBrk="1" latinLnBrk="1" hangingPunct="1">
-              <a:spcBef>
-                <a:spcPct val="20000"/>
-              </a:spcBef>
-              <a:buFont typeface="Arial" pitchFamily="34" charset="0"/>
-              <a:buChar char="•"/>
-              <a:defRPr sz="2000" kern="1200">
+            <a:lvl7pPr marL="2743200" algn="l" defTabSz="914400" rtl="0" eaLnBrk="1" latinLnBrk="1" hangingPunct="1">
+              <a:defRPr sz="1800" kern="1200">
                 <a:solidFill>
                   <a:schemeClr val="tx1"/>
                 </a:solidFill>
@@ -12196,13 +13952,8 @@
                 <a:cs typeface="+mn-cs"/>
               </a:defRPr>
             </a:lvl7pPr>
-            <a:lvl8pPr marL="3429000" indent="-228600" algn="l" defTabSz="914400" rtl="0" eaLnBrk="1" latinLnBrk="1" hangingPunct="1">
-              <a:spcBef>
-                <a:spcPct val="20000"/>
-              </a:spcBef>
-              <a:buFont typeface="Arial" pitchFamily="34" charset="0"/>
-              <a:buChar char="•"/>
-              <a:defRPr sz="2000" kern="1200">
+            <a:lvl8pPr marL="3200400" algn="l" defTabSz="914400" rtl="0" eaLnBrk="1" latinLnBrk="1" hangingPunct="1">
+              <a:defRPr sz="1800" kern="1200">
                 <a:solidFill>
                   <a:schemeClr val="tx1"/>
                 </a:solidFill>
@@ -12211,13 +13962,8 @@
                 <a:cs typeface="+mn-cs"/>
               </a:defRPr>
             </a:lvl8pPr>
-            <a:lvl9pPr marL="3886200" indent="-228600" algn="l" defTabSz="914400" rtl="0" eaLnBrk="1" latinLnBrk="1" hangingPunct="1">
-              <a:spcBef>
-                <a:spcPct val="20000"/>
-              </a:spcBef>
-              <a:buFont typeface="Arial" pitchFamily="34" charset="0"/>
-              <a:buChar char="•"/>
-              <a:defRPr sz="2000" kern="1200">
+            <a:lvl9pPr marL="3657600" algn="l" defTabSz="914400" rtl="0" eaLnBrk="1" latinLnBrk="1" hangingPunct="1">
+              <a:defRPr sz="1800" kern="1200">
                 <a:solidFill>
                   <a:schemeClr val="tx1"/>
                 </a:solidFill>
@@ -12228,125 +13974,437 @@
             </a:lvl9pPr>
           </a:lstStyle>
           <a:p>
-            <a:pPr marL="457200" indent="-381000">
-              <a:spcBef>
-                <a:spcPts val="600"/>
-              </a:spcBef>
-              <a:buSzPts val="2400"/>
-              <a:buFont typeface="Arial" pitchFamily="34" charset="0"/>
-              <a:buChar char="▪"/>
+            <a:pPr algn="ctr">
+              <a:defRPr/>
             </a:pPr>
             <a:r>
-              <a:rPr lang="fr-FR" dirty="0">
-                <a:solidFill>
-                  <a:srgbClr val="9AD3E9"/>
-                </a:solidFill>
-                <a:latin typeface="Dosis" panose="02010503020202060003" pitchFamily="2" charset="77"/>
+              <a:rPr lang="en-US" altLang="ko-KR" sz="2800" b="1" dirty="0">
+                <a:solidFill>
+                  <a:schemeClr val="bg1"/>
+                </a:solidFill>
+                <a:cs typeface="Arial" pitchFamily="34" charset="0"/>
               </a:rPr>
-              <a:t>Java - </a:t>
-            </a:r>
-            <a:r>
-              <a:rPr lang="fr-FR" dirty="0" err="1">
-                <a:solidFill>
-                  <a:srgbClr val="9AD3E9"/>
-                </a:solidFill>
-                <a:latin typeface="Dosis" panose="02010503020202060003" pitchFamily="2" charset="77"/>
+              <a:t>1 </a:t>
+            </a:r>
+            <a:endParaRPr lang="ko-KR" altLang="en-US" sz="2800" dirty="0">
+              <a:solidFill>
+                <a:schemeClr val="bg1"/>
+              </a:solidFill>
+            </a:endParaRPr>
+          </a:p>
+        </p:txBody>
+      </p:sp>
+      <p:sp>
+        <p:nvSpPr>
+          <p:cNvPr id="24" name="직사각형 39"/>
+          <p:cNvSpPr/>
+          <p:nvPr/>
+        </p:nvSpPr>
+        <p:spPr>
+          <a:xfrm>
+            <a:off x="2509438" y="2187449"/>
+            <a:ext cx="403184" cy="523220"/>
+          </a:xfrm>
+          <a:prstGeom prst="rect">
+            <a:avLst/>
+          </a:prstGeom>
+        </p:spPr>
+        <p:txBody>
+          <a:bodyPr wrap="square" anchor="ctr">
+            <a:spAutoFit/>
+          </a:bodyPr>
+          <a:lstStyle>
+            <a:defPPr>
+              <a:defRPr lang="ko-KR"/>
+            </a:defPPr>
+            <a:lvl1pPr marL="0" algn="l" defTabSz="914400" rtl="0" eaLnBrk="1" latinLnBrk="1" hangingPunct="1">
+              <a:defRPr sz="1800" kern="1200">
+                <a:solidFill>
+                  <a:schemeClr val="tx1"/>
+                </a:solidFill>
+                <a:latin typeface="+mn-lt"/>
+                <a:ea typeface="+mn-ea"/>
+                <a:cs typeface="+mn-cs"/>
+              </a:defRPr>
+            </a:lvl1pPr>
+            <a:lvl2pPr marL="457200" algn="l" defTabSz="914400" rtl="0" eaLnBrk="1" latinLnBrk="1" hangingPunct="1">
+              <a:defRPr sz="1800" kern="1200">
+                <a:solidFill>
+                  <a:schemeClr val="tx1"/>
+                </a:solidFill>
+                <a:latin typeface="+mn-lt"/>
+                <a:ea typeface="+mn-ea"/>
+                <a:cs typeface="+mn-cs"/>
+              </a:defRPr>
+            </a:lvl2pPr>
+            <a:lvl3pPr marL="914400" algn="l" defTabSz="914400" rtl="0" eaLnBrk="1" latinLnBrk="1" hangingPunct="1">
+              <a:defRPr sz="1800" kern="1200">
+                <a:solidFill>
+                  <a:schemeClr val="tx1"/>
+                </a:solidFill>
+                <a:latin typeface="+mn-lt"/>
+                <a:ea typeface="+mn-ea"/>
+                <a:cs typeface="+mn-cs"/>
+              </a:defRPr>
+            </a:lvl3pPr>
+            <a:lvl4pPr marL="1371600" algn="l" defTabSz="914400" rtl="0" eaLnBrk="1" latinLnBrk="1" hangingPunct="1">
+              <a:defRPr sz="1800" kern="1200">
+                <a:solidFill>
+                  <a:schemeClr val="tx1"/>
+                </a:solidFill>
+                <a:latin typeface="+mn-lt"/>
+                <a:ea typeface="+mn-ea"/>
+                <a:cs typeface="+mn-cs"/>
+              </a:defRPr>
+            </a:lvl4pPr>
+            <a:lvl5pPr marL="1828800" algn="l" defTabSz="914400" rtl="0" eaLnBrk="1" latinLnBrk="1" hangingPunct="1">
+              <a:defRPr sz="1800" kern="1200">
+                <a:solidFill>
+                  <a:schemeClr val="tx1"/>
+                </a:solidFill>
+                <a:latin typeface="+mn-lt"/>
+                <a:ea typeface="+mn-ea"/>
+                <a:cs typeface="+mn-cs"/>
+              </a:defRPr>
+            </a:lvl5pPr>
+            <a:lvl6pPr marL="2286000" algn="l" defTabSz="914400" rtl="0" eaLnBrk="1" latinLnBrk="1" hangingPunct="1">
+              <a:defRPr sz="1800" kern="1200">
+                <a:solidFill>
+                  <a:schemeClr val="tx1"/>
+                </a:solidFill>
+                <a:latin typeface="+mn-lt"/>
+                <a:ea typeface="+mn-ea"/>
+                <a:cs typeface="+mn-cs"/>
+              </a:defRPr>
+            </a:lvl6pPr>
+            <a:lvl7pPr marL="2743200" algn="l" defTabSz="914400" rtl="0" eaLnBrk="1" latinLnBrk="1" hangingPunct="1">
+              <a:defRPr sz="1800" kern="1200">
+                <a:solidFill>
+                  <a:schemeClr val="tx1"/>
+                </a:solidFill>
+                <a:latin typeface="+mn-lt"/>
+                <a:ea typeface="+mn-ea"/>
+                <a:cs typeface="+mn-cs"/>
+              </a:defRPr>
+            </a:lvl7pPr>
+            <a:lvl8pPr marL="3200400" algn="l" defTabSz="914400" rtl="0" eaLnBrk="1" latinLnBrk="1" hangingPunct="1">
+              <a:defRPr sz="1800" kern="1200">
+                <a:solidFill>
+                  <a:schemeClr val="tx1"/>
+                </a:solidFill>
+                <a:latin typeface="+mn-lt"/>
+                <a:ea typeface="+mn-ea"/>
+                <a:cs typeface="+mn-cs"/>
+              </a:defRPr>
+            </a:lvl8pPr>
+            <a:lvl9pPr marL="3657600" algn="l" defTabSz="914400" rtl="0" eaLnBrk="1" latinLnBrk="1" hangingPunct="1">
+              <a:defRPr sz="1800" kern="1200">
+                <a:solidFill>
+                  <a:schemeClr val="tx1"/>
+                </a:solidFill>
+                <a:latin typeface="+mn-lt"/>
+                <a:ea typeface="+mn-ea"/>
+                <a:cs typeface="+mn-cs"/>
+              </a:defRPr>
+            </a:lvl9pPr>
+          </a:lstStyle>
+          <a:p>
+            <a:pPr algn="ctr">
+              <a:defRPr/>
+            </a:pPr>
+            <a:r>
+              <a:rPr lang="en-US" altLang="ko-KR" sz="2800" b="1" dirty="0">
+                <a:solidFill>
+                  <a:schemeClr val="bg1"/>
+                </a:solidFill>
+                <a:cs typeface="Arial" pitchFamily="34" charset="0"/>
               </a:rPr>
-              <a:t>Springboot</a:t>
-            </a:r>
-            <a:endParaRPr lang="fr-FR" dirty="0">
+              <a:t>2 </a:t>
+            </a:r>
+            <a:endParaRPr lang="ko-KR" altLang="en-US" sz="2800" dirty="0">
               <a:solidFill>
-                <a:srgbClr val="9AD3E9"/>
+                <a:schemeClr val="bg1"/>
               </a:solidFill>
-              <a:latin typeface="Dosis" panose="02010503020202060003" pitchFamily="2" charset="77"/>
             </a:endParaRPr>
           </a:p>
-          <a:p>
-            <a:pPr marL="457200" indent="-381000">
-              <a:spcBef>
-                <a:spcPts val="0"/>
-              </a:spcBef>
-              <a:buSzPts val="2400"/>
-              <a:buFont typeface="Arial" pitchFamily="34" charset="0"/>
-              <a:buChar char="▪"/>
+        </p:txBody>
+      </p:sp>
+      <p:sp>
+        <p:nvSpPr>
+          <p:cNvPr id="28" name="직사각형 39"/>
+          <p:cNvSpPr/>
+          <p:nvPr/>
+        </p:nvSpPr>
+        <p:spPr>
+          <a:xfrm>
+            <a:off x="2509438" y="3111971"/>
+            <a:ext cx="403184" cy="523220"/>
+          </a:xfrm>
+          <a:prstGeom prst="rect">
+            <a:avLst/>
+          </a:prstGeom>
+        </p:spPr>
+        <p:txBody>
+          <a:bodyPr wrap="square" anchor="ctr">
+            <a:spAutoFit/>
+          </a:bodyPr>
+          <a:lstStyle>
+            <a:defPPr>
+              <a:defRPr lang="ko-KR"/>
+            </a:defPPr>
+            <a:lvl1pPr marL="0" algn="l" defTabSz="914400" rtl="0" eaLnBrk="1" latinLnBrk="1" hangingPunct="1">
+              <a:defRPr sz="1800" kern="1200">
+                <a:solidFill>
+                  <a:schemeClr val="tx1"/>
+                </a:solidFill>
+                <a:latin typeface="+mn-lt"/>
+                <a:ea typeface="+mn-ea"/>
+                <a:cs typeface="+mn-cs"/>
+              </a:defRPr>
+            </a:lvl1pPr>
+            <a:lvl2pPr marL="457200" algn="l" defTabSz="914400" rtl="0" eaLnBrk="1" latinLnBrk="1" hangingPunct="1">
+              <a:defRPr sz="1800" kern="1200">
+                <a:solidFill>
+                  <a:schemeClr val="tx1"/>
+                </a:solidFill>
+                <a:latin typeface="+mn-lt"/>
+                <a:ea typeface="+mn-ea"/>
+                <a:cs typeface="+mn-cs"/>
+              </a:defRPr>
+            </a:lvl2pPr>
+            <a:lvl3pPr marL="914400" algn="l" defTabSz="914400" rtl="0" eaLnBrk="1" latinLnBrk="1" hangingPunct="1">
+              <a:defRPr sz="1800" kern="1200">
+                <a:solidFill>
+                  <a:schemeClr val="tx1"/>
+                </a:solidFill>
+                <a:latin typeface="+mn-lt"/>
+                <a:ea typeface="+mn-ea"/>
+                <a:cs typeface="+mn-cs"/>
+              </a:defRPr>
+            </a:lvl3pPr>
+            <a:lvl4pPr marL="1371600" algn="l" defTabSz="914400" rtl="0" eaLnBrk="1" latinLnBrk="1" hangingPunct="1">
+              <a:defRPr sz="1800" kern="1200">
+                <a:solidFill>
+                  <a:schemeClr val="tx1"/>
+                </a:solidFill>
+                <a:latin typeface="+mn-lt"/>
+                <a:ea typeface="+mn-ea"/>
+                <a:cs typeface="+mn-cs"/>
+              </a:defRPr>
+            </a:lvl4pPr>
+            <a:lvl5pPr marL="1828800" algn="l" defTabSz="914400" rtl="0" eaLnBrk="1" latinLnBrk="1" hangingPunct="1">
+              <a:defRPr sz="1800" kern="1200">
+                <a:solidFill>
+                  <a:schemeClr val="tx1"/>
+                </a:solidFill>
+                <a:latin typeface="+mn-lt"/>
+                <a:ea typeface="+mn-ea"/>
+                <a:cs typeface="+mn-cs"/>
+              </a:defRPr>
+            </a:lvl5pPr>
+            <a:lvl6pPr marL="2286000" algn="l" defTabSz="914400" rtl="0" eaLnBrk="1" latinLnBrk="1" hangingPunct="1">
+              <a:defRPr sz="1800" kern="1200">
+                <a:solidFill>
+                  <a:schemeClr val="tx1"/>
+                </a:solidFill>
+                <a:latin typeface="+mn-lt"/>
+                <a:ea typeface="+mn-ea"/>
+                <a:cs typeface="+mn-cs"/>
+              </a:defRPr>
+            </a:lvl6pPr>
+            <a:lvl7pPr marL="2743200" algn="l" defTabSz="914400" rtl="0" eaLnBrk="1" latinLnBrk="1" hangingPunct="1">
+              <a:defRPr sz="1800" kern="1200">
+                <a:solidFill>
+                  <a:schemeClr val="tx1"/>
+                </a:solidFill>
+                <a:latin typeface="+mn-lt"/>
+                <a:ea typeface="+mn-ea"/>
+                <a:cs typeface="+mn-cs"/>
+              </a:defRPr>
+            </a:lvl7pPr>
+            <a:lvl8pPr marL="3200400" algn="l" defTabSz="914400" rtl="0" eaLnBrk="1" latinLnBrk="1" hangingPunct="1">
+              <a:defRPr sz="1800" kern="1200">
+                <a:solidFill>
+                  <a:schemeClr val="tx1"/>
+                </a:solidFill>
+                <a:latin typeface="+mn-lt"/>
+                <a:ea typeface="+mn-ea"/>
+                <a:cs typeface="+mn-cs"/>
+              </a:defRPr>
+            </a:lvl8pPr>
+            <a:lvl9pPr marL="3657600" algn="l" defTabSz="914400" rtl="0" eaLnBrk="1" latinLnBrk="1" hangingPunct="1">
+              <a:defRPr sz="1800" kern="1200">
+                <a:solidFill>
+                  <a:schemeClr val="tx1"/>
+                </a:solidFill>
+                <a:latin typeface="+mn-lt"/>
+                <a:ea typeface="+mn-ea"/>
+                <a:cs typeface="+mn-cs"/>
+              </a:defRPr>
+            </a:lvl9pPr>
+          </a:lstStyle>
+          <a:p>
+            <a:pPr algn="ctr">
+              <a:defRPr/>
             </a:pPr>
             <a:r>
-              <a:rPr lang="fr-FR" dirty="0">
-                <a:solidFill>
-                  <a:srgbClr val="9AD3E9"/>
-                </a:solidFill>
-                <a:latin typeface="Dosis" panose="02010503020202060003" pitchFamily="2" charset="77"/>
+              <a:rPr lang="en-US" altLang="ko-KR" sz="2800" b="1" dirty="0">
+                <a:solidFill>
+                  <a:schemeClr val="bg1"/>
+                </a:solidFill>
+                <a:cs typeface="Arial" pitchFamily="34" charset="0"/>
               </a:rPr>
-              <a:t>MySQL </a:t>
-            </a:r>
-            <a:r>
-              <a:rPr lang="fr-FR" dirty="0" err="1">
-                <a:solidFill>
-                  <a:srgbClr val="9AD3E9"/>
-                </a:solidFill>
-                <a:latin typeface="Dosis" panose="02010503020202060003" pitchFamily="2" charset="77"/>
+              <a:t>3 </a:t>
+            </a:r>
+            <a:endParaRPr lang="ko-KR" altLang="en-US" sz="2800" dirty="0">
+              <a:solidFill>
+                <a:schemeClr val="bg1"/>
+              </a:solidFill>
+            </a:endParaRPr>
+          </a:p>
+        </p:txBody>
+      </p:sp>
+      <p:sp>
+        <p:nvSpPr>
+          <p:cNvPr id="32" name="직사각형 39"/>
+          <p:cNvSpPr/>
+          <p:nvPr/>
+        </p:nvSpPr>
+        <p:spPr>
+          <a:xfrm>
+            <a:off x="2509438" y="4036493"/>
+            <a:ext cx="403184" cy="523220"/>
+          </a:xfrm>
+          <a:prstGeom prst="rect">
+            <a:avLst/>
+          </a:prstGeom>
+        </p:spPr>
+        <p:txBody>
+          <a:bodyPr wrap="square" anchor="ctr">
+            <a:spAutoFit/>
+          </a:bodyPr>
+          <a:lstStyle>
+            <a:defPPr>
+              <a:defRPr lang="ko-KR"/>
+            </a:defPPr>
+            <a:lvl1pPr marL="0" algn="l" defTabSz="914400" rtl="0" eaLnBrk="1" latinLnBrk="1" hangingPunct="1">
+              <a:defRPr sz="1800" kern="1200">
+                <a:solidFill>
+                  <a:schemeClr val="tx1"/>
+                </a:solidFill>
+                <a:latin typeface="+mn-lt"/>
+                <a:ea typeface="+mn-ea"/>
+                <a:cs typeface="+mn-cs"/>
+              </a:defRPr>
+            </a:lvl1pPr>
+            <a:lvl2pPr marL="457200" algn="l" defTabSz="914400" rtl="0" eaLnBrk="1" latinLnBrk="1" hangingPunct="1">
+              <a:defRPr sz="1800" kern="1200">
+                <a:solidFill>
+                  <a:schemeClr val="tx1"/>
+                </a:solidFill>
+                <a:latin typeface="+mn-lt"/>
+                <a:ea typeface="+mn-ea"/>
+                <a:cs typeface="+mn-cs"/>
+              </a:defRPr>
+            </a:lvl2pPr>
+            <a:lvl3pPr marL="914400" algn="l" defTabSz="914400" rtl="0" eaLnBrk="1" latinLnBrk="1" hangingPunct="1">
+              <a:defRPr sz="1800" kern="1200">
+                <a:solidFill>
+                  <a:schemeClr val="tx1"/>
+                </a:solidFill>
+                <a:latin typeface="+mn-lt"/>
+                <a:ea typeface="+mn-ea"/>
+                <a:cs typeface="+mn-cs"/>
+              </a:defRPr>
+            </a:lvl3pPr>
+            <a:lvl4pPr marL="1371600" algn="l" defTabSz="914400" rtl="0" eaLnBrk="1" latinLnBrk="1" hangingPunct="1">
+              <a:defRPr sz="1800" kern="1200">
+                <a:solidFill>
+                  <a:schemeClr val="tx1"/>
+                </a:solidFill>
+                <a:latin typeface="+mn-lt"/>
+                <a:ea typeface="+mn-ea"/>
+                <a:cs typeface="+mn-cs"/>
+              </a:defRPr>
+            </a:lvl4pPr>
+            <a:lvl5pPr marL="1828800" algn="l" defTabSz="914400" rtl="0" eaLnBrk="1" latinLnBrk="1" hangingPunct="1">
+              <a:defRPr sz="1800" kern="1200">
+                <a:solidFill>
+                  <a:schemeClr val="tx1"/>
+                </a:solidFill>
+                <a:latin typeface="+mn-lt"/>
+                <a:ea typeface="+mn-ea"/>
+                <a:cs typeface="+mn-cs"/>
+              </a:defRPr>
+            </a:lvl5pPr>
+            <a:lvl6pPr marL="2286000" algn="l" defTabSz="914400" rtl="0" eaLnBrk="1" latinLnBrk="1" hangingPunct="1">
+              <a:defRPr sz="1800" kern="1200">
+                <a:solidFill>
+                  <a:schemeClr val="tx1"/>
+                </a:solidFill>
+                <a:latin typeface="+mn-lt"/>
+                <a:ea typeface="+mn-ea"/>
+                <a:cs typeface="+mn-cs"/>
+              </a:defRPr>
+            </a:lvl6pPr>
+            <a:lvl7pPr marL="2743200" algn="l" defTabSz="914400" rtl="0" eaLnBrk="1" latinLnBrk="1" hangingPunct="1">
+              <a:defRPr sz="1800" kern="1200">
+                <a:solidFill>
+                  <a:schemeClr val="tx1"/>
+                </a:solidFill>
+                <a:latin typeface="+mn-lt"/>
+                <a:ea typeface="+mn-ea"/>
+                <a:cs typeface="+mn-cs"/>
+              </a:defRPr>
+            </a:lvl7pPr>
+            <a:lvl8pPr marL="3200400" algn="l" defTabSz="914400" rtl="0" eaLnBrk="1" latinLnBrk="1" hangingPunct="1">
+              <a:defRPr sz="1800" kern="1200">
+                <a:solidFill>
+                  <a:schemeClr val="tx1"/>
+                </a:solidFill>
+                <a:latin typeface="+mn-lt"/>
+                <a:ea typeface="+mn-ea"/>
+                <a:cs typeface="+mn-cs"/>
+              </a:defRPr>
+            </a:lvl8pPr>
+            <a:lvl9pPr marL="3657600" algn="l" defTabSz="914400" rtl="0" eaLnBrk="1" latinLnBrk="1" hangingPunct="1">
+              <a:defRPr sz="1800" kern="1200">
+                <a:solidFill>
+                  <a:schemeClr val="tx1"/>
+                </a:solidFill>
+                <a:latin typeface="+mn-lt"/>
+                <a:ea typeface="+mn-ea"/>
+                <a:cs typeface="+mn-cs"/>
+              </a:defRPr>
+            </a:lvl9pPr>
+          </a:lstStyle>
+          <a:p>
+            <a:pPr algn="ctr">
+              <a:defRPr/>
+            </a:pPr>
+            <a:r>
+              <a:rPr lang="en-US" altLang="ko-KR" sz="2800" b="1" dirty="0">
+                <a:solidFill>
+                  <a:schemeClr val="bg1"/>
+                </a:solidFill>
+                <a:cs typeface="Arial" pitchFamily="34" charset="0"/>
               </a:rPr>
-              <a:t>Database</a:t>
-            </a:r>
-            <a:endParaRPr lang="fr-FR" dirty="0">
+              <a:t>4 </a:t>
+            </a:r>
+            <a:endParaRPr lang="ko-KR" altLang="en-US" sz="2800" dirty="0">
               <a:solidFill>
-                <a:srgbClr val="9AD3E9"/>
+                <a:schemeClr val="bg1"/>
               </a:solidFill>
-              <a:latin typeface="Dosis" panose="02010503020202060003" pitchFamily="2" charset="77"/>
             </a:endParaRPr>
-          </a:p>
-          <a:p>
-            <a:pPr marL="457200" indent="-381000">
-              <a:spcBef>
-                <a:spcPts val="0"/>
-              </a:spcBef>
-              <a:buSzPts val="2400"/>
-              <a:buFont typeface="Arial" pitchFamily="34" charset="0"/>
-              <a:buChar char="▪"/>
-            </a:pPr>
-            <a:r>
-              <a:rPr lang="fr-FR" dirty="0" err="1">
-                <a:solidFill>
-                  <a:srgbClr val="9AD3E9"/>
-                </a:solidFill>
-                <a:latin typeface="Dosis" panose="02010503020202060003" pitchFamily="2" charset="77"/>
-              </a:rPr>
-              <a:t>phpMyAdmin</a:t>
-            </a:r>
-            <a:endParaRPr lang="fr-FR" dirty="0">
-              <a:solidFill>
-                <a:srgbClr val="9AD3E9"/>
-              </a:solidFill>
-              <a:latin typeface="Dosis" panose="02010503020202060003" pitchFamily="2" charset="77"/>
-            </a:endParaRPr>
-          </a:p>
-          <a:p>
-            <a:pPr marL="457200" indent="-381000">
-              <a:spcBef>
-                <a:spcPts val="0"/>
-              </a:spcBef>
-              <a:buSzPts val="2400"/>
-              <a:buFont typeface="Arial" pitchFamily="34" charset="0"/>
-              <a:buChar char="▪"/>
-            </a:pPr>
-            <a:r>
-              <a:rPr lang="fr-FR" dirty="0">
-                <a:solidFill>
-                  <a:srgbClr val="9AD3E9"/>
-                </a:solidFill>
-                <a:latin typeface="Dosis" panose="02010503020202060003" pitchFamily="2" charset="77"/>
-              </a:rPr>
-              <a:t>Docker</a:t>
-            </a:r>
           </a:p>
         </p:txBody>
       </p:sp>
       <p:pic>
         <p:nvPicPr>
-          <p:cNvPr id="38" name="Image 37">
+          <p:cNvPr id="4" name="Image 3">
             <a:extLst>
               <a:ext uri="{FF2B5EF4-FFF2-40B4-BE49-F238E27FC236}">
-                <a16:creationId xmlns:a16="http://schemas.microsoft.com/office/drawing/2014/main" id="{41A671B1-BB13-3147-93B2-C1B30CF15730}"/>
+                <a16:creationId xmlns:a16="http://schemas.microsoft.com/office/drawing/2014/main" id="{86A0331E-B85F-4747-B4F7-014826E9007C}"/>
               </a:ext>
             </a:extLst>
           </p:cNvPr>
@@ -12356,175 +14414,7 @@
           <p:nvPr/>
         </p:nvPicPr>
         <p:blipFill>
-          <a:blip r:embed="rId2"/>
-          <a:stretch>
-            <a:fillRect/>
-          </a:stretch>
-        </p:blipFill>
-        <p:spPr>
-          <a:xfrm>
-            <a:off x="963833" y="3349697"/>
-            <a:ext cx="1625600" cy="1625600"/>
-          </a:xfrm>
-          <a:prstGeom prst="rect">
-            <a:avLst/>
-          </a:prstGeom>
-        </p:spPr>
-      </p:pic>
-      <p:pic>
-        <p:nvPicPr>
-          <p:cNvPr id="39" name="Image 38">
-            <a:extLst>
-              <a:ext uri="{FF2B5EF4-FFF2-40B4-BE49-F238E27FC236}">
-                <a16:creationId xmlns:a16="http://schemas.microsoft.com/office/drawing/2014/main" id="{64255F77-57E8-CD49-8F80-7445AB02AFC1}"/>
-              </a:ext>
-            </a:extLst>
-          </p:cNvPr>
-          <p:cNvPicPr>
-            <a:picLocks noChangeAspect="1"/>
-          </p:cNvPicPr>
-          <p:nvPr/>
-        </p:nvPicPr>
-        <p:blipFill>
-          <a:blip r:embed="rId3"/>
-          <a:stretch>
-            <a:fillRect/>
-          </a:stretch>
-        </p:blipFill>
-        <p:spPr>
-          <a:xfrm>
-            <a:off x="6776332" y="669703"/>
-            <a:ext cx="1397000" cy="1828800"/>
-          </a:xfrm>
-          <a:prstGeom prst="rect">
-            <a:avLst/>
-          </a:prstGeom>
-        </p:spPr>
-      </p:pic>
-      <p:pic>
-        <p:nvPicPr>
-          <p:cNvPr id="40" name="Image 39">
-            <a:extLst>
-              <a:ext uri="{FF2B5EF4-FFF2-40B4-BE49-F238E27FC236}">
-                <a16:creationId xmlns:a16="http://schemas.microsoft.com/office/drawing/2014/main" id="{B91EEDAC-23A5-E34B-8BB9-63DF7E75B872}"/>
-              </a:ext>
-            </a:extLst>
-          </p:cNvPr>
-          <p:cNvPicPr>
-            <a:picLocks noChangeAspect="1"/>
-          </p:cNvPicPr>
-          <p:nvPr/>
-        </p:nvPicPr>
-        <p:blipFill>
-          <a:blip r:embed="rId4"/>
-          <a:stretch>
-            <a:fillRect/>
-          </a:stretch>
-        </p:blipFill>
-        <p:spPr>
-          <a:xfrm>
-            <a:off x="2732447" y="3048580"/>
-            <a:ext cx="3472450" cy="1128546"/>
-          </a:xfrm>
-          <a:prstGeom prst="rect">
-            <a:avLst/>
-          </a:prstGeom>
-        </p:spPr>
-      </p:pic>
-      <p:pic>
-        <p:nvPicPr>
-          <p:cNvPr id="42" name="Graphique 41">
-            <a:extLst>
-              <a:ext uri="{FF2B5EF4-FFF2-40B4-BE49-F238E27FC236}">
-                <a16:creationId xmlns:a16="http://schemas.microsoft.com/office/drawing/2014/main" id="{CB884252-7208-0C44-A4E2-0047188914E9}"/>
-              </a:ext>
-            </a:extLst>
-          </p:cNvPr>
-          <p:cNvPicPr>
-            <a:picLocks noChangeAspect="1"/>
-          </p:cNvPicPr>
-          <p:nvPr/>
-        </p:nvPicPr>
-        <p:blipFill>
-          <a:blip r:embed="rId5">
-            <a:extLst>
-              <a:ext uri="{28A0092B-C50C-407E-A947-70E740481C1C}">
-                <a14:useLocalDpi xmlns:a14="http://schemas.microsoft.com/office/drawing/2010/main" val="0"/>
-              </a:ext>
-              <a:ext uri="{96DAC541-7B7A-43D3-8B79-37D633B846F1}">
-                <asvg:svgBlip xmlns:asvg="http://schemas.microsoft.com/office/drawing/2016/SVG/main" r:embed="rId6"/>
-              </a:ext>
-            </a:extLst>
-          </a:blip>
-          <a:stretch>
-            <a:fillRect/>
-          </a:stretch>
-        </p:blipFill>
-        <p:spPr>
-          <a:xfrm>
-            <a:off x="3563888" y="701316"/>
-            <a:ext cx="3095514" cy="2144572"/>
-          </a:xfrm>
-          <a:prstGeom prst="rect">
-            <a:avLst/>
-          </a:prstGeom>
-        </p:spPr>
-      </p:pic>
-      <p:pic>
-        <p:nvPicPr>
-          <p:cNvPr id="44" name="Graphique 43">
-            <a:extLst>
-              <a:ext uri="{FF2B5EF4-FFF2-40B4-BE49-F238E27FC236}">
-                <a16:creationId xmlns:a16="http://schemas.microsoft.com/office/drawing/2014/main" id="{4712BBD1-1086-A948-A968-C5752E24CB21}"/>
-              </a:ext>
-            </a:extLst>
-          </p:cNvPr>
-          <p:cNvPicPr>
-            <a:picLocks noChangeAspect="1"/>
-          </p:cNvPicPr>
-          <p:nvPr/>
-        </p:nvPicPr>
-        <p:blipFill>
-          <a:blip r:embed="rId7">
-            <a:extLst>
-              <a:ext uri="{28A0092B-C50C-407E-A947-70E740481C1C}">
-                <a14:useLocalDpi xmlns:a14="http://schemas.microsoft.com/office/drawing/2010/main" val="0"/>
-              </a:ext>
-              <a:ext uri="{96DAC541-7B7A-43D3-8B79-37D633B846F1}">
-                <asvg:svgBlip xmlns:asvg="http://schemas.microsoft.com/office/drawing/2016/SVG/main" r:embed="rId8"/>
-              </a:ext>
-            </a:extLst>
-          </a:blip>
-          <a:stretch>
-            <a:fillRect/>
-          </a:stretch>
-        </p:blipFill>
-        <p:spPr>
-          <a:xfrm>
-            <a:off x="5796136" y="3075807"/>
-            <a:ext cx="3210138" cy="1789402"/>
-          </a:xfrm>
-          <a:prstGeom prst="rect">
-            <a:avLst/>
-          </a:prstGeom>
-        </p:spPr>
-      </p:pic>
-      <p:pic>
-        <p:nvPicPr>
-          <p:cNvPr id="46" name="Image 45">
-            <a:extLst>
-              <a:ext uri="{FF2B5EF4-FFF2-40B4-BE49-F238E27FC236}">
-                <a16:creationId xmlns:a16="http://schemas.microsoft.com/office/drawing/2014/main" id="{982CDD5C-F217-FB4D-BE70-EFC77A5EA05B}"/>
-              </a:ext>
-            </a:extLst>
-          </p:cNvPr>
-          <p:cNvPicPr>
-            <a:picLocks noChangeAspect="1"/>
-          </p:cNvPicPr>
-          <p:nvPr/>
-        </p:nvPicPr>
-        <p:blipFill>
-          <a:blip r:embed="rId9">
+          <a:blip r:embed="rId2">
             <a:extLst>
               <a:ext uri="{28A0092B-C50C-407E-A947-70E740481C1C}">
                 <a14:useLocalDpi xmlns:a14="http://schemas.microsoft.com/office/drawing/2010/main" val="0"/>
@@ -12537,8 +14427,8 @@
         </p:blipFill>
         <p:spPr>
           <a:xfrm>
-            <a:off x="4355976" y="3973458"/>
-            <a:ext cx="982320" cy="891751"/>
+            <a:off x="1907704" y="507762"/>
+            <a:ext cx="6552728" cy="4635738"/>
           </a:xfrm>
           <a:prstGeom prst="rect">
             <a:avLst/>
@@ -12548,7 +14438,7 @@
     </p:spTree>
     <p:extLst>
       <p:ext uri="{BB962C8B-B14F-4D97-AF65-F5344CB8AC3E}">
-        <p14:creationId xmlns:p14="http://schemas.microsoft.com/office/powerpoint/2010/main" val="3152835221"/>
+        <p14:creationId xmlns:p14="http://schemas.microsoft.com/office/powerpoint/2010/main" val="2546066479"/>
       </p:ext>
     </p:extLst>
   </p:cSld>

--- a/src/main/resources/Presentations/BlablaMove_OralDefense.pptx
+++ b/src/main/resources/Presentations/BlablaMove_OralDefense.pptx
@@ -6607,6 +6607,36 @@
           </a:p>
         </p:txBody>
       </p:sp>
+      <p:pic>
+        <p:nvPicPr>
+          <p:cNvPr id="4" name="Image 3">
+            <a:extLst>
+              <a:ext uri="{FF2B5EF4-FFF2-40B4-BE49-F238E27FC236}">
+                <a16:creationId xmlns:a16="http://schemas.microsoft.com/office/drawing/2014/main" id="{7BFA0AE7-1A14-1442-8CA4-0EC4A59336A0}"/>
+              </a:ext>
+            </a:extLst>
+          </p:cNvPr>
+          <p:cNvPicPr>
+            <a:picLocks noChangeAspect="1"/>
+          </p:cNvPicPr>
+          <p:nvPr/>
+        </p:nvPicPr>
+        <p:blipFill>
+          <a:blip r:embed="rId3"/>
+          <a:stretch>
+            <a:fillRect/>
+          </a:stretch>
+        </p:blipFill>
+        <p:spPr>
+          <a:xfrm>
+            <a:off x="5636877" y="2787774"/>
+            <a:ext cx="675507" cy="569815"/>
+          </a:xfrm>
+          <a:prstGeom prst="rect">
+            <a:avLst/>
+          </a:prstGeom>
+        </p:spPr>
+      </p:pic>
     </p:spTree>
     <p:extLst>
       <p:ext uri="{BB962C8B-B14F-4D97-AF65-F5344CB8AC3E}">
@@ -7750,7 +7780,7 @@
         </p:nvSpPr>
         <p:spPr>
           <a:xfrm>
-            <a:off x="1610094" y="1635647"/>
+            <a:off x="1617997" y="1509954"/>
             <a:ext cx="2592000" cy="72000"/>
           </a:xfrm>
           <a:prstGeom prst="rect">
@@ -7805,7 +7835,7 @@
         </p:nvSpPr>
         <p:spPr>
           <a:xfrm>
-            <a:off x="4944854" y="1635647"/>
+            <a:off x="4952757" y="1509954"/>
             <a:ext cx="2592000" cy="72000"/>
           </a:xfrm>
           <a:prstGeom prst="rect">
@@ -7856,8 +7886,8 @@
         </p:nvSpPr>
         <p:spPr>
           <a:xfrm>
-            <a:off x="1460562" y="1862203"/>
-            <a:ext cx="2835932" cy="2646878"/>
+            <a:off x="1185805" y="1509808"/>
+            <a:ext cx="3456384" cy="6463308"/>
           </a:xfrm>
           <a:prstGeom prst="rect">
             <a:avLst/>
@@ -7870,27 +7900,8 @@
           </a:bodyPr>
           <a:lstStyle/>
           <a:p>
-            <a:pPr marL="171450" indent="-171450" algn="ctr">
-              <a:buFont typeface="Courier New" panose="02070309020205020404" pitchFamily="49" charset="0"/>
-              <a:buChar char="o"/>
-            </a:pPr>
-            <a:r>
-              <a:rPr lang="en-US" altLang="ko-KR" sz="1400" dirty="0">
-                <a:solidFill>
-                  <a:schemeClr val="tx1">
-                    <a:lumMod val="75000"/>
-                    <a:lumOff val="25000"/>
-                  </a:schemeClr>
-                </a:solidFill>
-                <a:latin typeface="Dosis Medium" panose="02010503020202060003" pitchFamily="2" charset="77"/>
-                <a:cs typeface="Arial" pitchFamily="34" charset="0"/>
-              </a:rPr>
-              <a:t>Something</a:t>
-            </a:r>
-          </a:p>
-          <a:p>
             <a:pPr algn="ctr"/>
-            <a:endParaRPr lang="en-US" altLang="ko-KR" sz="1400" dirty="0">
+            <a:endParaRPr lang="en-US" altLang="ko-KR" dirty="0">
               <a:solidFill>
                 <a:schemeClr val="tx1">
                   <a:lumMod val="75000"/>
@@ -7907,7 +7918,7 @@
               <a:buChar char="o"/>
             </a:pPr>
             <a:r>
-              <a:rPr lang="en-US" altLang="ko-KR" sz="1400" dirty="0">
+              <a:rPr lang="en-US" altLang="ko-KR" dirty="0">
                 <a:solidFill>
                   <a:schemeClr val="tx1">
                     <a:lumMod val="75000"/>
@@ -7917,12 +7928,12 @@
                 <a:latin typeface="Dosis Medium" panose="02010503020202060003" pitchFamily="2" charset="77"/>
                 <a:cs typeface="Arial" pitchFamily="34" charset="0"/>
               </a:rPr>
-              <a:t>Something else</a:t>
+              <a:t>Database update</a:t>
             </a:r>
           </a:p>
           <a:p>
             <a:pPr algn="ctr"/>
-            <a:endParaRPr lang="en-US" altLang="ko-KR" sz="1400" dirty="0">
+            <a:endParaRPr lang="en-US" altLang="ko-KR" dirty="0">
               <a:solidFill>
                 <a:schemeClr val="tx1">
                   <a:lumMod val="75000"/>
@@ -7939,7 +7950,7 @@
               <a:buChar char="o"/>
             </a:pPr>
             <a:r>
-              <a:rPr lang="en-US" altLang="ko-KR" sz="1400" dirty="0" err="1">
+              <a:rPr lang="en-US" altLang="ko-KR" dirty="0">
                 <a:solidFill>
                   <a:schemeClr val="tx1">
                     <a:lumMod val="75000"/>
@@ -7949,9 +7960,15 @@
                 <a:latin typeface="Dosis Medium" panose="02010503020202060003" pitchFamily="2" charset="77"/>
                 <a:cs typeface="Arial" pitchFamily="34" charset="0"/>
               </a:rPr>
-              <a:t>Blabla</a:t>
-            </a:r>
-            <a:endParaRPr lang="en-US" altLang="ko-KR" sz="1400" dirty="0">
+              <a:t>Consolidate system</a:t>
+            </a:r>
+          </a:p>
+          <a:p>
+            <a:pPr marL="171450" indent="-171450" algn="ctr">
+              <a:buFont typeface="Courier New" panose="02070309020205020404" pitchFamily="49" charset="0"/>
+              <a:buChar char="o"/>
+            </a:pPr>
+            <a:endParaRPr lang="en-US" altLang="ko-KR" dirty="0">
               <a:solidFill>
                 <a:schemeClr val="tx1">
                   <a:lumMod val="75000"/>
@@ -7963,8 +7980,27 @@
             </a:endParaRPr>
           </a:p>
           <a:p>
+            <a:pPr marL="171450" indent="-171450" algn="ctr">
+              <a:buFont typeface="Courier New" panose="02070309020205020404" pitchFamily="49" charset="0"/>
+              <a:buChar char="o"/>
+            </a:pPr>
+            <a:r>
+              <a:rPr lang="en-US" altLang="ko-KR" dirty="0">
+                <a:solidFill>
+                  <a:schemeClr val="tx1">
+                    <a:lumMod val="75000"/>
+                    <a:lumOff val="25000"/>
+                  </a:schemeClr>
+                </a:solidFill>
+                <a:latin typeface="Dosis Medium" panose="02010503020202060003" pitchFamily="2" charset="77"/>
+                <a:cs typeface="Arial" pitchFamily="34" charset="0"/>
+              </a:rPr>
+              <a:t>Database failure use case</a:t>
+            </a:r>
+          </a:p>
+          <a:p>
             <a:pPr algn="ctr"/>
-            <a:endParaRPr lang="en-US" altLang="ko-KR" sz="1400" dirty="0">
+            <a:endParaRPr lang="en-US" altLang="ko-KR" dirty="0">
               <a:solidFill>
                 <a:schemeClr val="tx1">
                   <a:lumMod val="75000"/>
@@ -7981,7 +8017,7 @@
               <a:buChar char="o"/>
             </a:pPr>
             <a:r>
-              <a:rPr lang="en-US" altLang="ko-KR" sz="1400" dirty="0">
+              <a:rPr lang="en-US" altLang="ko-KR" dirty="0">
                 <a:solidFill>
                   <a:schemeClr val="tx1">
                     <a:lumMod val="75000"/>
@@ -7991,12 +8027,15 @@
                 <a:latin typeface="Dosis Medium" panose="02010503020202060003" pitchFamily="2" charset="77"/>
                 <a:cs typeface="Arial" pitchFamily="34" charset="0"/>
               </a:rPr>
-              <a:t>Move</a:t>
-            </a:r>
-          </a:p>
-          <a:p>
-            <a:pPr algn="ctr"/>
-            <a:endParaRPr lang="en-US" altLang="ko-KR" sz="1400" dirty="0">
+              <a:t>Billing improvement</a:t>
+            </a:r>
+          </a:p>
+          <a:p>
+            <a:pPr marL="171450" indent="-171450" algn="ctr">
+              <a:buFont typeface="Courier New" panose="02070309020205020404" pitchFamily="49" charset="0"/>
+              <a:buChar char="o"/>
+            </a:pPr>
+            <a:endParaRPr lang="en-US" altLang="ko-KR" dirty="0">
               <a:solidFill>
                 <a:schemeClr val="tx1">
                   <a:lumMod val="75000"/>
@@ -8013,7 +8052,7 @@
               <a:buChar char="o"/>
             </a:pPr>
             <a:r>
-              <a:rPr lang="en-US" altLang="ko-KR" sz="1400" dirty="0" err="1">
+              <a:rPr lang="en-US" altLang="ko-KR" dirty="0">
                 <a:solidFill>
                   <a:schemeClr val="tx1">
                     <a:lumMod val="75000"/>
@@ -8023,9 +8062,15 @@
                 <a:latin typeface="Dosis Medium" panose="02010503020202060003" pitchFamily="2" charset="77"/>
                 <a:cs typeface="Arial" pitchFamily="34" charset="0"/>
               </a:rPr>
-              <a:t>Hohohohoho</a:t>
-            </a:r>
-            <a:endParaRPr lang="en-US" altLang="ko-KR" sz="1400" dirty="0">
+              <a:t>Additional use cases focused on Billing</a:t>
+            </a:r>
+          </a:p>
+          <a:p>
+            <a:pPr marL="171450" indent="-171450" algn="ctr">
+              <a:buFont typeface="Courier New" panose="02070309020205020404" pitchFamily="49" charset="0"/>
+              <a:buChar char="o"/>
+            </a:pPr>
+            <a:endParaRPr lang="en-US" altLang="ko-KR" dirty="0">
               <a:solidFill>
                 <a:schemeClr val="tx1">
                   <a:lumMod val="75000"/>
@@ -8038,7 +8083,7 @@
           </a:p>
           <a:p>
             <a:pPr algn="ctr"/>
-            <a:endParaRPr lang="en-US" altLang="ko-KR" sz="1400" dirty="0">
+            <a:endParaRPr lang="en-US" altLang="ko-KR" dirty="0">
               <a:solidFill>
                 <a:schemeClr val="tx1">
                   <a:lumMod val="75000"/>
@@ -8054,26 +8099,139 @@
               <a:buFont typeface="Courier New" panose="02070309020205020404" pitchFamily="49" charset="0"/>
               <a:buChar char="o"/>
             </a:pPr>
-            <a:r>
-              <a:rPr lang="en-US" altLang="ko-KR" sz="1400" dirty="0">
-                <a:solidFill>
-                  <a:schemeClr val="tx1">
-                    <a:lumMod val="75000"/>
-                    <a:lumOff val="25000"/>
-                  </a:schemeClr>
-                </a:solidFill>
-                <a:latin typeface="Dosis Medium" panose="02010503020202060003" pitchFamily="2" charset="77"/>
-                <a:cs typeface="Arial" pitchFamily="34" charset="0"/>
-              </a:rPr>
-              <a:t>I’m so funny.</a:t>
-            </a:r>
+            <a:endParaRPr lang="en-US" altLang="ko-KR" dirty="0">
+              <a:solidFill>
+                <a:schemeClr val="tx1">
+                  <a:lumMod val="75000"/>
+                  <a:lumOff val="25000"/>
+                </a:schemeClr>
+              </a:solidFill>
+              <a:latin typeface="Dosis Medium" panose="02010503020202060003" pitchFamily="2" charset="77"/>
+              <a:cs typeface="Arial" pitchFamily="34" charset="0"/>
+            </a:endParaRPr>
           </a:p>
           <a:p>
             <a:pPr marL="171450" indent="-171450" algn="ctr">
               <a:buFont typeface="Courier New" panose="02070309020205020404" pitchFamily="49" charset="0"/>
               <a:buChar char="o"/>
             </a:pPr>
-            <a:endParaRPr lang="en-US" altLang="ko-KR" sz="1200" dirty="0">
+            <a:endParaRPr lang="en-US" altLang="ko-KR" dirty="0">
+              <a:solidFill>
+                <a:schemeClr val="tx1">
+                  <a:lumMod val="75000"/>
+                  <a:lumOff val="25000"/>
+                </a:schemeClr>
+              </a:solidFill>
+              <a:latin typeface="Dosis Medium" panose="02010503020202060003" pitchFamily="2" charset="77"/>
+              <a:cs typeface="Arial" pitchFamily="34" charset="0"/>
+            </a:endParaRPr>
+          </a:p>
+          <a:p>
+            <a:pPr marL="171450" indent="-171450" algn="ctr">
+              <a:buFont typeface="Courier New" panose="02070309020205020404" pitchFamily="49" charset="0"/>
+              <a:buChar char="o"/>
+            </a:pPr>
+            <a:endParaRPr lang="en-US" altLang="ko-KR" dirty="0">
+              <a:solidFill>
+                <a:schemeClr val="tx1">
+                  <a:lumMod val="75000"/>
+                  <a:lumOff val="25000"/>
+                </a:schemeClr>
+              </a:solidFill>
+              <a:latin typeface="Dosis Medium" panose="02010503020202060003" pitchFamily="2" charset="77"/>
+              <a:cs typeface="Arial" pitchFamily="34" charset="0"/>
+            </a:endParaRPr>
+          </a:p>
+          <a:p>
+            <a:pPr marL="171450" indent="-171450" algn="ctr">
+              <a:buFont typeface="Courier New" panose="02070309020205020404" pitchFamily="49" charset="0"/>
+              <a:buChar char="o"/>
+            </a:pPr>
+            <a:endParaRPr lang="en-US" altLang="ko-KR" dirty="0">
+              <a:solidFill>
+                <a:schemeClr val="tx1">
+                  <a:lumMod val="75000"/>
+                  <a:lumOff val="25000"/>
+                </a:schemeClr>
+              </a:solidFill>
+              <a:latin typeface="Dosis Medium" panose="02010503020202060003" pitchFamily="2" charset="77"/>
+              <a:cs typeface="Arial" pitchFamily="34" charset="0"/>
+            </a:endParaRPr>
+          </a:p>
+          <a:p>
+            <a:pPr marL="171450" indent="-171450" algn="ctr">
+              <a:buFont typeface="Courier New" panose="02070309020205020404" pitchFamily="49" charset="0"/>
+              <a:buChar char="o"/>
+            </a:pPr>
+            <a:endParaRPr lang="en-US" altLang="ko-KR" dirty="0">
+              <a:solidFill>
+                <a:schemeClr val="tx1">
+                  <a:lumMod val="75000"/>
+                  <a:lumOff val="25000"/>
+                </a:schemeClr>
+              </a:solidFill>
+              <a:latin typeface="Dosis Medium" panose="02010503020202060003" pitchFamily="2" charset="77"/>
+              <a:cs typeface="Arial" pitchFamily="34" charset="0"/>
+            </a:endParaRPr>
+          </a:p>
+          <a:p>
+            <a:pPr algn="ctr"/>
+            <a:endParaRPr lang="en-US" altLang="ko-KR" dirty="0">
+              <a:solidFill>
+                <a:schemeClr val="tx1">
+                  <a:lumMod val="75000"/>
+                  <a:lumOff val="25000"/>
+                </a:schemeClr>
+              </a:solidFill>
+              <a:latin typeface="Dosis Medium" panose="02010503020202060003" pitchFamily="2" charset="77"/>
+              <a:cs typeface="Arial" pitchFamily="34" charset="0"/>
+            </a:endParaRPr>
+          </a:p>
+          <a:p>
+            <a:pPr marL="171450" indent="-171450" algn="ctr">
+              <a:buFont typeface="Courier New" panose="02070309020205020404" pitchFamily="49" charset="0"/>
+              <a:buChar char="o"/>
+            </a:pPr>
+            <a:endParaRPr lang="en-US" altLang="ko-KR" dirty="0">
+              <a:solidFill>
+                <a:schemeClr val="tx1">
+                  <a:lumMod val="75000"/>
+                  <a:lumOff val="25000"/>
+                </a:schemeClr>
+              </a:solidFill>
+              <a:latin typeface="Dosis Medium" panose="02010503020202060003" pitchFamily="2" charset="77"/>
+              <a:cs typeface="Arial" pitchFamily="34" charset="0"/>
+            </a:endParaRPr>
+          </a:p>
+          <a:p>
+            <a:pPr algn="ctr"/>
+            <a:endParaRPr lang="en-US" altLang="ko-KR" dirty="0">
+              <a:solidFill>
+                <a:schemeClr val="tx1">
+                  <a:lumMod val="75000"/>
+                  <a:lumOff val="25000"/>
+                </a:schemeClr>
+              </a:solidFill>
+              <a:latin typeface="Dosis Medium" panose="02010503020202060003" pitchFamily="2" charset="77"/>
+              <a:cs typeface="Arial" pitchFamily="34" charset="0"/>
+            </a:endParaRPr>
+          </a:p>
+          <a:p>
+            <a:pPr algn="ctr"/>
+            <a:endParaRPr lang="en-US" altLang="ko-KR" dirty="0">
+              <a:solidFill>
+                <a:schemeClr val="tx1">
+                  <a:lumMod val="75000"/>
+                  <a:lumOff val="25000"/>
+                </a:schemeClr>
+              </a:solidFill>
+              <a:latin typeface="Dosis Medium" panose="02010503020202060003" pitchFamily="2" charset="77"/>
+              <a:cs typeface="Arial" pitchFamily="34" charset="0"/>
+            </a:endParaRPr>
+          </a:p>
+          <a:p>
+            <a:pPr algn="ctr"/>
+            <a:endParaRPr lang="en-US" altLang="ko-KR" dirty="0">
               <a:solidFill>
                 <a:schemeClr val="tx1">
                   <a:lumMod val="75000"/>
@@ -8171,8 +8329,8 @@
         </p:nvSpPr>
         <p:spPr>
           <a:xfrm>
-            <a:off x="1907704" y="1296425"/>
-            <a:ext cx="2059145" cy="369332"/>
+            <a:off x="1610094" y="1044787"/>
+            <a:ext cx="2592000" cy="465167"/>
           </a:xfrm>
           <a:prstGeom prst="rect">
             <a:avLst/>
@@ -8185,57 +8343,16 @@
           </a:bodyPr>
           <a:lstStyle/>
           <a:p>
-            <a:r>
-              <a:rPr lang="fr-FR" dirty="0" err="1">
+            <a:pPr algn="ctr"/>
+            <a:r>
+              <a:rPr lang="fr-FR" sz="2400" dirty="0">
                 <a:solidFill>
                   <a:srgbClr val="F8B2A3"/>
                 </a:solidFill>
                 <a:latin typeface="Dosis Medium" panose="02010503020202060003" pitchFamily="2" charset="77"/>
               </a:rPr>
-              <a:t>What</a:t>
-            </a:r>
-            <a:r>
-              <a:rPr lang="fr-FR" dirty="0">
-                <a:solidFill>
-                  <a:srgbClr val="F8B2A3"/>
-                </a:solidFill>
-                <a:latin typeface="Dosis Medium" panose="02010503020202060003" pitchFamily="2" charset="77"/>
-              </a:rPr>
-              <a:t> </a:t>
-            </a:r>
-            <a:r>
-              <a:rPr lang="fr-FR" dirty="0" err="1">
-                <a:solidFill>
-                  <a:srgbClr val="F8B2A3"/>
-                </a:solidFill>
-                <a:latin typeface="Dosis Medium" panose="02010503020202060003" pitchFamily="2" charset="77"/>
-              </a:rPr>
-              <a:t>was</a:t>
-            </a:r>
-            <a:r>
-              <a:rPr lang="fr-FR" dirty="0">
-                <a:solidFill>
-                  <a:srgbClr val="F8B2A3"/>
-                </a:solidFill>
-                <a:latin typeface="Dosis Medium" panose="02010503020202060003" pitchFamily="2" charset="77"/>
-              </a:rPr>
-              <a:t> </a:t>
-            </a:r>
-            <a:r>
-              <a:rPr lang="fr-FR" dirty="0" err="1">
-                <a:solidFill>
-                  <a:srgbClr val="F8B2A3"/>
-                </a:solidFill>
-                <a:latin typeface="Dosis Medium" panose="02010503020202060003" pitchFamily="2" charset="77"/>
-              </a:rPr>
-              <a:t>planned</a:t>
-            </a:r>
-            <a:endParaRPr lang="fr-FR" dirty="0">
-              <a:solidFill>
-                <a:srgbClr val="F8B2A3"/>
-              </a:solidFill>
-              <a:latin typeface="Dosis Medium" panose="02010503020202060003" pitchFamily="2" charset="77"/>
-            </a:endParaRPr>
+              <a:t>Initial objectives</a:t>
+            </a:r>
           </a:p>
         </p:txBody>
       </p:sp>
@@ -8253,8 +8370,8 @@
         </p:nvSpPr>
         <p:spPr>
           <a:xfrm>
-            <a:off x="5034435" y="1300381"/>
-            <a:ext cx="2592000" cy="369332"/>
+            <a:off x="4944854" y="1048289"/>
+            <a:ext cx="2592000" cy="461665"/>
           </a:xfrm>
           <a:prstGeom prst="rect">
             <a:avLst/>
@@ -8267,34 +8384,17 @@
           </a:bodyPr>
           <a:lstStyle/>
           <a:p>
-            <a:r>
-              <a:rPr lang="fr-FR" dirty="0" err="1">
+            <a:pPr algn="ctr"/>
+            <a:r>
+              <a:rPr lang="fr-FR" sz="2400" dirty="0" err="1">
                 <a:solidFill>
                   <a:srgbClr val="98DFBB"/>
                 </a:solidFill>
                 <a:latin typeface="Dosis Medium" panose="02010503020202060003" pitchFamily="2" charset="77"/>
               </a:rPr>
-              <a:t>What</a:t>
-            </a:r>
-            <a:r>
-              <a:rPr lang="fr-FR" dirty="0">
-                <a:solidFill>
-                  <a:srgbClr val="98DFBB"/>
-                </a:solidFill>
-                <a:latin typeface="Dosis Medium" panose="02010503020202060003" pitchFamily="2" charset="77"/>
-              </a:rPr>
-              <a:t> has been </a:t>
-            </a:r>
-            <a:r>
-              <a:rPr lang="fr-FR" dirty="0" err="1">
-                <a:solidFill>
-                  <a:srgbClr val="98DFBB"/>
-                </a:solidFill>
-                <a:latin typeface="Dosis Medium" panose="02010503020202060003" pitchFamily="2" charset="77"/>
-              </a:rPr>
-              <a:t>achieved</a:t>
-            </a:r>
-            <a:endParaRPr lang="fr-FR" dirty="0">
+              <a:t>Results</a:t>
+            </a:r>
+            <a:endParaRPr lang="fr-FR" sz="2400" dirty="0">
               <a:solidFill>
                 <a:srgbClr val="98DFBB"/>
               </a:solidFill>
@@ -8303,249 +8403,156 @@
           </a:p>
         </p:txBody>
       </p:sp>
-      <p:sp>
-        <p:nvSpPr>
-          <p:cNvPr id="17" name="TextBox 7">
+      <p:pic>
+        <p:nvPicPr>
+          <p:cNvPr id="7" name="Image 6">
             <a:extLst>
               <a:ext uri="{FF2B5EF4-FFF2-40B4-BE49-F238E27FC236}">
-                <a16:creationId xmlns:a16="http://schemas.microsoft.com/office/drawing/2014/main" id="{7A8F361A-FDE9-DB4B-813E-C89078F834F2}"/>
+                <a16:creationId xmlns:a16="http://schemas.microsoft.com/office/drawing/2014/main" id="{CA21CD01-697E-5F41-83FE-EA5EF3392AFE}"/>
               </a:ext>
             </a:extLst>
           </p:cNvPr>
-          <p:cNvSpPr txBox="1"/>
+          <p:cNvPicPr>
+            <a:picLocks noChangeAspect="1"/>
+          </p:cNvPicPr>
           <p:nvPr/>
-        </p:nvSpPr>
+        </p:nvPicPr>
+        <p:blipFill>
+          <a:blip r:embed="rId2"/>
+          <a:stretch>
+            <a:fillRect/>
+          </a:stretch>
+        </p:blipFill>
         <p:spPr>
           <a:xfrm>
-            <a:off x="4822888" y="1862203"/>
-            <a:ext cx="2835932" cy="2646878"/>
+            <a:off x="6099135" y="2252726"/>
+            <a:ext cx="432048" cy="432048"/>
           </a:xfrm>
           <a:prstGeom prst="rect">
             <a:avLst/>
           </a:prstGeom>
-          <a:noFill/>
         </p:spPr>
-        <p:txBody>
-          <a:bodyPr wrap="square" rtlCol="0">
-            <a:spAutoFit/>
-          </a:bodyPr>
-          <a:lstStyle/>
-          <a:p>
-            <a:pPr marL="171450" indent="-171450" algn="ctr">
-              <a:buFont typeface="Courier New" panose="02070309020205020404" pitchFamily="49" charset="0"/>
-              <a:buChar char="o"/>
-            </a:pPr>
-            <a:r>
-              <a:rPr lang="en-US" altLang="ko-KR" sz="1400" dirty="0">
-                <a:solidFill>
-                  <a:schemeClr val="tx1">
-                    <a:lumMod val="75000"/>
-                    <a:lumOff val="25000"/>
-                  </a:schemeClr>
-                </a:solidFill>
-                <a:latin typeface="Dosis Medium" panose="02010503020202060003" pitchFamily="2" charset="77"/>
-                <a:cs typeface="Arial" pitchFamily="34" charset="0"/>
-              </a:rPr>
-              <a:t>Something</a:t>
-            </a:r>
-          </a:p>
-          <a:p>
-            <a:pPr algn="ctr"/>
-            <a:endParaRPr lang="en-US" altLang="ko-KR" sz="1400" dirty="0">
-              <a:solidFill>
-                <a:schemeClr val="tx1">
-                  <a:lumMod val="75000"/>
-                  <a:lumOff val="25000"/>
-                </a:schemeClr>
-              </a:solidFill>
-              <a:latin typeface="Dosis Medium" panose="02010503020202060003" pitchFamily="2" charset="77"/>
-              <a:cs typeface="Arial" pitchFamily="34" charset="0"/>
-            </a:endParaRPr>
-          </a:p>
-          <a:p>
-            <a:pPr marL="171450" indent="-171450" algn="ctr">
-              <a:buFont typeface="Courier New" panose="02070309020205020404" pitchFamily="49" charset="0"/>
-              <a:buChar char="o"/>
-            </a:pPr>
-            <a:r>
-              <a:rPr lang="en-US" altLang="ko-KR" sz="1400" dirty="0">
-                <a:solidFill>
-                  <a:schemeClr val="tx1">
-                    <a:lumMod val="75000"/>
-                    <a:lumOff val="25000"/>
-                  </a:schemeClr>
-                </a:solidFill>
-                <a:latin typeface="Dosis Medium" panose="02010503020202060003" pitchFamily="2" charset="77"/>
-                <a:cs typeface="Arial" pitchFamily="34" charset="0"/>
-              </a:rPr>
-              <a:t>Something more</a:t>
-            </a:r>
-          </a:p>
-          <a:p>
-            <a:pPr algn="ctr"/>
-            <a:endParaRPr lang="en-US" altLang="ko-KR" sz="1400" dirty="0">
-              <a:solidFill>
-                <a:schemeClr val="tx1">
-                  <a:lumMod val="75000"/>
-                  <a:lumOff val="25000"/>
-                </a:schemeClr>
-              </a:solidFill>
-              <a:latin typeface="Dosis Medium" panose="02010503020202060003" pitchFamily="2" charset="77"/>
-              <a:cs typeface="Arial" pitchFamily="34" charset="0"/>
-            </a:endParaRPr>
-          </a:p>
-          <a:p>
-            <a:pPr marL="171450" indent="-171450" algn="ctr">
-              <a:buFont typeface="Courier New" panose="02070309020205020404" pitchFamily="49" charset="0"/>
-              <a:buChar char="o"/>
-            </a:pPr>
-            <a:r>
-              <a:rPr lang="en-US" altLang="ko-KR" sz="1400" dirty="0">
-                <a:solidFill>
-                  <a:schemeClr val="tx1">
-                    <a:lumMod val="75000"/>
-                    <a:lumOff val="25000"/>
-                  </a:schemeClr>
-                </a:solidFill>
-                <a:latin typeface="Dosis Medium" panose="02010503020202060003" pitchFamily="2" charset="77"/>
-                <a:cs typeface="Arial" pitchFamily="34" charset="0"/>
-              </a:rPr>
-              <a:t>Move</a:t>
-            </a:r>
-          </a:p>
-          <a:p>
-            <a:pPr algn="ctr"/>
-            <a:endParaRPr lang="en-US" altLang="ko-KR" sz="1400" dirty="0">
-              <a:solidFill>
-                <a:schemeClr val="tx1">
-                  <a:lumMod val="75000"/>
-                  <a:lumOff val="25000"/>
-                </a:schemeClr>
-              </a:solidFill>
-              <a:latin typeface="Dosis Medium" panose="02010503020202060003" pitchFamily="2" charset="77"/>
-              <a:cs typeface="Arial" pitchFamily="34" charset="0"/>
-            </a:endParaRPr>
-          </a:p>
-          <a:p>
-            <a:pPr marL="171450" indent="-171450" algn="ctr">
-              <a:buFont typeface="Courier New" panose="02070309020205020404" pitchFamily="49" charset="0"/>
-              <a:buChar char="o"/>
-            </a:pPr>
-            <a:r>
-              <a:rPr lang="en-US" altLang="ko-KR" sz="1400" dirty="0" err="1">
-                <a:solidFill>
-                  <a:schemeClr val="tx1">
-                    <a:lumMod val="75000"/>
-                    <a:lumOff val="25000"/>
-                  </a:schemeClr>
-                </a:solidFill>
-                <a:latin typeface="Dosis Medium" panose="02010503020202060003" pitchFamily="2" charset="77"/>
-                <a:cs typeface="Arial" pitchFamily="34" charset="0"/>
-              </a:rPr>
-              <a:t>Blabla</a:t>
-            </a:r>
-            <a:endParaRPr lang="en-US" altLang="ko-KR" sz="1400" dirty="0">
-              <a:solidFill>
-                <a:schemeClr val="tx1">
-                  <a:lumMod val="75000"/>
-                  <a:lumOff val="25000"/>
-                </a:schemeClr>
-              </a:solidFill>
-              <a:latin typeface="Dosis Medium" panose="02010503020202060003" pitchFamily="2" charset="77"/>
-              <a:cs typeface="Arial" pitchFamily="34" charset="0"/>
-            </a:endParaRPr>
-          </a:p>
-          <a:p>
-            <a:pPr algn="ctr"/>
-            <a:endParaRPr lang="en-US" altLang="ko-KR" sz="1400" dirty="0">
-              <a:solidFill>
-                <a:schemeClr val="tx1">
-                  <a:lumMod val="75000"/>
-                  <a:lumOff val="25000"/>
-                </a:schemeClr>
-              </a:solidFill>
-              <a:latin typeface="Dosis Medium" panose="02010503020202060003" pitchFamily="2" charset="77"/>
-              <a:cs typeface="Arial" pitchFamily="34" charset="0"/>
-            </a:endParaRPr>
-          </a:p>
-          <a:p>
-            <a:pPr marL="171450" indent="-171450" algn="ctr">
-              <a:buFont typeface="Courier New" panose="02070309020205020404" pitchFamily="49" charset="0"/>
-              <a:buChar char="o"/>
-            </a:pPr>
-            <a:r>
-              <a:rPr lang="en-US" altLang="ko-KR" sz="1400" dirty="0" err="1">
-                <a:solidFill>
-                  <a:schemeClr val="tx1">
-                    <a:lumMod val="75000"/>
-                    <a:lumOff val="25000"/>
-                  </a:schemeClr>
-                </a:solidFill>
-                <a:latin typeface="Dosis Medium" panose="02010503020202060003" pitchFamily="2" charset="77"/>
-                <a:cs typeface="Arial" pitchFamily="34" charset="0"/>
-              </a:rPr>
-              <a:t>Hahahahaha</a:t>
-            </a:r>
-            <a:endParaRPr lang="en-US" altLang="ko-KR" sz="1400" dirty="0">
-              <a:solidFill>
-                <a:schemeClr val="tx1">
-                  <a:lumMod val="75000"/>
-                  <a:lumOff val="25000"/>
-                </a:schemeClr>
-              </a:solidFill>
-              <a:latin typeface="Dosis Medium" panose="02010503020202060003" pitchFamily="2" charset="77"/>
-              <a:cs typeface="Arial" pitchFamily="34" charset="0"/>
-            </a:endParaRPr>
-          </a:p>
-          <a:p>
-            <a:pPr algn="ctr"/>
-            <a:endParaRPr lang="en-US" altLang="ko-KR" sz="1400" dirty="0">
-              <a:solidFill>
-                <a:schemeClr val="tx1">
-                  <a:lumMod val="75000"/>
-                  <a:lumOff val="25000"/>
-                </a:schemeClr>
-              </a:solidFill>
-              <a:latin typeface="Dosis Medium" panose="02010503020202060003" pitchFamily="2" charset="77"/>
-              <a:cs typeface="Arial" pitchFamily="34" charset="0"/>
-            </a:endParaRPr>
-          </a:p>
-          <a:p>
-            <a:pPr marL="171450" indent="-171450" algn="ctr">
-              <a:buFont typeface="Courier New" panose="02070309020205020404" pitchFamily="49" charset="0"/>
-              <a:buChar char="o"/>
-            </a:pPr>
-            <a:r>
-              <a:rPr lang="en-US" altLang="ko-KR" sz="1400" dirty="0">
-                <a:solidFill>
-                  <a:schemeClr val="tx1">
-                    <a:lumMod val="75000"/>
-                    <a:lumOff val="25000"/>
-                  </a:schemeClr>
-                </a:solidFill>
-                <a:latin typeface="Dosis Medium" panose="02010503020202060003" pitchFamily="2" charset="77"/>
-                <a:cs typeface="Arial" pitchFamily="34" charset="0"/>
-              </a:rPr>
-              <a:t>It wasn’t funny. </a:t>
-            </a:r>
-          </a:p>
-          <a:p>
-            <a:pPr marL="171450" indent="-171450" algn="ctr">
-              <a:buFont typeface="Courier New" panose="02070309020205020404" pitchFamily="49" charset="0"/>
-              <a:buChar char="o"/>
-            </a:pPr>
-            <a:endParaRPr lang="en-US" altLang="ko-KR" sz="1200" dirty="0">
-              <a:solidFill>
-                <a:schemeClr val="tx1">
-                  <a:lumMod val="75000"/>
-                  <a:lumOff val="25000"/>
-                </a:schemeClr>
-              </a:solidFill>
-              <a:cs typeface="Arial" pitchFamily="34" charset="0"/>
-            </a:endParaRPr>
-          </a:p>
-        </p:txBody>
-      </p:sp>
+      </p:pic>
+      <p:pic>
+        <p:nvPicPr>
+          <p:cNvPr id="9" name="Image 8">
+            <a:extLst>
+              <a:ext uri="{FF2B5EF4-FFF2-40B4-BE49-F238E27FC236}">
+                <a16:creationId xmlns:a16="http://schemas.microsoft.com/office/drawing/2014/main" id="{665CCCC9-00CF-6647-8248-347DDF08346B}"/>
+              </a:ext>
+            </a:extLst>
+          </p:cNvPr>
+          <p:cNvPicPr>
+            <a:picLocks noChangeAspect="1"/>
+          </p:cNvPicPr>
+          <p:nvPr/>
+        </p:nvPicPr>
+        <p:blipFill>
+          <a:blip r:embed="rId3"/>
+          <a:stretch>
+            <a:fillRect/>
+          </a:stretch>
+        </p:blipFill>
+        <p:spPr>
+          <a:xfrm>
+            <a:off x="6104934" y="3427644"/>
+            <a:ext cx="454918" cy="454918"/>
+          </a:xfrm>
+          <a:prstGeom prst="rect">
+            <a:avLst/>
+          </a:prstGeom>
+        </p:spPr>
+      </p:pic>
+      <p:pic>
+        <p:nvPicPr>
+          <p:cNvPr id="22" name="Image 21">
+            <a:extLst>
+              <a:ext uri="{FF2B5EF4-FFF2-40B4-BE49-F238E27FC236}">
+                <a16:creationId xmlns:a16="http://schemas.microsoft.com/office/drawing/2014/main" id="{6149463E-BE97-914A-ACBD-FA90597B9FD6}"/>
+              </a:ext>
+            </a:extLst>
+          </p:cNvPr>
+          <p:cNvPicPr>
+            <a:picLocks noChangeAspect="1"/>
+          </p:cNvPicPr>
+          <p:nvPr/>
+        </p:nvPicPr>
+        <p:blipFill>
+          <a:blip r:embed="rId4"/>
+          <a:stretch>
+            <a:fillRect/>
+          </a:stretch>
+        </p:blipFill>
+        <p:spPr>
+          <a:xfrm>
+            <a:off x="6087790" y="4031932"/>
+            <a:ext cx="472062" cy="461333"/>
+          </a:xfrm>
+          <a:prstGeom prst="rect">
+            <a:avLst/>
+          </a:prstGeom>
+        </p:spPr>
+      </p:pic>
+      <p:pic>
+        <p:nvPicPr>
+          <p:cNvPr id="23" name="Image 22">
+            <a:extLst>
+              <a:ext uri="{FF2B5EF4-FFF2-40B4-BE49-F238E27FC236}">
+                <a16:creationId xmlns:a16="http://schemas.microsoft.com/office/drawing/2014/main" id="{DF5D0EC9-AC7E-B241-91B8-4672DE57861A}"/>
+              </a:ext>
+            </a:extLst>
+          </p:cNvPr>
+          <p:cNvPicPr>
+            <a:picLocks noChangeAspect="1"/>
+          </p:cNvPicPr>
+          <p:nvPr/>
+        </p:nvPicPr>
+        <p:blipFill>
+          <a:blip r:embed="rId2"/>
+          <a:stretch>
+            <a:fillRect/>
+          </a:stretch>
+        </p:blipFill>
+        <p:spPr>
+          <a:xfrm>
+            <a:off x="6116369" y="1671406"/>
+            <a:ext cx="432048" cy="432048"/>
+          </a:xfrm>
+          <a:prstGeom prst="rect">
+            <a:avLst/>
+          </a:prstGeom>
+        </p:spPr>
+      </p:pic>
+      <p:pic>
+        <p:nvPicPr>
+          <p:cNvPr id="24" name="Image 23">
+            <a:extLst>
+              <a:ext uri="{FF2B5EF4-FFF2-40B4-BE49-F238E27FC236}">
+                <a16:creationId xmlns:a16="http://schemas.microsoft.com/office/drawing/2014/main" id="{7EA540D9-FF4E-4549-872D-EE616DC655D1}"/>
+              </a:ext>
+            </a:extLst>
+          </p:cNvPr>
+          <p:cNvPicPr>
+            <a:picLocks noChangeAspect="1"/>
+          </p:cNvPicPr>
+          <p:nvPr/>
+        </p:nvPicPr>
+        <p:blipFill>
+          <a:blip r:embed="rId2"/>
+          <a:stretch>
+            <a:fillRect/>
+          </a:stretch>
+        </p:blipFill>
+        <p:spPr>
+          <a:xfrm>
+            <a:off x="6099135" y="2834046"/>
+            <a:ext cx="432048" cy="432048"/>
+          </a:xfrm>
+          <a:prstGeom prst="rect">
+            <a:avLst/>
+          </a:prstGeom>
+        </p:spPr>
+      </p:pic>
     </p:spTree>
     <p:extLst>
       <p:ext uri="{BB962C8B-B14F-4D97-AF65-F5344CB8AC3E}">
@@ -12582,38 +12589,14 @@
               <a:buChar char="§"/>
             </a:pPr>
             <a:r>
-              <a:rPr lang="fr-FR" sz="2400" dirty="0" err="1">
+              <a:rPr lang="fr-FR" sz="2400" dirty="0">
                 <a:solidFill>
                   <a:schemeClr val="accent6"/>
                 </a:solidFill>
                 <a:latin typeface="Dosis" panose="02010503020202060003" pitchFamily="2" charset="77"/>
               </a:rPr>
-              <a:t>Database</a:t>
-            </a:r>
-            <a:r>
-              <a:rPr lang="fr-FR" sz="2400" dirty="0">
-                <a:solidFill>
-                  <a:schemeClr val="accent6"/>
-                </a:solidFill>
-                <a:latin typeface="Dosis" panose="02010503020202060003" pitchFamily="2" charset="77"/>
-              </a:rPr>
-              <a:t> Connexion </a:t>
-            </a:r>
-            <a:r>
-              <a:rPr lang="fr-FR" sz="2400" dirty="0" err="1">
-                <a:solidFill>
-                  <a:schemeClr val="accent6"/>
-                </a:solidFill>
-                <a:latin typeface="Dosis" panose="02010503020202060003" pitchFamily="2" charset="77"/>
-              </a:rPr>
-              <a:t>Checker</a:t>
-            </a:r>
-            <a:endParaRPr lang="fr-FR" sz="2400" dirty="0">
-              <a:solidFill>
-                <a:schemeClr val="accent6"/>
-              </a:solidFill>
-              <a:latin typeface="Dosis" panose="02010503020202060003" pitchFamily="2" charset="77"/>
-            </a:endParaRPr>
+              <a:t>Exception System</a:t>
+            </a:r>
           </a:p>
           <a:p>
             <a:pPr marL="285750" indent="-285750">
@@ -12675,10 +12658,6 @@
             </a:endParaRPr>
           </a:p>
           <a:p>
-            <a:pPr marL="285750" indent="-285750">
-              <a:buFont typeface="Wingdings" pitchFamily="2" charset="2"/>
-              <a:buChar char="§"/>
-            </a:pPr>
             <a:endParaRPr lang="fr-FR" sz="2400" dirty="0">
               <a:solidFill>
                 <a:schemeClr val="accent6"/>

--- a/src/main/resources/Presentations/BlablaMove_OralDefense.pptx
+++ b/src/main/resources/Presentations/BlablaMove_OralDefense.pptx
@@ -6926,8 +6926,8 @@
         </p:nvSpPr>
         <p:spPr>
           <a:xfrm>
-            <a:off x="394546" y="981449"/>
-            <a:ext cx="7192108" cy="1661746"/>
+            <a:off x="394546" y="838631"/>
+            <a:ext cx="7273798" cy="1804564"/>
           </a:xfrm>
           <a:prstGeom prst="rect">
             <a:avLst/>
@@ -7159,6 +7159,31 @@
                 <a:latin typeface="Dosis" panose="02010503020202060003" pitchFamily="2" charset="77"/>
               </a:rPr>
               <a:t>phpMyAdmin</a:t>
+            </a:r>
+            <a:endParaRPr lang="fr-FR" dirty="0">
+              <a:solidFill>
+                <a:srgbClr val="9AD3E9"/>
+              </a:solidFill>
+              <a:latin typeface="Dosis" panose="02010503020202060003" pitchFamily="2" charset="77"/>
+            </a:endParaRPr>
+          </a:p>
+          <a:p>
+            <a:pPr marL="457200" indent="-381000">
+              <a:spcBef>
+                <a:spcPts val="0"/>
+              </a:spcBef>
+              <a:buSzPts val="2400"/>
+              <a:buFont typeface="Arial" pitchFamily="34" charset="0"/>
+              <a:buChar char="▪"/>
+            </a:pPr>
+            <a:r>
+              <a:rPr lang="fr-FR" dirty="0" err="1">
+                <a:solidFill>
+                  <a:srgbClr val="9AD3E9"/>
+                </a:solidFill>
+                <a:latin typeface="Dosis" panose="02010503020202060003" pitchFamily="2" charset="77"/>
+              </a:rPr>
+              <a:t>NodeJS</a:t>
             </a:r>
             <a:endParaRPr lang="fr-FR" dirty="0">
               <a:solidFill>
@@ -7210,7 +7235,7 @@
         </p:blipFill>
         <p:spPr>
           <a:xfrm>
-            <a:off x="963833" y="3349697"/>
+            <a:off x="971007" y="3517900"/>
             <a:ext cx="1625600" cy="1625600"/>
           </a:xfrm>
           <a:prstGeom prst="rect">
@@ -7240,7 +7265,7 @@
         </p:blipFill>
         <p:spPr>
           <a:xfrm>
-            <a:off x="6776332" y="669703"/>
+            <a:off x="6888154" y="102688"/>
             <a:ext cx="1397000" cy="1828800"/>
           </a:xfrm>
           <a:prstGeom prst="rect">
@@ -7309,7 +7334,7 @@
         </p:blipFill>
         <p:spPr>
           <a:xfrm>
-            <a:off x="3563888" y="701316"/>
+            <a:off x="3247838" y="851874"/>
             <a:ext cx="3095514" cy="2144572"/>
           </a:xfrm>
           <a:prstGeom prst="rect">
@@ -7348,7 +7373,7 @@
         </p:blipFill>
         <p:spPr>
           <a:xfrm>
-            <a:off x="5796136" y="3075807"/>
+            <a:off x="5769566" y="3185895"/>
             <a:ext cx="3210138" cy="1789402"/>
           </a:xfrm>
           <a:prstGeom prst="rect">
@@ -7386,6 +7411,42 @@
           <a:xfrm>
             <a:off x="4355976" y="3973458"/>
             <a:ext cx="982320" cy="891751"/>
+          </a:xfrm>
+          <a:prstGeom prst="rect">
+            <a:avLst/>
+          </a:prstGeom>
+        </p:spPr>
+      </p:pic>
+      <p:pic>
+        <p:nvPicPr>
+          <p:cNvPr id="3" name="Image 2">
+            <a:extLst>
+              <a:ext uri="{FF2B5EF4-FFF2-40B4-BE49-F238E27FC236}">
+                <a16:creationId xmlns:a16="http://schemas.microsoft.com/office/drawing/2014/main" id="{59DCB9DC-58BD-1040-938D-8F2C6D654CEB}"/>
+              </a:ext>
+            </a:extLst>
+          </p:cNvPr>
+          <p:cNvPicPr>
+            <a:picLocks noChangeAspect="1"/>
+          </p:cNvPicPr>
+          <p:nvPr/>
+        </p:nvPicPr>
+        <p:blipFill>
+          <a:blip r:embed="rId10">
+            <a:extLst>
+              <a:ext uri="{28A0092B-C50C-407E-A947-70E740481C1C}">
+                <a14:useLocalDpi xmlns:a14="http://schemas.microsoft.com/office/drawing/2010/main" val="0"/>
+              </a:ext>
+            </a:extLst>
+          </a:blip>
+          <a:stretch>
+            <a:fillRect/>
+          </a:stretch>
+        </p:blipFill>
+        <p:spPr>
+          <a:xfrm>
+            <a:off x="6380953" y="2034686"/>
+            <a:ext cx="1987364" cy="1217018"/>
           </a:xfrm>
           <a:prstGeom prst="rect">
             <a:avLst/>
@@ -10987,7 +11048,7 @@
                 </a:solidFill>
                 <a:latin typeface="Dosis" panose="02010503020202060003" pitchFamily="2" charset="77"/>
               </a:rPr>
-              <a:t>coherence</a:t>
+              <a:t>consistency</a:t>
             </a:r>
             <a:endParaRPr lang="fr-FR" sz="2400" dirty="0">
               <a:solidFill>
@@ -13411,7 +13472,7 @@
         </p:blipFill>
         <p:spPr>
           <a:xfrm>
-            <a:off x="6846737" y="3576535"/>
+            <a:off x="6846737" y="3635191"/>
             <a:ext cx="1696318" cy="1443136"/>
           </a:xfrm>
           <a:prstGeom prst="rect">
